--- a/doc/design.pptx
+++ b/doc/design.pptx
@@ -5,13 +5,16 @@
     <p:sldMasterId id="2147483648" r:id="rId1"/>
   </p:sldMasterIdLst>
   <p:notesMasterIdLst>
-    <p:notesMasterId r:id="rId6"/>
+    <p:notesMasterId r:id="rId9"/>
   </p:notesMasterIdLst>
   <p:sldIdLst>
     <p:sldId id="256" r:id="rId2"/>
     <p:sldId id="257" r:id="rId3"/>
     <p:sldId id="258" r:id="rId4"/>
     <p:sldId id="259" r:id="rId5"/>
+    <p:sldId id="262" r:id="rId6"/>
+    <p:sldId id="263" r:id="rId7"/>
+    <p:sldId id="261" r:id="rId8"/>
   </p:sldIdLst>
   <p:sldSz cx="12192000" cy="6858000"/>
   <p:notesSz cx="6858000" cy="9144000"/>
@@ -538,6 +541,90 @@
     <p:extLst>
       <p:ext uri="{BB962C8B-B14F-4D97-AF65-F5344CB8AC3E}">
         <p14:creationId xmlns:p14="http://schemas.microsoft.com/office/powerpoint/2010/main" val="4201838746"/>
+      </p:ext>
+    </p:extLst>
+  </p:cSld>
+  <p:clrMapOvr>
+    <a:masterClrMapping/>
+  </p:clrMapOvr>
+</p:notes>
+</file>
+
+<file path=ppt/notesSlides/notesSlide2.xml><?xml version="1.0" encoding="utf-8"?>
+<p:notes xmlns:a="http://schemas.openxmlformats.org/drawingml/2006/main" xmlns:r="http://schemas.openxmlformats.org/officeDocument/2006/relationships" xmlns:p="http://schemas.openxmlformats.org/presentationml/2006/main">
+  <p:cSld>
+    <p:spTree>
+      <p:nvGrpSpPr>
+        <p:cNvPr id="1" name=""/>
+        <p:cNvGrpSpPr/>
+        <p:nvPr/>
+      </p:nvGrpSpPr>
+      <p:grpSpPr>
+        <a:xfrm>
+          <a:off x="0" y="0"/>
+          <a:ext cx="0" cy="0"/>
+          <a:chOff x="0" y="0"/>
+          <a:chExt cx="0" cy="0"/>
+        </a:xfrm>
+      </p:grpSpPr>
+      <p:sp>
+        <p:nvSpPr>
+          <p:cNvPr id="2" name="Slide Image Placeholder 1"/>
+          <p:cNvSpPr>
+            <a:spLocks noGrp="1" noRot="1" noChangeAspect="1"/>
+          </p:cNvSpPr>
+          <p:nvPr>
+            <p:ph type="sldImg"/>
+          </p:nvPr>
+        </p:nvSpPr>
+        <p:spPr/>
+      </p:sp>
+      <p:sp>
+        <p:nvSpPr>
+          <p:cNvPr id="3" name="Notes Placeholder 2"/>
+          <p:cNvSpPr>
+            <a:spLocks noGrp="1"/>
+          </p:cNvSpPr>
+          <p:nvPr>
+            <p:ph type="body" idx="1"/>
+          </p:nvPr>
+        </p:nvSpPr>
+        <p:spPr/>
+        <p:txBody>
+          <a:bodyPr/>
+          <a:lstStyle/>
+          <a:p>
+            <a:endParaRPr lang="en-IL" dirty="0"/>
+          </a:p>
+        </p:txBody>
+      </p:sp>
+      <p:sp>
+        <p:nvSpPr>
+          <p:cNvPr id="4" name="Slide Number Placeholder 3"/>
+          <p:cNvSpPr>
+            <a:spLocks noGrp="1"/>
+          </p:cNvSpPr>
+          <p:nvPr>
+            <p:ph type="sldNum" sz="quarter" idx="5"/>
+          </p:nvPr>
+        </p:nvSpPr>
+        <p:spPr/>
+        <p:txBody>
+          <a:bodyPr/>
+          <a:lstStyle/>
+          <a:p>
+            <a:fld id="{A6E3612C-645D-E149-8BA9-B25EE2AEBDCA}" type="slidenum">
+              <a:rPr lang="en-IL" smtClean="0"/>
+              <a:t>7</a:t>
+            </a:fld>
+            <a:endParaRPr lang="en-IL"/>
+          </a:p>
+        </p:txBody>
+      </p:sp>
+    </p:spTree>
+    <p:extLst>
+      <p:ext uri="{BB962C8B-B14F-4D97-AF65-F5344CB8AC3E}">
+        <p14:creationId xmlns:p14="http://schemas.microsoft.com/office/powerpoint/2010/main" val="3207275591"/>
       </p:ext>
     </p:extLst>
   </p:cSld>
@@ -5198,7 +5285,7 @@
           <a:bodyPr rtlCol="0" anchor="ctr"/>
           <a:lstStyle/>
           <a:p>
-            <a:pPr algn="ctr"/>
+            <a:pPr marL="0" algn="ctr" defTabSz="914400" rtl="1" eaLnBrk="1" latinLnBrk="0" hangingPunct="1"/>
             <a:endParaRPr lang="en-IL"/>
           </a:p>
         </p:txBody>
@@ -5269,7 +5356,7 @@
         </p:nvSpPr>
         <p:spPr>
           <a:xfrm>
-            <a:off x="1" y="2196521"/>
+            <a:off x="-41" y="3209548"/>
             <a:ext cx="1952978" cy="513191"/>
           </a:xfrm>
           <a:prstGeom prst="rect">
@@ -5318,7 +5405,7 @@
         </p:nvSpPr>
         <p:spPr>
           <a:xfrm>
-            <a:off x="23" y="2709712"/>
+            <a:off x="-19" y="3722739"/>
             <a:ext cx="1952978" cy="513191"/>
           </a:xfrm>
           <a:prstGeom prst="rect">
@@ -5367,7 +5454,7 @@
         </p:nvSpPr>
         <p:spPr>
           <a:xfrm>
-            <a:off x="12" y="1683330"/>
+            <a:off x="-30" y="2696357"/>
             <a:ext cx="1952978" cy="513191"/>
           </a:xfrm>
           <a:prstGeom prst="rect">
@@ -5489,6 +5576,104 @@
             <a:r>
               <a:rPr lang="en-IL" sz="2800" b="1" dirty="0"/>
               <a:t>Active Deals (1 Active, 2 Done, 1 Cancelled)</a:t>
+            </a:r>
+          </a:p>
+        </p:txBody>
+      </p:sp>
+      <p:sp>
+        <p:nvSpPr>
+          <p:cNvPr id="22" name="Rectangle 21">
+            <a:extLst>
+              <a:ext uri="{FF2B5EF4-FFF2-40B4-BE49-F238E27FC236}">
+                <a16:creationId xmlns:a16="http://schemas.microsoft.com/office/drawing/2014/main" id="{ADF64334-25ED-DB40-889C-564CE44A1327}"/>
+              </a:ext>
+            </a:extLst>
+          </p:cNvPr>
+          <p:cNvSpPr/>
+          <p:nvPr/>
+        </p:nvSpPr>
+        <p:spPr>
+          <a:xfrm>
+            <a:off x="-4773" y="1672168"/>
+            <a:ext cx="1952978" cy="513191"/>
+          </a:xfrm>
+          <a:prstGeom prst="rect">
+            <a:avLst/>
+          </a:prstGeom>
+        </p:spPr>
+        <p:style>
+          <a:lnRef idx="2">
+            <a:schemeClr val="accent1">
+              <a:shade val="50000"/>
+            </a:schemeClr>
+          </a:lnRef>
+          <a:fillRef idx="1">
+            <a:schemeClr val="accent1"/>
+          </a:fillRef>
+          <a:effectRef idx="0">
+            <a:schemeClr val="accent1"/>
+          </a:effectRef>
+          <a:fontRef idx="minor">
+            <a:schemeClr val="lt1"/>
+          </a:fontRef>
+        </p:style>
+        <p:txBody>
+          <a:bodyPr rtlCol="0" anchor="ctr"/>
+          <a:lstStyle/>
+          <a:p>
+            <a:pPr algn="ctr"/>
+            <a:r>
+              <a:rPr lang="en-IL" dirty="0"/>
+              <a:t>Offers</a:t>
+            </a:r>
+          </a:p>
+        </p:txBody>
+      </p:sp>
+      <p:sp>
+        <p:nvSpPr>
+          <p:cNvPr id="23" name="Rectangle 22">
+            <a:extLst>
+              <a:ext uri="{FF2B5EF4-FFF2-40B4-BE49-F238E27FC236}">
+                <a16:creationId xmlns:a16="http://schemas.microsoft.com/office/drawing/2014/main" id="{FEA46B9A-C180-914D-9BA8-7EA053994A74}"/>
+              </a:ext>
+            </a:extLst>
+          </p:cNvPr>
+          <p:cNvSpPr/>
+          <p:nvPr/>
+        </p:nvSpPr>
+        <p:spPr>
+          <a:xfrm>
+            <a:off x="-9547" y="2183166"/>
+            <a:ext cx="1952978" cy="513191"/>
+          </a:xfrm>
+          <a:prstGeom prst="rect">
+            <a:avLst/>
+          </a:prstGeom>
+        </p:spPr>
+        <p:style>
+          <a:lnRef idx="2">
+            <a:schemeClr val="accent1">
+              <a:shade val="50000"/>
+            </a:schemeClr>
+          </a:lnRef>
+          <a:fillRef idx="1">
+            <a:schemeClr val="accent1"/>
+          </a:fillRef>
+          <a:effectRef idx="0">
+            <a:schemeClr val="accent1"/>
+          </a:effectRef>
+          <a:fontRef idx="minor">
+            <a:schemeClr val="lt1"/>
+          </a:fontRef>
+        </p:style>
+        <p:txBody>
+          <a:bodyPr rtlCol="0" anchor="ctr"/>
+          <a:lstStyle/>
+          <a:p>
+            <a:pPr algn="ctr"/>
+            <a:r>
+              <a:rPr lang="en-IL" dirty="0"/>
+              <a:t>Orders</a:t>
             </a:r>
           </a:p>
         </p:txBody>
@@ -5623,153 +5808,6 @@
       </p:sp>
       <p:sp>
         <p:nvSpPr>
-          <p:cNvPr id="6" name="Rectangle 5">
-            <a:extLst>
-              <a:ext uri="{FF2B5EF4-FFF2-40B4-BE49-F238E27FC236}">
-                <a16:creationId xmlns:a16="http://schemas.microsoft.com/office/drawing/2014/main" id="{E84F9D73-FE3C-D14F-863A-65C3CCAEED8B}"/>
-              </a:ext>
-            </a:extLst>
-          </p:cNvPr>
-          <p:cNvSpPr/>
-          <p:nvPr/>
-        </p:nvSpPr>
-        <p:spPr>
-          <a:xfrm>
-            <a:off x="1" y="2196521"/>
-            <a:ext cx="1952978" cy="513191"/>
-          </a:xfrm>
-          <a:prstGeom prst="rect">
-            <a:avLst/>
-          </a:prstGeom>
-        </p:spPr>
-        <p:style>
-          <a:lnRef idx="2">
-            <a:schemeClr val="accent1">
-              <a:shade val="50000"/>
-            </a:schemeClr>
-          </a:lnRef>
-          <a:fillRef idx="1">
-            <a:schemeClr val="accent1"/>
-          </a:fillRef>
-          <a:effectRef idx="0">
-            <a:schemeClr val="accent1"/>
-          </a:effectRef>
-          <a:fontRef idx="minor">
-            <a:schemeClr val="lt1"/>
-          </a:fontRef>
-        </p:style>
-        <p:txBody>
-          <a:bodyPr rtlCol="0" anchor="ctr"/>
-          <a:lstStyle/>
-          <a:p>
-            <a:pPr algn="ctr"/>
-            <a:r>
-              <a:rPr lang="en-IL" dirty="0"/>
-              <a:t>Harmonized Codes</a:t>
-            </a:r>
-          </a:p>
-        </p:txBody>
-      </p:sp>
-      <p:sp>
-        <p:nvSpPr>
-          <p:cNvPr id="7" name="Rectangle 6">
-            <a:extLst>
-              <a:ext uri="{FF2B5EF4-FFF2-40B4-BE49-F238E27FC236}">
-                <a16:creationId xmlns:a16="http://schemas.microsoft.com/office/drawing/2014/main" id="{4F36DB2D-C6B3-6142-873C-AFCB1059EFB4}"/>
-              </a:ext>
-            </a:extLst>
-          </p:cNvPr>
-          <p:cNvSpPr/>
-          <p:nvPr/>
-        </p:nvSpPr>
-        <p:spPr>
-          <a:xfrm>
-            <a:off x="23" y="2709712"/>
-            <a:ext cx="1952978" cy="513191"/>
-          </a:xfrm>
-          <a:prstGeom prst="rect">
-            <a:avLst/>
-          </a:prstGeom>
-        </p:spPr>
-        <p:style>
-          <a:lnRef idx="2">
-            <a:schemeClr val="accent1">
-              <a:shade val="50000"/>
-            </a:schemeClr>
-          </a:lnRef>
-          <a:fillRef idx="1">
-            <a:schemeClr val="accent1"/>
-          </a:fillRef>
-          <a:effectRef idx="0">
-            <a:schemeClr val="accent1"/>
-          </a:effectRef>
-          <a:fontRef idx="minor">
-            <a:schemeClr val="lt1"/>
-          </a:fontRef>
-        </p:style>
-        <p:txBody>
-          <a:bodyPr rtlCol="0" anchor="ctr"/>
-          <a:lstStyle/>
-          <a:p>
-            <a:pPr algn="ctr"/>
-            <a:r>
-              <a:rPr lang="en-IL" dirty="0"/>
-              <a:t>Products</a:t>
-            </a:r>
-          </a:p>
-        </p:txBody>
-      </p:sp>
-      <p:sp>
-        <p:nvSpPr>
-          <p:cNvPr id="8" name="Rectangle 7">
-            <a:extLst>
-              <a:ext uri="{FF2B5EF4-FFF2-40B4-BE49-F238E27FC236}">
-                <a16:creationId xmlns:a16="http://schemas.microsoft.com/office/drawing/2014/main" id="{00D7ACED-9F40-8948-8556-175104DDA099}"/>
-              </a:ext>
-            </a:extLst>
-          </p:cNvPr>
-          <p:cNvSpPr/>
-          <p:nvPr/>
-        </p:nvSpPr>
-        <p:spPr>
-          <a:xfrm>
-            <a:off x="12" y="1683330"/>
-            <a:ext cx="1952978" cy="513191"/>
-          </a:xfrm>
-          <a:prstGeom prst="rect">
-            <a:avLst/>
-          </a:prstGeom>
-        </p:spPr>
-        <p:style>
-          <a:lnRef idx="2">
-            <a:schemeClr val="accent1">
-              <a:shade val="50000"/>
-            </a:schemeClr>
-          </a:lnRef>
-          <a:fillRef idx="1">
-            <a:schemeClr val="accent1"/>
-          </a:fillRef>
-          <a:effectRef idx="0">
-            <a:schemeClr val="accent1"/>
-          </a:effectRef>
-          <a:fontRef idx="minor">
-            <a:schemeClr val="lt1"/>
-          </a:fontRef>
-        </p:style>
-        <p:txBody>
-          <a:bodyPr rtlCol="0" anchor="ctr"/>
-          <a:lstStyle/>
-          <a:p>
-            <a:pPr algn="ctr"/>
-            <a:r>
-              <a:rPr lang="en-IL" dirty="0"/>
-              <a:t>Businesses</a:t>
-            </a:r>
-          </a:p>
-        </p:txBody>
-      </p:sp>
-      <p:sp>
-        <p:nvSpPr>
           <p:cNvPr id="10" name="Rectangle 9">
             <a:extLst>
               <a:ext uri="{FF2B5EF4-FFF2-40B4-BE49-F238E27FC236}">
@@ -6013,7 +6051,7 @@
           <a:bodyPr rtlCol="0" anchor="ctr"/>
           <a:lstStyle/>
           <a:p>
-            <a:pPr algn="ctr"/>
+            <a:pPr marL="0" algn="ctr" defTabSz="914400" rtl="1" eaLnBrk="1" latinLnBrk="0" hangingPunct="1"/>
             <a:endParaRPr lang="en-IL"/>
           </a:p>
         </p:txBody>
@@ -6092,7 +6130,7 @@
           <p:nvPr>
             <p:extLst>
               <p:ext uri="{D42A27DB-BD31-4B8C-83A1-F6EECF244321}">
-                <p14:modId xmlns:p14="http://schemas.microsoft.com/office/powerpoint/2010/main" val="2217571741"/>
+                <p14:modId xmlns:p14="http://schemas.microsoft.com/office/powerpoint/2010/main" val="1298289689"/>
               </p:ext>
             </p:extLst>
           </p:nvPr>
@@ -6191,7 +6229,11 @@
                       </a:r>
                     </a:p>
                   </a:txBody>
-                  <a:tcPr/>
+                  <a:tcPr>
+                    <a:solidFill>
+                      <a:schemeClr val="accent6"/>
+                    </a:solidFill>
+                  </a:tcPr>
                 </a:tc>
                 <a:tc>
                   <a:txBody>
@@ -6362,10 +6404,7 @@
                   </a:txBody>
                   <a:tcPr>
                     <a:solidFill>
-                      <a:schemeClr val="accent5">
-                        <a:lumMod val="40000"/>
-                        <a:lumOff val="60000"/>
-                      </a:schemeClr>
+                      <a:schemeClr val="accent6"/>
                     </a:solidFill>
                   </a:tcPr>
                 </a:tc>
@@ -6637,10 +6676,7 @@
                   </a:txBody>
                   <a:tcPr>
                     <a:solidFill>
-                      <a:schemeClr val="accent5">
-                        <a:lumMod val="40000"/>
-                        <a:lumOff val="60000"/>
-                      </a:schemeClr>
+                      <a:schemeClr val="accent6"/>
                     </a:solidFill>
                   </a:tcPr>
                 </a:tc>
@@ -6912,10 +6948,7 @@
                   </a:txBody>
                   <a:tcPr>
                     <a:solidFill>
-                      <a:schemeClr val="accent5">
-                        <a:lumMod val="40000"/>
-                        <a:lumOff val="60000"/>
-                      </a:schemeClr>
+                      <a:schemeClr val="accent6"/>
                     </a:solidFill>
                   </a:tcPr>
                 </a:tc>
@@ -7119,10 +7152,7 @@
                   </a:txBody>
                   <a:tcPr>
                     <a:solidFill>
-                      <a:schemeClr val="accent5">
-                        <a:lumMod val="40000"/>
-                        <a:lumOff val="60000"/>
-                      </a:schemeClr>
+                      <a:schemeClr val="accent6"/>
                     </a:solidFill>
                   </a:tcPr>
                 </a:tc>
@@ -7394,10 +7424,7 @@
                   </a:txBody>
                   <a:tcPr>
                     <a:solidFill>
-                      <a:schemeClr val="accent6">
-                        <a:lumMod val="60000"/>
-                        <a:lumOff val="40000"/>
-                      </a:schemeClr>
+                      <a:schemeClr val="accent6"/>
                     </a:solidFill>
                   </a:tcPr>
                 </a:tc>
@@ -7643,6 +7670,251 @@
                 </a:solidFill>
               </a:rPr>
               <a:t>Offers</a:t>
+            </a:r>
+          </a:p>
+        </p:txBody>
+      </p:sp>
+      <p:sp>
+        <p:nvSpPr>
+          <p:cNvPr id="23" name="Rectangle 22">
+            <a:extLst>
+              <a:ext uri="{FF2B5EF4-FFF2-40B4-BE49-F238E27FC236}">
+                <a16:creationId xmlns:a16="http://schemas.microsoft.com/office/drawing/2014/main" id="{A07A5958-427B-EA4A-88B3-209882381A93}"/>
+              </a:ext>
+            </a:extLst>
+          </p:cNvPr>
+          <p:cNvSpPr/>
+          <p:nvPr/>
+        </p:nvSpPr>
+        <p:spPr>
+          <a:xfrm>
+            <a:off x="-41" y="3209548"/>
+            <a:ext cx="1952978" cy="513191"/>
+          </a:xfrm>
+          <a:prstGeom prst="rect">
+            <a:avLst/>
+          </a:prstGeom>
+        </p:spPr>
+        <p:style>
+          <a:lnRef idx="2">
+            <a:schemeClr val="accent1">
+              <a:shade val="50000"/>
+            </a:schemeClr>
+          </a:lnRef>
+          <a:fillRef idx="1">
+            <a:schemeClr val="accent1"/>
+          </a:fillRef>
+          <a:effectRef idx="0">
+            <a:schemeClr val="accent1"/>
+          </a:effectRef>
+          <a:fontRef idx="minor">
+            <a:schemeClr val="lt1"/>
+          </a:fontRef>
+        </p:style>
+        <p:txBody>
+          <a:bodyPr rtlCol="0" anchor="ctr"/>
+          <a:lstStyle/>
+          <a:p>
+            <a:pPr algn="ctr"/>
+            <a:r>
+              <a:rPr lang="en-IL" dirty="0"/>
+              <a:t>Harmonized Codes</a:t>
+            </a:r>
+          </a:p>
+        </p:txBody>
+      </p:sp>
+      <p:sp>
+        <p:nvSpPr>
+          <p:cNvPr id="24" name="Rectangle 23">
+            <a:extLst>
+              <a:ext uri="{FF2B5EF4-FFF2-40B4-BE49-F238E27FC236}">
+                <a16:creationId xmlns:a16="http://schemas.microsoft.com/office/drawing/2014/main" id="{46639A24-C26B-A34A-92CA-8980DCE7B29A}"/>
+              </a:ext>
+            </a:extLst>
+          </p:cNvPr>
+          <p:cNvSpPr/>
+          <p:nvPr/>
+        </p:nvSpPr>
+        <p:spPr>
+          <a:xfrm>
+            <a:off x="-19" y="3722739"/>
+            <a:ext cx="1952978" cy="513191"/>
+          </a:xfrm>
+          <a:prstGeom prst="rect">
+            <a:avLst/>
+          </a:prstGeom>
+        </p:spPr>
+        <p:style>
+          <a:lnRef idx="2">
+            <a:schemeClr val="accent1">
+              <a:shade val="50000"/>
+            </a:schemeClr>
+          </a:lnRef>
+          <a:fillRef idx="1">
+            <a:schemeClr val="accent1"/>
+          </a:fillRef>
+          <a:effectRef idx="0">
+            <a:schemeClr val="accent1"/>
+          </a:effectRef>
+          <a:fontRef idx="minor">
+            <a:schemeClr val="lt1"/>
+          </a:fontRef>
+        </p:style>
+        <p:txBody>
+          <a:bodyPr rtlCol="0" anchor="ctr"/>
+          <a:lstStyle/>
+          <a:p>
+            <a:pPr algn="ctr"/>
+            <a:r>
+              <a:rPr lang="en-IL" dirty="0"/>
+              <a:t>Products</a:t>
+            </a:r>
+          </a:p>
+        </p:txBody>
+      </p:sp>
+      <p:sp>
+        <p:nvSpPr>
+          <p:cNvPr id="25" name="Rectangle 24">
+            <a:extLst>
+              <a:ext uri="{FF2B5EF4-FFF2-40B4-BE49-F238E27FC236}">
+                <a16:creationId xmlns:a16="http://schemas.microsoft.com/office/drawing/2014/main" id="{3E85B23F-5275-8B46-95F0-64B4FF1C0198}"/>
+              </a:ext>
+            </a:extLst>
+          </p:cNvPr>
+          <p:cNvSpPr/>
+          <p:nvPr/>
+        </p:nvSpPr>
+        <p:spPr>
+          <a:xfrm>
+            <a:off x="-30" y="2696357"/>
+            <a:ext cx="1952978" cy="513191"/>
+          </a:xfrm>
+          <a:prstGeom prst="rect">
+            <a:avLst/>
+          </a:prstGeom>
+        </p:spPr>
+        <p:style>
+          <a:lnRef idx="2">
+            <a:schemeClr val="accent1">
+              <a:shade val="50000"/>
+            </a:schemeClr>
+          </a:lnRef>
+          <a:fillRef idx="1">
+            <a:schemeClr val="accent1"/>
+          </a:fillRef>
+          <a:effectRef idx="0">
+            <a:schemeClr val="accent1"/>
+          </a:effectRef>
+          <a:fontRef idx="minor">
+            <a:schemeClr val="lt1"/>
+          </a:fontRef>
+        </p:style>
+        <p:txBody>
+          <a:bodyPr rtlCol="0" anchor="ctr"/>
+          <a:lstStyle/>
+          <a:p>
+            <a:pPr algn="ctr"/>
+            <a:r>
+              <a:rPr lang="en-IL" dirty="0"/>
+              <a:t>Businesses</a:t>
+            </a:r>
+          </a:p>
+        </p:txBody>
+      </p:sp>
+      <p:sp>
+        <p:nvSpPr>
+          <p:cNvPr id="26" name="Rectangle 25">
+            <a:extLst>
+              <a:ext uri="{FF2B5EF4-FFF2-40B4-BE49-F238E27FC236}">
+                <a16:creationId xmlns:a16="http://schemas.microsoft.com/office/drawing/2014/main" id="{9F1FAA9D-44B0-D04C-835E-130B3A936733}"/>
+              </a:ext>
+            </a:extLst>
+          </p:cNvPr>
+          <p:cNvSpPr/>
+          <p:nvPr/>
+        </p:nvSpPr>
+        <p:spPr>
+          <a:xfrm>
+            <a:off x="-4773" y="1672168"/>
+            <a:ext cx="1952978" cy="513191"/>
+          </a:xfrm>
+          <a:prstGeom prst="rect">
+            <a:avLst/>
+          </a:prstGeom>
+        </p:spPr>
+        <p:style>
+          <a:lnRef idx="2">
+            <a:schemeClr val="accent1">
+              <a:shade val="50000"/>
+            </a:schemeClr>
+          </a:lnRef>
+          <a:fillRef idx="1">
+            <a:schemeClr val="accent1"/>
+          </a:fillRef>
+          <a:effectRef idx="0">
+            <a:schemeClr val="accent1"/>
+          </a:effectRef>
+          <a:fontRef idx="minor">
+            <a:schemeClr val="lt1"/>
+          </a:fontRef>
+        </p:style>
+        <p:txBody>
+          <a:bodyPr rtlCol="0" anchor="ctr"/>
+          <a:lstStyle/>
+          <a:p>
+            <a:pPr algn="ctr"/>
+            <a:r>
+              <a:rPr lang="en-IL" dirty="0"/>
+              <a:t>Offers</a:t>
+            </a:r>
+          </a:p>
+        </p:txBody>
+      </p:sp>
+      <p:sp>
+        <p:nvSpPr>
+          <p:cNvPr id="27" name="Rectangle 26">
+            <a:extLst>
+              <a:ext uri="{FF2B5EF4-FFF2-40B4-BE49-F238E27FC236}">
+                <a16:creationId xmlns:a16="http://schemas.microsoft.com/office/drawing/2014/main" id="{D49CD908-CC53-264D-9219-5A278CD77A4A}"/>
+              </a:ext>
+            </a:extLst>
+          </p:cNvPr>
+          <p:cNvSpPr/>
+          <p:nvPr/>
+        </p:nvSpPr>
+        <p:spPr>
+          <a:xfrm>
+            <a:off x="-9547" y="2183166"/>
+            <a:ext cx="1952978" cy="513191"/>
+          </a:xfrm>
+          <a:prstGeom prst="rect">
+            <a:avLst/>
+          </a:prstGeom>
+        </p:spPr>
+        <p:style>
+          <a:lnRef idx="2">
+            <a:schemeClr val="accent1">
+              <a:shade val="50000"/>
+            </a:schemeClr>
+          </a:lnRef>
+          <a:fillRef idx="1">
+            <a:schemeClr val="accent1"/>
+          </a:fillRef>
+          <a:effectRef idx="0">
+            <a:schemeClr val="accent1"/>
+          </a:effectRef>
+          <a:fontRef idx="minor">
+            <a:schemeClr val="lt1"/>
+          </a:fontRef>
+        </p:style>
+        <p:txBody>
+          <a:bodyPr rtlCol="0" anchor="ctr"/>
+          <a:lstStyle/>
+          <a:p>
+            <a:pPr algn="ctr"/>
+            <a:r>
+              <a:rPr lang="en-IL" dirty="0"/>
+              <a:t>Orders</a:t>
             </a:r>
           </a:p>
         </p:txBody>
@@ -7777,153 +8049,6 @@
       </p:sp>
       <p:sp>
         <p:nvSpPr>
-          <p:cNvPr id="6" name="Rectangle 5">
-            <a:extLst>
-              <a:ext uri="{FF2B5EF4-FFF2-40B4-BE49-F238E27FC236}">
-                <a16:creationId xmlns:a16="http://schemas.microsoft.com/office/drawing/2014/main" id="{E84F9D73-FE3C-D14F-863A-65C3CCAEED8B}"/>
-              </a:ext>
-            </a:extLst>
-          </p:cNvPr>
-          <p:cNvSpPr/>
-          <p:nvPr/>
-        </p:nvSpPr>
-        <p:spPr>
-          <a:xfrm>
-            <a:off x="1" y="2196521"/>
-            <a:ext cx="1952978" cy="513191"/>
-          </a:xfrm>
-          <a:prstGeom prst="rect">
-            <a:avLst/>
-          </a:prstGeom>
-        </p:spPr>
-        <p:style>
-          <a:lnRef idx="2">
-            <a:schemeClr val="accent1">
-              <a:shade val="50000"/>
-            </a:schemeClr>
-          </a:lnRef>
-          <a:fillRef idx="1">
-            <a:schemeClr val="accent1"/>
-          </a:fillRef>
-          <a:effectRef idx="0">
-            <a:schemeClr val="accent1"/>
-          </a:effectRef>
-          <a:fontRef idx="minor">
-            <a:schemeClr val="lt1"/>
-          </a:fontRef>
-        </p:style>
-        <p:txBody>
-          <a:bodyPr rtlCol="0" anchor="ctr"/>
-          <a:lstStyle/>
-          <a:p>
-            <a:pPr algn="ctr"/>
-            <a:r>
-              <a:rPr lang="en-IL" dirty="0"/>
-              <a:t>Harmonized Codes</a:t>
-            </a:r>
-          </a:p>
-        </p:txBody>
-      </p:sp>
-      <p:sp>
-        <p:nvSpPr>
-          <p:cNvPr id="7" name="Rectangle 6">
-            <a:extLst>
-              <a:ext uri="{FF2B5EF4-FFF2-40B4-BE49-F238E27FC236}">
-                <a16:creationId xmlns:a16="http://schemas.microsoft.com/office/drawing/2014/main" id="{4F36DB2D-C6B3-6142-873C-AFCB1059EFB4}"/>
-              </a:ext>
-            </a:extLst>
-          </p:cNvPr>
-          <p:cNvSpPr/>
-          <p:nvPr/>
-        </p:nvSpPr>
-        <p:spPr>
-          <a:xfrm>
-            <a:off x="23" y="2709712"/>
-            <a:ext cx="1952978" cy="513191"/>
-          </a:xfrm>
-          <a:prstGeom prst="rect">
-            <a:avLst/>
-          </a:prstGeom>
-        </p:spPr>
-        <p:style>
-          <a:lnRef idx="2">
-            <a:schemeClr val="accent1">
-              <a:shade val="50000"/>
-            </a:schemeClr>
-          </a:lnRef>
-          <a:fillRef idx="1">
-            <a:schemeClr val="accent1"/>
-          </a:fillRef>
-          <a:effectRef idx="0">
-            <a:schemeClr val="accent1"/>
-          </a:effectRef>
-          <a:fontRef idx="minor">
-            <a:schemeClr val="lt1"/>
-          </a:fontRef>
-        </p:style>
-        <p:txBody>
-          <a:bodyPr rtlCol="0" anchor="ctr"/>
-          <a:lstStyle/>
-          <a:p>
-            <a:pPr algn="ctr"/>
-            <a:r>
-              <a:rPr lang="en-IL" dirty="0"/>
-              <a:t>Products</a:t>
-            </a:r>
-          </a:p>
-        </p:txBody>
-      </p:sp>
-      <p:sp>
-        <p:nvSpPr>
-          <p:cNvPr id="8" name="Rectangle 7">
-            <a:extLst>
-              <a:ext uri="{FF2B5EF4-FFF2-40B4-BE49-F238E27FC236}">
-                <a16:creationId xmlns:a16="http://schemas.microsoft.com/office/drawing/2014/main" id="{00D7ACED-9F40-8948-8556-175104DDA099}"/>
-              </a:ext>
-            </a:extLst>
-          </p:cNvPr>
-          <p:cNvSpPr/>
-          <p:nvPr/>
-        </p:nvSpPr>
-        <p:spPr>
-          <a:xfrm>
-            <a:off x="12" y="1683330"/>
-            <a:ext cx="1952978" cy="513191"/>
-          </a:xfrm>
-          <a:prstGeom prst="rect">
-            <a:avLst/>
-          </a:prstGeom>
-        </p:spPr>
-        <p:style>
-          <a:lnRef idx="2">
-            <a:schemeClr val="accent1">
-              <a:shade val="50000"/>
-            </a:schemeClr>
-          </a:lnRef>
-          <a:fillRef idx="1">
-            <a:schemeClr val="accent1"/>
-          </a:fillRef>
-          <a:effectRef idx="0">
-            <a:schemeClr val="accent1"/>
-          </a:effectRef>
-          <a:fontRef idx="minor">
-            <a:schemeClr val="lt1"/>
-          </a:fontRef>
-        </p:style>
-        <p:txBody>
-          <a:bodyPr rtlCol="0" anchor="ctr"/>
-          <a:lstStyle/>
-          <a:p>
-            <a:pPr algn="ctr"/>
-            <a:r>
-              <a:rPr lang="en-IL" dirty="0"/>
-              <a:t>Businesses</a:t>
-            </a:r>
-          </a:p>
-        </p:txBody>
-      </p:sp>
-      <p:sp>
-        <p:nvSpPr>
           <p:cNvPr id="10" name="Rectangle 9">
             <a:extLst>
               <a:ext uri="{FF2B5EF4-FFF2-40B4-BE49-F238E27FC236}">
@@ -8167,7 +8292,7 @@
           <a:bodyPr rtlCol="0" anchor="ctr"/>
           <a:lstStyle/>
           <a:p>
-            <a:pPr algn="ctr"/>
+            <a:pPr marL="0" algn="ctr" defTabSz="914400" rtl="1" eaLnBrk="1" latinLnBrk="0" hangingPunct="1"/>
             <a:endParaRPr lang="en-IL">
               <a:solidFill>
                 <a:schemeClr val="tx1"/>
@@ -9429,10 +9554,6062 @@
           </a:p>
         </p:txBody>
       </p:sp>
+      <p:sp>
+        <p:nvSpPr>
+          <p:cNvPr id="30" name="Rectangle 29">
+            <a:extLst>
+              <a:ext uri="{FF2B5EF4-FFF2-40B4-BE49-F238E27FC236}">
+                <a16:creationId xmlns:a16="http://schemas.microsoft.com/office/drawing/2014/main" id="{691351D8-F18B-C24E-893D-8AB19146A14E}"/>
+              </a:ext>
+            </a:extLst>
+          </p:cNvPr>
+          <p:cNvSpPr/>
+          <p:nvPr/>
+        </p:nvSpPr>
+        <p:spPr>
+          <a:xfrm>
+            <a:off x="-41" y="3209548"/>
+            <a:ext cx="1952978" cy="513191"/>
+          </a:xfrm>
+          <a:prstGeom prst="rect">
+            <a:avLst/>
+          </a:prstGeom>
+        </p:spPr>
+        <p:style>
+          <a:lnRef idx="2">
+            <a:schemeClr val="accent1">
+              <a:shade val="50000"/>
+            </a:schemeClr>
+          </a:lnRef>
+          <a:fillRef idx="1">
+            <a:schemeClr val="accent1"/>
+          </a:fillRef>
+          <a:effectRef idx="0">
+            <a:schemeClr val="accent1"/>
+          </a:effectRef>
+          <a:fontRef idx="minor">
+            <a:schemeClr val="lt1"/>
+          </a:fontRef>
+        </p:style>
+        <p:txBody>
+          <a:bodyPr rtlCol="0" anchor="ctr"/>
+          <a:lstStyle/>
+          <a:p>
+            <a:pPr algn="ctr"/>
+            <a:r>
+              <a:rPr lang="en-IL" dirty="0"/>
+              <a:t>Harmonized Codes</a:t>
+            </a:r>
+          </a:p>
+        </p:txBody>
+      </p:sp>
+      <p:sp>
+        <p:nvSpPr>
+          <p:cNvPr id="31" name="Rectangle 30">
+            <a:extLst>
+              <a:ext uri="{FF2B5EF4-FFF2-40B4-BE49-F238E27FC236}">
+                <a16:creationId xmlns:a16="http://schemas.microsoft.com/office/drawing/2014/main" id="{057B8E91-46BB-604F-8F4D-03BA4D07D9AA}"/>
+              </a:ext>
+            </a:extLst>
+          </p:cNvPr>
+          <p:cNvSpPr/>
+          <p:nvPr/>
+        </p:nvSpPr>
+        <p:spPr>
+          <a:xfrm>
+            <a:off x="-19" y="3722739"/>
+            <a:ext cx="1952978" cy="513191"/>
+          </a:xfrm>
+          <a:prstGeom prst="rect">
+            <a:avLst/>
+          </a:prstGeom>
+        </p:spPr>
+        <p:style>
+          <a:lnRef idx="2">
+            <a:schemeClr val="accent1">
+              <a:shade val="50000"/>
+            </a:schemeClr>
+          </a:lnRef>
+          <a:fillRef idx="1">
+            <a:schemeClr val="accent1"/>
+          </a:fillRef>
+          <a:effectRef idx="0">
+            <a:schemeClr val="accent1"/>
+          </a:effectRef>
+          <a:fontRef idx="minor">
+            <a:schemeClr val="lt1"/>
+          </a:fontRef>
+        </p:style>
+        <p:txBody>
+          <a:bodyPr rtlCol="0" anchor="ctr"/>
+          <a:lstStyle/>
+          <a:p>
+            <a:pPr algn="ctr"/>
+            <a:r>
+              <a:rPr lang="en-IL" dirty="0"/>
+              <a:t>Products</a:t>
+            </a:r>
+          </a:p>
+        </p:txBody>
+      </p:sp>
+      <p:sp>
+        <p:nvSpPr>
+          <p:cNvPr id="32" name="Rectangle 31">
+            <a:extLst>
+              <a:ext uri="{FF2B5EF4-FFF2-40B4-BE49-F238E27FC236}">
+                <a16:creationId xmlns:a16="http://schemas.microsoft.com/office/drawing/2014/main" id="{2D1BC735-5DC8-4B47-AD00-EE82A54B0EDE}"/>
+              </a:ext>
+            </a:extLst>
+          </p:cNvPr>
+          <p:cNvSpPr/>
+          <p:nvPr/>
+        </p:nvSpPr>
+        <p:spPr>
+          <a:xfrm>
+            <a:off x="-30" y="2696357"/>
+            <a:ext cx="1952978" cy="513191"/>
+          </a:xfrm>
+          <a:prstGeom prst="rect">
+            <a:avLst/>
+          </a:prstGeom>
+        </p:spPr>
+        <p:style>
+          <a:lnRef idx="2">
+            <a:schemeClr val="accent1">
+              <a:shade val="50000"/>
+            </a:schemeClr>
+          </a:lnRef>
+          <a:fillRef idx="1">
+            <a:schemeClr val="accent1"/>
+          </a:fillRef>
+          <a:effectRef idx="0">
+            <a:schemeClr val="accent1"/>
+          </a:effectRef>
+          <a:fontRef idx="minor">
+            <a:schemeClr val="lt1"/>
+          </a:fontRef>
+        </p:style>
+        <p:txBody>
+          <a:bodyPr rtlCol="0" anchor="ctr"/>
+          <a:lstStyle/>
+          <a:p>
+            <a:pPr algn="ctr"/>
+            <a:r>
+              <a:rPr lang="en-IL" dirty="0"/>
+              <a:t>Businesses</a:t>
+            </a:r>
+          </a:p>
+        </p:txBody>
+      </p:sp>
+      <p:sp>
+        <p:nvSpPr>
+          <p:cNvPr id="33" name="Rectangle 32">
+            <a:extLst>
+              <a:ext uri="{FF2B5EF4-FFF2-40B4-BE49-F238E27FC236}">
+                <a16:creationId xmlns:a16="http://schemas.microsoft.com/office/drawing/2014/main" id="{39D7C9BE-E8D0-C646-AF6D-B38C565E9FD7}"/>
+              </a:ext>
+            </a:extLst>
+          </p:cNvPr>
+          <p:cNvSpPr/>
+          <p:nvPr/>
+        </p:nvSpPr>
+        <p:spPr>
+          <a:xfrm>
+            <a:off x="-4773" y="1672168"/>
+            <a:ext cx="1952978" cy="513191"/>
+          </a:xfrm>
+          <a:prstGeom prst="rect">
+            <a:avLst/>
+          </a:prstGeom>
+        </p:spPr>
+        <p:style>
+          <a:lnRef idx="2">
+            <a:schemeClr val="accent1">
+              <a:shade val="50000"/>
+            </a:schemeClr>
+          </a:lnRef>
+          <a:fillRef idx="1">
+            <a:schemeClr val="accent1"/>
+          </a:fillRef>
+          <a:effectRef idx="0">
+            <a:schemeClr val="accent1"/>
+          </a:effectRef>
+          <a:fontRef idx="minor">
+            <a:schemeClr val="lt1"/>
+          </a:fontRef>
+        </p:style>
+        <p:txBody>
+          <a:bodyPr rtlCol="0" anchor="ctr"/>
+          <a:lstStyle/>
+          <a:p>
+            <a:pPr algn="ctr"/>
+            <a:r>
+              <a:rPr lang="en-IL" dirty="0"/>
+              <a:t>Offers</a:t>
+            </a:r>
+          </a:p>
+        </p:txBody>
+      </p:sp>
+      <p:sp>
+        <p:nvSpPr>
+          <p:cNvPr id="34" name="Rectangle 33">
+            <a:extLst>
+              <a:ext uri="{FF2B5EF4-FFF2-40B4-BE49-F238E27FC236}">
+                <a16:creationId xmlns:a16="http://schemas.microsoft.com/office/drawing/2014/main" id="{1178CA40-F81F-394F-A845-F965536F9763}"/>
+              </a:ext>
+            </a:extLst>
+          </p:cNvPr>
+          <p:cNvSpPr/>
+          <p:nvPr/>
+        </p:nvSpPr>
+        <p:spPr>
+          <a:xfrm>
+            <a:off x="-9547" y="2183166"/>
+            <a:ext cx="1952978" cy="513191"/>
+          </a:xfrm>
+          <a:prstGeom prst="rect">
+            <a:avLst/>
+          </a:prstGeom>
+        </p:spPr>
+        <p:style>
+          <a:lnRef idx="2">
+            <a:schemeClr val="accent1">
+              <a:shade val="50000"/>
+            </a:schemeClr>
+          </a:lnRef>
+          <a:fillRef idx="1">
+            <a:schemeClr val="accent1"/>
+          </a:fillRef>
+          <a:effectRef idx="0">
+            <a:schemeClr val="accent1"/>
+          </a:effectRef>
+          <a:fontRef idx="minor">
+            <a:schemeClr val="lt1"/>
+          </a:fontRef>
+        </p:style>
+        <p:txBody>
+          <a:bodyPr rtlCol="0" anchor="ctr"/>
+          <a:lstStyle/>
+          <a:p>
+            <a:pPr algn="ctr"/>
+            <a:r>
+              <a:rPr lang="en-IL" dirty="0"/>
+              <a:t>Orders</a:t>
+            </a:r>
+          </a:p>
+        </p:txBody>
+      </p:sp>
     </p:spTree>
     <p:extLst>
       <p:ext uri="{BB962C8B-B14F-4D97-AF65-F5344CB8AC3E}">
         <p14:creationId xmlns:p14="http://schemas.microsoft.com/office/powerpoint/2010/main" val="1345472751"/>
+      </p:ext>
+    </p:extLst>
+  </p:cSld>
+  <p:clrMapOvr>
+    <a:masterClrMapping/>
+  </p:clrMapOvr>
+</p:sld>
+</file>
+
+<file path=ppt/slides/slide5.xml><?xml version="1.0" encoding="utf-8"?>
+<p:sld xmlns:a="http://schemas.openxmlformats.org/drawingml/2006/main" xmlns:r="http://schemas.openxmlformats.org/officeDocument/2006/relationships" xmlns:p="http://schemas.openxmlformats.org/presentationml/2006/main">
+  <p:cSld>
+    <p:spTree>
+      <p:nvGrpSpPr>
+        <p:cNvPr id="1" name=""/>
+        <p:cNvGrpSpPr/>
+        <p:nvPr/>
+      </p:nvGrpSpPr>
+      <p:grpSpPr>
+        <a:xfrm>
+          <a:off x="0" y="0"/>
+          <a:ext cx="0" cy="0"/>
+          <a:chOff x="0" y="0"/>
+          <a:chExt cx="0" cy="0"/>
+        </a:xfrm>
+      </p:grpSpPr>
+      <p:sp>
+        <p:nvSpPr>
+          <p:cNvPr id="4" name="Rectangle 3">
+            <a:extLst>
+              <a:ext uri="{FF2B5EF4-FFF2-40B4-BE49-F238E27FC236}">
+                <a16:creationId xmlns:a16="http://schemas.microsoft.com/office/drawing/2014/main" id="{E77A601D-84C1-4F4A-9BC8-3A8FB714DE5C}"/>
+              </a:ext>
+            </a:extLst>
+          </p:cNvPr>
+          <p:cNvSpPr/>
+          <p:nvPr/>
+        </p:nvSpPr>
+        <p:spPr>
+          <a:xfrm>
+            <a:off x="1" y="656948"/>
+            <a:ext cx="1952978" cy="6201052"/>
+          </a:xfrm>
+          <a:prstGeom prst="rect">
+            <a:avLst/>
+          </a:prstGeom>
+        </p:spPr>
+        <p:style>
+          <a:lnRef idx="2">
+            <a:schemeClr val="accent1">
+              <a:shade val="50000"/>
+            </a:schemeClr>
+          </a:lnRef>
+          <a:fillRef idx="1">
+            <a:schemeClr val="accent1"/>
+          </a:fillRef>
+          <a:effectRef idx="0">
+            <a:schemeClr val="accent1"/>
+          </a:effectRef>
+          <a:fontRef idx="minor">
+            <a:schemeClr val="lt1"/>
+          </a:fontRef>
+        </p:style>
+        <p:txBody>
+          <a:bodyPr rtlCol="0" anchor="ctr"/>
+          <a:lstStyle/>
+          <a:p>
+            <a:pPr algn="ctr"/>
+            <a:endParaRPr lang="en-IL"/>
+          </a:p>
+        </p:txBody>
+      </p:sp>
+      <p:sp>
+        <p:nvSpPr>
+          <p:cNvPr id="5" name="Rectangle 4">
+            <a:extLst>
+              <a:ext uri="{FF2B5EF4-FFF2-40B4-BE49-F238E27FC236}">
+                <a16:creationId xmlns:a16="http://schemas.microsoft.com/office/drawing/2014/main" id="{8054A794-9B1D-8647-AE49-F2DAA14F4AEF}"/>
+              </a:ext>
+            </a:extLst>
+          </p:cNvPr>
+          <p:cNvSpPr/>
+          <p:nvPr/>
+        </p:nvSpPr>
+        <p:spPr>
+          <a:xfrm>
+            <a:off x="21" y="1170139"/>
+            <a:ext cx="1952978" cy="513191"/>
+          </a:xfrm>
+          <a:prstGeom prst="rect">
+            <a:avLst/>
+          </a:prstGeom>
+        </p:spPr>
+        <p:style>
+          <a:lnRef idx="2">
+            <a:schemeClr val="accent1">
+              <a:shade val="50000"/>
+            </a:schemeClr>
+          </a:lnRef>
+          <a:fillRef idx="1">
+            <a:schemeClr val="accent1"/>
+          </a:fillRef>
+          <a:effectRef idx="0">
+            <a:schemeClr val="accent1"/>
+          </a:effectRef>
+          <a:fontRef idx="minor">
+            <a:schemeClr val="lt1"/>
+          </a:fontRef>
+        </p:style>
+        <p:txBody>
+          <a:bodyPr rtlCol="0" anchor="ctr"/>
+          <a:lstStyle/>
+          <a:p>
+            <a:pPr algn="ctr"/>
+            <a:r>
+              <a:rPr lang="en-IL" dirty="0"/>
+              <a:t>Deals</a:t>
+            </a:r>
+          </a:p>
+        </p:txBody>
+      </p:sp>
+      <p:sp>
+        <p:nvSpPr>
+          <p:cNvPr id="10" name="Rectangle 9">
+            <a:extLst>
+              <a:ext uri="{FF2B5EF4-FFF2-40B4-BE49-F238E27FC236}">
+                <a16:creationId xmlns:a16="http://schemas.microsoft.com/office/drawing/2014/main" id="{DD93A59F-D0F5-3444-88E2-CA8D0571F73D}"/>
+              </a:ext>
+            </a:extLst>
+          </p:cNvPr>
+          <p:cNvSpPr/>
+          <p:nvPr/>
+        </p:nvSpPr>
+        <p:spPr>
+          <a:xfrm>
+            <a:off x="44069" y="10344"/>
+            <a:ext cx="12192022" cy="656948"/>
+          </a:xfrm>
+          <a:prstGeom prst="rect">
+            <a:avLst/>
+          </a:prstGeom>
+        </p:spPr>
+        <p:style>
+          <a:lnRef idx="2">
+            <a:schemeClr val="accent1">
+              <a:shade val="50000"/>
+            </a:schemeClr>
+          </a:lnRef>
+          <a:fillRef idx="1">
+            <a:schemeClr val="accent1"/>
+          </a:fillRef>
+          <a:effectRef idx="0">
+            <a:schemeClr val="accent1"/>
+          </a:effectRef>
+          <a:fontRef idx="minor">
+            <a:schemeClr val="lt1"/>
+          </a:fontRef>
+        </p:style>
+        <p:txBody>
+          <a:bodyPr rtlCol="0" anchor="ctr"/>
+          <a:lstStyle/>
+          <a:p>
+            <a:r>
+              <a:rPr lang="en-IL" b="1" dirty="0"/>
+              <a:t>   Supplying Admin</a:t>
+            </a:r>
+          </a:p>
+        </p:txBody>
+      </p:sp>
+      <p:sp>
+        <p:nvSpPr>
+          <p:cNvPr id="11" name="Rectangle 10">
+            <a:extLst>
+              <a:ext uri="{FF2B5EF4-FFF2-40B4-BE49-F238E27FC236}">
+                <a16:creationId xmlns:a16="http://schemas.microsoft.com/office/drawing/2014/main" id="{AF89738C-F37C-8B4A-98D5-A9A8C7685265}"/>
+              </a:ext>
+            </a:extLst>
+          </p:cNvPr>
+          <p:cNvSpPr/>
+          <p:nvPr/>
+        </p:nvSpPr>
+        <p:spPr>
+          <a:xfrm>
+            <a:off x="1" y="656948"/>
+            <a:ext cx="1952978" cy="513191"/>
+          </a:xfrm>
+          <a:prstGeom prst="rect">
+            <a:avLst/>
+          </a:prstGeom>
+        </p:spPr>
+        <p:style>
+          <a:lnRef idx="2">
+            <a:schemeClr val="accent1">
+              <a:shade val="50000"/>
+            </a:schemeClr>
+          </a:lnRef>
+          <a:fillRef idx="1">
+            <a:schemeClr val="accent1"/>
+          </a:fillRef>
+          <a:effectRef idx="0">
+            <a:schemeClr val="accent1"/>
+          </a:effectRef>
+          <a:fontRef idx="minor">
+            <a:schemeClr val="lt1"/>
+          </a:fontRef>
+        </p:style>
+        <p:txBody>
+          <a:bodyPr rtlCol="0" anchor="ctr"/>
+          <a:lstStyle/>
+          <a:p>
+            <a:pPr algn="ctr"/>
+            <a:r>
+              <a:rPr lang="en-IL" dirty="0"/>
+              <a:t>Overview</a:t>
+            </a:r>
+          </a:p>
+        </p:txBody>
+      </p:sp>
+      <p:sp>
+        <p:nvSpPr>
+          <p:cNvPr id="2" name="TextBox 1">
+            <a:extLst>
+              <a:ext uri="{FF2B5EF4-FFF2-40B4-BE49-F238E27FC236}">
+                <a16:creationId xmlns:a16="http://schemas.microsoft.com/office/drawing/2014/main" id="{96FFA38A-B801-3E41-86F1-A6321EC535BB}"/>
+              </a:ext>
+            </a:extLst>
+          </p:cNvPr>
+          <p:cNvSpPr txBox="1"/>
+          <p:nvPr/>
+        </p:nvSpPr>
+        <p:spPr>
+          <a:xfrm>
+            <a:off x="1952936" y="649112"/>
+            <a:ext cx="10239043" cy="523220"/>
+          </a:xfrm>
+          <a:prstGeom prst="rect">
+            <a:avLst/>
+          </a:prstGeom>
+          <a:solidFill>
+            <a:schemeClr val="bg2"/>
+          </a:solidFill>
+          <a:ln>
+            <a:solidFill>
+              <a:schemeClr val="tx1"/>
+            </a:solidFill>
+          </a:ln>
+        </p:spPr>
+        <p:txBody>
+          <a:bodyPr wrap="square" rtlCol="0">
+            <a:spAutoFit/>
+          </a:bodyPr>
+          <a:lstStyle/>
+          <a:p>
+            <a:pPr marL="0" defTabSz="914400" rtl="1" eaLnBrk="1" latinLnBrk="0" hangingPunct="1"/>
+            <a:r>
+              <a:rPr lang="en-IL" sz="2800" b="1" dirty="0"/>
+              <a:t>Deal 2021-06-20: Supplier A &lt;&gt; Trans Computers</a:t>
+            </a:r>
+          </a:p>
+        </p:txBody>
+      </p:sp>
+      <p:sp>
+        <p:nvSpPr>
+          <p:cNvPr id="15" name="Rounded Rectangle 14">
+            <a:extLst>
+              <a:ext uri="{FF2B5EF4-FFF2-40B4-BE49-F238E27FC236}">
+                <a16:creationId xmlns:a16="http://schemas.microsoft.com/office/drawing/2014/main" id="{70C26768-1D3F-B341-9D97-0484802567C1}"/>
+              </a:ext>
+            </a:extLst>
+          </p:cNvPr>
+          <p:cNvSpPr/>
+          <p:nvPr/>
+        </p:nvSpPr>
+        <p:spPr>
+          <a:xfrm>
+            <a:off x="10498668" y="702847"/>
+            <a:ext cx="1061156" cy="415749"/>
+          </a:xfrm>
+          <a:prstGeom prst="roundRect">
+            <a:avLst/>
+          </a:prstGeom>
+          <a:solidFill>
+            <a:schemeClr val="accent4">
+              <a:lumMod val="60000"/>
+              <a:lumOff val="40000"/>
+            </a:schemeClr>
+          </a:solidFill>
+        </p:spPr>
+        <p:style>
+          <a:lnRef idx="2">
+            <a:schemeClr val="accent1">
+              <a:shade val="50000"/>
+            </a:schemeClr>
+          </a:lnRef>
+          <a:fillRef idx="1">
+            <a:schemeClr val="accent1"/>
+          </a:fillRef>
+          <a:effectRef idx="0">
+            <a:schemeClr val="accent1"/>
+          </a:effectRef>
+          <a:fontRef idx="minor">
+            <a:schemeClr val="lt1"/>
+          </a:fontRef>
+        </p:style>
+        <p:txBody>
+          <a:bodyPr rtlCol="0" anchor="ctr"/>
+          <a:lstStyle/>
+          <a:p>
+            <a:pPr algn="ctr"/>
+            <a:r>
+              <a:rPr lang="en-IL" dirty="0">
+                <a:solidFill>
+                  <a:schemeClr val="tx1"/>
+                </a:solidFill>
+              </a:rPr>
+              <a:t>Active</a:t>
+            </a:r>
+          </a:p>
+        </p:txBody>
+      </p:sp>
+      <p:sp>
+        <p:nvSpPr>
+          <p:cNvPr id="18" name="Rectangle 17">
+            <a:extLst>
+              <a:ext uri="{FF2B5EF4-FFF2-40B4-BE49-F238E27FC236}">
+                <a16:creationId xmlns:a16="http://schemas.microsoft.com/office/drawing/2014/main" id="{ACA76756-2CD2-424C-89C0-B0F5C7D16495}"/>
+              </a:ext>
+            </a:extLst>
+          </p:cNvPr>
+          <p:cNvSpPr/>
+          <p:nvPr/>
+        </p:nvSpPr>
+        <p:spPr>
+          <a:xfrm>
+            <a:off x="1952979" y="1177975"/>
+            <a:ext cx="1643940" cy="5680025"/>
+          </a:xfrm>
+          <a:prstGeom prst="rect">
+            <a:avLst/>
+          </a:prstGeom>
+          <a:solidFill>
+            <a:schemeClr val="accent5">
+              <a:lumMod val="40000"/>
+              <a:lumOff val="60000"/>
+            </a:schemeClr>
+          </a:solidFill>
+        </p:spPr>
+        <p:style>
+          <a:lnRef idx="2">
+            <a:schemeClr val="accent1">
+              <a:shade val="50000"/>
+            </a:schemeClr>
+          </a:lnRef>
+          <a:fillRef idx="1">
+            <a:schemeClr val="accent1"/>
+          </a:fillRef>
+          <a:effectRef idx="0">
+            <a:schemeClr val="accent1"/>
+          </a:effectRef>
+          <a:fontRef idx="minor">
+            <a:schemeClr val="lt1"/>
+          </a:fontRef>
+        </p:style>
+        <p:txBody>
+          <a:bodyPr rtlCol="0" anchor="ctr"/>
+          <a:lstStyle/>
+          <a:p>
+            <a:pPr marL="0" algn="ctr" defTabSz="914400" rtl="0" eaLnBrk="1" latinLnBrk="0" hangingPunct="1"/>
+            <a:endParaRPr lang="en-IL">
+              <a:solidFill>
+                <a:schemeClr val="tx1"/>
+              </a:solidFill>
+            </a:endParaRPr>
+          </a:p>
+        </p:txBody>
+      </p:sp>
+      <p:sp>
+        <p:nvSpPr>
+          <p:cNvPr id="30" name="Rectangle 29">
+            <a:extLst>
+              <a:ext uri="{FF2B5EF4-FFF2-40B4-BE49-F238E27FC236}">
+                <a16:creationId xmlns:a16="http://schemas.microsoft.com/office/drawing/2014/main" id="{691351D8-F18B-C24E-893D-8AB19146A14E}"/>
+              </a:ext>
+            </a:extLst>
+          </p:cNvPr>
+          <p:cNvSpPr/>
+          <p:nvPr/>
+        </p:nvSpPr>
+        <p:spPr>
+          <a:xfrm>
+            <a:off x="-41" y="3209548"/>
+            <a:ext cx="1952978" cy="513191"/>
+          </a:xfrm>
+          <a:prstGeom prst="rect">
+            <a:avLst/>
+          </a:prstGeom>
+        </p:spPr>
+        <p:style>
+          <a:lnRef idx="2">
+            <a:schemeClr val="accent1">
+              <a:shade val="50000"/>
+            </a:schemeClr>
+          </a:lnRef>
+          <a:fillRef idx="1">
+            <a:schemeClr val="accent1"/>
+          </a:fillRef>
+          <a:effectRef idx="0">
+            <a:schemeClr val="accent1"/>
+          </a:effectRef>
+          <a:fontRef idx="minor">
+            <a:schemeClr val="lt1"/>
+          </a:fontRef>
+        </p:style>
+        <p:txBody>
+          <a:bodyPr rtlCol="0" anchor="ctr"/>
+          <a:lstStyle/>
+          <a:p>
+            <a:pPr algn="ctr"/>
+            <a:r>
+              <a:rPr lang="en-IL" dirty="0"/>
+              <a:t>Harmonized Codes</a:t>
+            </a:r>
+          </a:p>
+        </p:txBody>
+      </p:sp>
+      <p:sp>
+        <p:nvSpPr>
+          <p:cNvPr id="31" name="Rectangle 30">
+            <a:extLst>
+              <a:ext uri="{FF2B5EF4-FFF2-40B4-BE49-F238E27FC236}">
+                <a16:creationId xmlns:a16="http://schemas.microsoft.com/office/drawing/2014/main" id="{057B8E91-46BB-604F-8F4D-03BA4D07D9AA}"/>
+              </a:ext>
+            </a:extLst>
+          </p:cNvPr>
+          <p:cNvSpPr/>
+          <p:nvPr/>
+        </p:nvSpPr>
+        <p:spPr>
+          <a:xfrm>
+            <a:off x="-19" y="3722739"/>
+            <a:ext cx="1952978" cy="513191"/>
+          </a:xfrm>
+          <a:prstGeom prst="rect">
+            <a:avLst/>
+          </a:prstGeom>
+        </p:spPr>
+        <p:style>
+          <a:lnRef idx="2">
+            <a:schemeClr val="accent1">
+              <a:shade val="50000"/>
+            </a:schemeClr>
+          </a:lnRef>
+          <a:fillRef idx="1">
+            <a:schemeClr val="accent1"/>
+          </a:fillRef>
+          <a:effectRef idx="0">
+            <a:schemeClr val="accent1"/>
+          </a:effectRef>
+          <a:fontRef idx="minor">
+            <a:schemeClr val="lt1"/>
+          </a:fontRef>
+        </p:style>
+        <p:txBody>
+          <a:bodyPr rtlCol="0" anchor="ctr"/>
+          <a:lstStyle/>
+          <a:p>
+            <a:pPr algn="ctr"/>
+            <a:r>
+              <a:rPr lang="en-IL" dirty="0"/>
+              <a:t>Products</a:t>
+            </a:r>
+          </a:p>
+        </p:txBody>
+      </p:sp>
+      <p:sp>
+        <p:nvSpPr>
+          <p:cNvPr id="32" name="Rectangle 31">
+            <a:extLst>
+              <a:ext uri="{FF2B5EF4-FFF2-40B4-BE49-F238E27FC236}">
+                <a16:creationId xmlns:a16="http://schemas.microsoft.com/office/drawing/2014/main" id="{2D1BC735-5DC8-4B47-AD00-EE82A54B0EDE}"/>
+              </a:ext>
+            </a:extLst>
+          </p:cNvPr>
+          <p:cNvSpPr/>
+          <p:nvPr/>
+        </p:nvSpPr>
+        <p:spPr>
+          <a:xfrm>
+            <a:off x="-30" y="2696357"/>
+            <a:ext cx="1952978" cy="513191"/>
+          </a:xfrm>
+          <a:prstGeom prst="rect">
+            <a:avLst/>
+          </a:prstGeom>
+        </p:spPr>
+        <p:style>
+          <a:lnRef idx="2">
+            <a:schemeClr val="accent1">
+              <a:shade val="50000"/>
+            </a:schemeClr>
+          </a:lnRef>
+          <a:fillRef idx="1">
+            <a:schemeClr val="accent1"/>
+          </a:fillRef>
+          <a:effectRef idx="0">
+            <a:schemeClr val="accent1"/>
+          </a:effectRef>
+          <a:fontRef idx="minor">
+            <a:schemeClr val="lt1"/>
+          </a:fontRef>
+        </p:style>
+        <p:txBody>
+          <a:bodyPr rtlCol="0" anchor="ctr"/>
+          <a:lstStyle/>
+          <a:p>
+            <a:pPr algn="ctr"/>
+            <a:r>
+              <a:rPr lang="en-IL" dirty="0"/>
+              <a:t>Businesses</a:t>
+            </a:r>
+          </a:p>
+        </p:txBody>
+      </p:sp>
+      <p:sp>
+        <p:nvSpPr>
+          <p:cNvPr id="33" name="Rectangle 32">
+            <a:extLst>
+              <a:ext uri="{FF2B5EF4-FFF2-40B4-BE49-F238E27FC236}">
+                <a16:creationId xmlns:a16="http://schemas.microsoft.com/office/drawing/2014/main" id="{39D7C9BE-E8D0-C646-AF6D-B38C565E9FD7}"/>
+              </a:ext>
+            </a:extLst>
+          </p:cNvPr>
+          <p:cNvSpPr/>
+          <p:nvPr/>
+        </p:nvSpPr>
+        <p:spPr>
+          <a:xfrm>
+            <a:off x="-4773" y="1672168"/>
+            <a:ext cx="1952978" cy="513191"/>
+          </a:xfrm>
+          <a:prstGeom prst="rect">
+            <a:avLst/>
+          </a:prstGeom>
+          <a:solidFill>
+            <a:schemeClr val="accent6"/>
+          </a:solidFill>
+        </p:spPr>
+        <p:style>
+          <a:lnRef idx="2">
+            <a:schemeClr val="accent1">
+              <a:shade val="50000"/>
+            </a:schemeClr>
+          </a:lnRef>
+          <a:fillRef idx="1">
+            <a:schemeClr val="accent1"/>
+          </a:fillRef>
+          <a:effectRef idx="0">
+            <a:schemeClr val="accent1"/>
+          </a:effectRef>
+          <a:fontRef idx="minor">
+            <a:schemeClr val="lt1"/>
+          </a:fontRef>
+        </p:style>
+        <p:txBody>
+          <a:bodyPr rtlCol="0" anchor="ctr"/>
+          <a:lstStyle/>
+          <a:p>
+            <a:pPr algn="ctr"/>
+            <a:r>
+              <a:rPr lang="en-IL" dirty="0"/>
+              <a:t>Offers</a:t>
+            </a:r>
+          </a:p>
+        </p:txBody>
+      </p:sp>
+      <p:sp>
+        <p:nvSpPr>
+          <p:cNvPr id="34" name="Rectangle 33">
+            <a:extLst>
+              <a:ext uri="{FF2B5EF4-FFF2-40B4-BE49-F238E27FC236}">
+                <a16:creationId xmlns:a16="http://schemas.microsoft.com/office/drawing/2014/main" id="{1178CA40-F81F-394F-A845-F965536F9763}"/>
+              </a:ext>
+            </a:extLst>
+          </p:cNvPr>
+          <p:cNvSpPr/>
+          <p:nvPr/>
+        </p:nvSpPr>
+        <p:spPr>
+          <a:xfrm>
+            <a:off x="-9547" y="2183166"/>
+            <a:ext cx="1952978" cy="513191"/>
+          </a:xfrm>
+          <a:prstGeom prst="rect">
+            <a:avLst/>
+          </a:prstGeom>
+        </p:spPr>
+        <p:style>
+          <a:lnRef idx="2">
+            <a:schemeClr val="accent1">
+              <a:shade val="50000"/>
+            </a:schemeClr>
+          </a:lnRef>
+          <a:fillRef idx="1">
+            <a:schemeClr val="accent1"/>
+          </a:fillRef>
+          <a:effectRef idx="0">
+            <a:schemeClr val="accent1"/>
+          </a:effectRef>
+          <a:fontRef idx="minor">
+            <a:schemeClr val="lt1"/>
+          </a:fontRef>
+        </p:style>
+        <p:txBody>
+          <a:bodyPr rtlCol="0" anchor="ctr"/>
+          <a:lstStyle/>
+          <a:p>
+            <a:pPr algn="ctr"/>
+            <a:r>
+              <a:rPr lang="en-IL" dirty="0"/>
+              <a:t>Orders</a:t>
+            </a:r>
+          </a:p>
+        </p:txBody>
+      </p:sp>
+      <p:graphicFrame>
+        <p:nvGraphicFramePr>
+          <p:cNvPr id="25" name="Table 20">
+            <a:extLst>
+              <a:ext uri="{FF2B5EF4-FFF2-40B4-BE49-F238E27FC236}">
+                <a16:creationId xmlns:a16="http://schemas.microsoft.com/office/drawing/2014/main" id="{AC9C3DF8-B8CE-2C48-A93F-6A38175D4761}"/>
+              </a:ext>
+            </a:extLst>
+          </p:cNvPr>
+          <p:cNvGraphicFramePr>
+            <a:graphicFrameLocks noGrp="1"/>
+          </p:cNvGraphicFramePr>
+          <p:nvPr>
+            <p:extLst>
+              <p:ext uri="{D42A27DB-BD31-4B8C-83A1-F6EECF244321}">
+                <p14:modId xmlns:p14="http://schemas.microsoft.com/office/powerpoint/2010/main" val="2981184533"/>
+              </p:ext>
+            </p:extLst>
+          </p:nvPr>
+        </p:nvGraphicFramePr>
+        <p:xfrm>
+          <a:off x="3704543" y="1790643"/>
+          <a:ext cx="8271242" cy="4418244"/>
+        </p:xfrm>
+        <a:graphic>
+          <a:graphicData uri="http://schemas.openxmlformats.org/drawingml/2006/table">
+            <a:tbl>
+              <a:tblPr firstRow="1" bandRow="1">
+                <a:tableStyleId>{5C22544A-7EE6-4342-B048-85BDC9FD1C3A}</a:tableStyleId>
+              </a:tblPr>
+              <a:tblGrid>
+                <a:gridCol w="1591567">
+                  <a:extLst>
+                    <a:ext uri="{9D8B030D-6E8A-4147-A177-3AD203B41FA5}">
+                      <a16:colId xmlns:a16="http://schemas.microsoft.com/office/drawing/2014/main" val="610671510"/>
+                    </a:ext>
+                  </a:extLst>
+                </a:gridCol>
+                <a:gridCol w="1591567">
+                  <a:extLst>
+                    <a:ext uri="{9D8B030D-6E8A-4147-A177-3AD203B41FA5}">
+                      <a16:colId xmlns:a16="http://schemas.microsoft.com/office/drawing/2014/main" val="3601053305"/>
+                    </a:ext>
+                  </a:extLst>
+                </a:gridCol>
+                <a:gridCol w="1591567">
+                  <a:extLst>
+                    <a:ext uri="{9D8B030D-6E8A-4147-A177-3AD203B41FA5}">
+                      <a16:colId xmlns:a16="http://schemas.microsoft.com/office/drawing/2014/main" val="1515636618"/>
+                    </a:ext>
+                  </a:extLst>
+                </a:gridCol>
+                <a:gridCol w="1904974">
+                  <a:extLst>
+                    <a:ext uri="{9D8B030D-6E8A-4147-A177-3AD203B41FA5}">
+                      <a16:colId xmlns:a16="http://schemas.microsoft.com/office/drawing/2014/main" val="1527863627"/>
+                    </a:ext>
+                  </a:extLst>
+                </a:gridCol>
+                <a:gridCol w="1591567">
+                  <a:extLst>
+                    <a:ext uri="{9D8B030D-6E8A-4147-A177-3AD203B41FA5}">
+                      <a16:colId xmlns:a16="http://schemas.microsoft.com/office/drawing/2014/main" val="2582457957"/>
+                    </a:ext>
+                  </a:extLst>
+                </a:gridCol>
+              </a:tblGrid>
+              <a:tr h="1080220">
+                <a:tc>
+                  <a:txBody>
+                    <a:bodyPr/>
+                    <a:lstStyle/>
+                    <a:p>
+                      <a:r>
+                        <a:rPr lang="en-IL" sz="1600" dirty="0"/>
+                        <a:t>Products</a:t>
+                      </a:r>
+                    </a:p>
+                  </a:txBody>
+                  <a:tcPr>
+                    <a:solidFill>
+                      <a:schemeClr val="accent6"/>
+                    </a:solidFill>
+                  </a:tcPr>
+                </a:tc>
+                <a:tc>
+                  <a:txBody>
+                    <a:bodyPr/>
+                    <a:lstStyle/>
+                    <a:p>
+                      <a:r>
+                        <a:rPr lang="en-IL" sz="1600" dirty="0"/>
+                        <a:t>Buying Price (€)</a:t>
+                      </a:r>
+                    </a:p>
+                    <a:p>
+                      <a:r>
+                        <a:rPr lang="en-IL" sz="1600" dirty="0"/>
+                        <a:t>(Locked)</a:t>
+                      </a:r>
+                    </a:p>
+                  </a:txBody>
+                  <a:tcPr/>
+                </a:tc>
+                <a:tc>
+                  <a:txBody>
+                    <a:bodyPr/>
+                    <a:lstStyle/>
+                    <a:p>
+                      <a:pPr marL="0" marR="0" lvl="0" indent="0" algn="l" defTabSz="914400" rtl="0" eaLnBrk="1" fontAlgn="auto" latinLnBrk="0" hangingPunct="1">
+                        <a:lnSpc>
+                          <a:spcPct val="100000"/>
+                        </a:lnSpc>
+                        <a:spcBef>
+                          <a:spcPts val="0"/>
+                        </a:spcBef>
+                        <a:spcAft>
+                          <a:spcPts val="0"/>
+                        </a:spcAft>
+                        <a:buClrTx/>
+                        <a:buSzTx/>
+                        <a:buFontTx/>
+                        <a:buNone/>
+                        <a:tabLst/>
+                        <a:defRPr/>
+                      </a:pPr>
+                      <a:r>
+                        <a:rPr lang="en-IL" sz="1600" dirty="0"/>
+                        <a:t>Offered Quantity</a:t>
+                      </a:r>
+                    </a:p>
+                  </a:txBody>
+                  <a:tcPr/>
+                </a:tc>
+                <a:tc>
+                  <a:txBody>
+                    <a:bodyPr/>
+                    <a:lstStyle/>
+                    <a:p>
+                      <a:r>
+                        <a:rPr lang="en-IL" sz="1600" dirty="0"/>
+                        <a:t>Offered Price (€)</a:t>
+                      </a:r>
+                    </a:p>
+                  </a:txBody>
+                  <a:tcPr/>
+                </a:tc>
+                <a:tc>
+                  <a:txBody>
+                    <a:bodyPr/>
+                    <a:lstStyle/>
+                    <a:p>
+                      <a:r>
+                        <a:rPr lang="en-IL" sz="1600" dirty="0"/>
+                        <a:t>Revenue by Offer</a:t>
+                      </a:r>
+                    </a:p>
+                  </a:txBody>
+                  <a:tcPr/>
+                </a:tc>
+                <a:extLst>
+                  <a:ext uri="{0D108BD9-81ED-4DB2-BD59-A6C34878D82A}">
+                    <a16:rowId xmlns:a16="http://schemas.microsoft.com/office/drawing/2014/main" val="2897982443"/>
+                  </a:ext>
+                </a:extLst>
+              </a:tr>
+              <a:tr h="834506">
+                <a:tc>
+                  <a:txBody>
+                    <a:bodyPr/>
+                    <a:lstStyle/>
+                    <a:p>
+                      <a:r>
+                        <a:rPr lang="en-IL" sz="1200" dirty="0"/>
+                        <a:t>Item 1</a:t>
+                      </a:r>
+                    </a:p>
+                  </a:txBody>
+                  <a:tcPr>
+                    <a:solidFill>
+                      <a:schemeClr val="accent6"/>
+                    </a:solidFill>
+                  </a:tcPr>
+                </a:tc>
+                <a:tc>
+                  <a:txBody>
+                    <a:bodyPr/>
+                    <a:lstStyle/>
+                    <a:p>
+                      <a:r>
+                        <a:rPr lang="en-IL" sz="1200" dirty="0"/>
+                        <a:t>€12 / Unit</a:t>
+                      </a:r>
+                    </a:p>
+                    <a:p>
+                      <a:r>
+                        <a:rPr lang="en-IL" sz="1200" dirty="0"/>
+                        <a:t>€1200 / Total</a:t>
+                      </a:r>
+                    </a:p>
+                  </a:txBody>
+                  <a:tcPr>
+                    <a:solidFill>
+                      <a:schemeClr val="accent5">
+                        <a:lumMod val="40000"/>
+                        <a:lumOff val="60000"/>
+                      </a:schemeClr>
+                    </a:solidFill>
+                  </a:tcPr>
+                </a:tc>
+                <a:tc>
+                  <a:txBody>
+                    <a:bodyPr/>
+                    <a:lstStyle/>
+                    <a:p>
+                      <a:r>
+                        <a:rPr lang="en-IL" sz="1200" dirty="0"/>
+                        <a:t>100</a:t>
+                      </a:r>
+                    </a:p>
+                  </a:txBody>
+                  <a:tcPr>
+                    <a:solidFill>
+                      <a:schemeClr val="accent5">
+                        <a:lumMod val="40000"/>
+                        <a:lumOff val="60000"/>
+                      </a:schemeClr>
+                    </a:solidFill>
+                  </a:tcPr>
+                </a:tc>
+                <a:tc>
+                  <a:txBody>
+                    <a:bodyPr/>
+                    <a:lstStyle/>
+                    <a:p>
+                      <a:r>
+                        <a:rPr lang="en-IL" sz="1200" dirty="0"/>
+                        <a:t>€15 / Unit</a:t>
+                      </a:r>
+                    </a:p>
+                    <a:p>
+                      <a:r>
+                        <a:rPr lang="en-IL" sz="1200" dirty="0"/>
+                        <a:t>€1500 / Total</a:t>
+                      </a:r>
+                    </a:p>
+                  </a:txBody>
+                  <a:tcPr>
+                    <a:solidFill>
+                      <a:schemeClr val="accent5">
+                        <a:lumMod val="40000"/>
+                        <a:lumOff val="60000"/>
+                      </a:schemeClr>
+                    </a:solidFill>
+                  </a:tcPr>
+                </a:tc>
+                <a:tc>
+                  <a:txBody>
+                    <a:bodyPr/>
+                    <a:lstStyle/>
+                    <a:p>
+                      <a:r>
+                        <a:rPr lang="en-IL" sz="1200" dirty="0"/>
+                        <a:t>+ €3,000</a:t>
+                      </a:r>
+                    </a:p>
+                    <a:p>
+                      <a:r>
+                        <a:rPr lang="en-IL" sz="1200" b="1" dirty="0">
+                          <a:solidFill>
+                            <a:schemeClr val="accent6">
+                              <a:lumMod val="75000"/>
+                            </a:schemeClr>
+                          </a:solidFill>
+                        </a:rPr>
+                        <a:t>(+ 25%)</a:t>
+                      </a:r>
+                    </a:p>
+                  </a:txBody>
+                  <a:tcPr>
+                    <a:solidFill>
+                      <a:schemeClr val="accent5">
+                        <a:lumMod val="40000"/>
+                        <a:lumOff val="60000"/>
+                      </a:schemeClr>
+                    </a:solidFill>
+                  </a:tcPr>
+                </a:tc>
+                <a:extLst>
+                  <a:ext uri="{0D108BD9-81ED-4DB2-BD59-A6C34878D82A}">
+                    <a16:rowId xmlns:a16="http://schemas.microsoft.com/office/drawing/2014/main" val="3928175476"/>
+                  </a:ext>
+                </a:extLst>
+              </a:tr>
+              <a:tr h="834506">
+                <a:tc>
+                  <a:txBody>
+                    <a:bodyPr/>
+                    <a:lstStyle/>
+                    <a:p>
+                      <a:r>
+                        <a:rPr lang="en-IL" sz="1200" dirty="0"/>
+                        <a:t>Item 2</a:t>
+                      </a:r>
+                    </a:p>
+                  </a:txBody>
+                  <a:tcPr>
+                    <a:solidFill>
+                      <a:schemeClr val="accent6"/>
+                    </a:solidFill>
+                  </a:tcPr>
+                </a:tc>
+                <a:tc>
+                  <a:txBody>
+                    <a:bodyPr/>
+                    <a:lstStyle/>
+                    <a:p>
+                      <a:r>
+                        <a:rPr lang="en-IL" sz="1200" dirty="0"/>
+                        <a:t>€3 / Unit</a:t>
+                      </a:r>
+                    </a:p>
+                    <a:p>
+                      <a:r>
+                        <a:rPr lang="en-IL" sz="1200" dirty="0"/>
+                        <a:t>€30 / Total</a:t>
+                      </a:r>
+                    </a:p>
+                  </a:txBody>
+                  <a:tcPr>
+                    <a:solidFill>
+                      <a:schemeClr val="accent5">
+                        <a:lumMod val="40000"/>
+                        <a:lumOff val="60000"/>
+                      </a:schemeClr>
+                    </a:solidFill>
+                  </a:tcPr>
+                </a:tc>
+                <a:tc>
+                  <a:txBody>
+                    <a:bodyPr/>
+                    <a:lstStyle/>
+                    <a:p>
+                      <a:r>
+                        <a:rPr lang="en-IL" sz="1200" dirty="0"/>
+                        <a:t>10</a:t>
+                      </a:r>
+                    </a:p>
+                  </a:txBody>
+                  <a:tcPr>
+                    <a:solidFill>
+                      <a:schemeClr val="accent5">
+                        <a:lumMod val="40000"/>
+                        <a:lumOff val="60000"/>
+                      </a:schemeClr>
+                    </a:solidFill>
+                  </a:tcPr>
+                </a:tc>
+                <a:tc>
+                  <a:txBody>
+                    <a:bodyPr/>
+                    <a:lstStyle/>
+                    <a:p>
+                      <a:r>
+                        <a:rPr lang="en-IL" sz="1200" dirty="0"/>
+                        <a:t>€5 / Unit</a:t>
+                      </a:r>
+                    </a:p>
+                    <a:p>
+                      <a:r>
+                        <a:rPr lang="en-IL" sz="1200" dirty="0"/>
+                        <a:t>€50 / Total</a:t>
+                      </a:r>
+                    </a:p>
+                  </a:txBody>
+                  <a:tcPr>
+                    <a:solidFill>
+                      <a:schemeClr val="accent5">
+                        <a:lumMod val="40000"/>
+                        <a:lumOff val="60000"/>
+                      </a:schemeClr>
+                    </a:solidFill>
+                  </a:tcPr>
+                </a:tc>
+                <a:tc>
+                  <a:txBody>
+                    <a:bodyPr/>
+                    <a:lstStyle/>
+                    <a:p>
+                      <a:r>
+                        <a:rPr lang="en-IL" sz="1200" dirty="0"/>
+                        <a:t>+ €500</a:t>
+                      </a:r>
+                    </a:p>
+                    <a:p>
+                      <a:r>
+                        <a:rPr lang="en-IL" sz="1200" b="1" dirty="0">
+                          <a:solidFill>
+                            <a:schemeClr val="accent6">
+                              <a:lumMod val="75000"/>
+                            </a:schemeClr>
+                          </a:solidFill>
+                        </a:rPr>
+                        <a:t>(+ 60%)</a:t>
+                      </a:r>
+                    </a:p>
+                  </a:txBody>
+                  <a:tcPr>
+                    <a:solidFill>
+                      <a:schemeClr val="accent5">
+                        <a:lumMod val="40000"/>
+                        <a:lumOff val="60000"/>
+                      </a:schemeClr>
+                    </a:solidFill>
+                  </a:tcPr>
+                </a:tc>
+                <a:extLst>
+                  <a:ext uri="{0D108BD9-81ED-4DB2-BD59-A6C34878D82A}">
+                    <a16:rowId xmlns:a16="http://schemas.microsoft.com/office/drawing/2014/main" val="979513566"/>
+                  </a:ext>
+                </a:extLst>
+              </a:tr>
+              <a:tr h="834506">
+                <a:tc>
+                  <a:txBody>
+                    <a:bodyPr/>
+                    <a:lstStyle/>
+                    <a:p>
+                      <a:r>
+                        <a:rPr lang="en-IL" sz="1200" dirty="0"/>
+                        <a:t>Item 3</a:t>
+                      </a:r>
+                    </a:p>
+                  </a:txBody>
+                  <a:tcPr>
+                    <a:solidFill>
+                      <a:schemeClr val="accent6"/>
+                    </a:solidFill>
+                  </a:tcPr>
+                </a:tc>
+                <a:tc>
+                  <a:txBody>
+                    <a:bodyPr/>
+                    <a:lstStyle/>
+                    <a:p>
+                      <a:r>
+                        <a:rPr lang="en-IL" sz="1200" dirty="0"/>
+                        <a:t>€50 / Unit</a:t>
+                      </a:r>
+                    </a:p>
+                    <a:p>
+                      <a:r>
+                        <a:rPr lang="en-IL" sz="1200" dirty="0"/>
+                        <a:t>€1,000 / Total</a:t>
+                      </a:r>
+                    </a:p>
+                  </a:txBody>
+                  <a:tcPr>
+                    <a:solidFill>
+                      <a:schemeClr val="accent5">
+                        <a:lumMod val="40000"/>
+                        <a:lumOff val="60000"/>
+                      </a:schemeClr>
+                    </a:solidFill>
+                  </a:tcPr>
+                </a:tc>
+                <a:tc>
+                  <a:txBody>
+                    <a:bodyPr/>
+                    <a:lstStyle/>
+                    <a:p>
+                      <a:r>
+                        <a:rPr lang="en-IL" sz="1200" dirty="0"/>
+                        <a:t>20</a:t>
+                      </a:r>
+                    </a:p>
+                  </a:txBody>
+                  <a:tcPr>
+                    <a:solidFill>
+                      <a:schemeClr val="accent5">
+                        <a:lumMod val="40000"/>
+                        <a:lumOff val="60000"/>
+                      </a:schemeClr>
+                    </a:solidFill>
+                  </a:tcPr>
+                </a:tc>
+                <a:tc>
+                  <a:txBody>
+                    <a:bodyPr/>
+                    <a:lstStyle/>
+                    <a:p>
+                      <a:r>
+                        <a:rPr lang="en-IL" sz="1200" dirty="0"/>
+                        <a:t>€40 / Unit</a:t>
+                      </a:r>
+                    </a:p>
+                    <a:p>
+                      <a:r>
+                        <a:rPr lang="en-IL" sz="1200" dirty="0"/>
+                        <a:t>€800 / Total</a:t>
+                      </a:r>
+                    </a:p>
+                  </a:txBody>
+                  <a:tcPr>
+                    <a:solidFill>
+                      <a:schemeClr val="accent5">
+                        <a:lumMod val="40000"/>
+                        <a:lumOff val="60000"/>
+                      </a:schemeClr>
+                    </a:solidFill>
+                  </a:tcPr>
+                </a:tc>
+                <a:tc>
+                  <a:txBody>
+                    <a:bodyPr/>
+                    <a:lstStyle/>
+                    <a:p>
+                      <a:r>
+                        <a:rPr lang="en-IL" sz="1200" dirty="0"/>
+                        <a:t>- €200</a:t>
+                      </a:r>
+                    </a:p>
+                    <a:p>
+                      <a:r>
+                        <a:rPr lang="en-IL" sz="1200" b="1" dirty="0">
+                          <a:solidFill>
+                            <a:srgbClr val="C00000"/>
+                          </a:solidFill>
+                        </a:rPr>
+                        <a:t>(- 40%)</a:t>
+                      </a:r>
+                    </a:p>
+                  </a:txBody>
+                  <a:tcPr>
+                    <a:solidFill>
+                      <a:schemeClr val="accent5">
+                        <a:lumMod val="40000"/>
+                        <a:lumOff val="60000"/>
+                      </a:schemeClr>
+                    </a:solidFill>
+                  </a:tcPr>
+                </a:tc>
+                <a:extLst>
+                  <a:ext uri="{0D108BD9-81ED-4DB2-BD59-A6C34878D82A}">
+                    <a16:rowId xmlns:a16="http://schemas.microsoft.com/office/drawing/2014/main" val="1047495032"/>
+                  </a:ext>
+                </a:extLst>
+              </a:tr>
+              <a:tr h="834506">
+                <a:tc>
+                  <a:txBody>
+                    <a:bodyPr/>
+                    <a:lstStyle/>
+                    <a:p>
+                      <a:r>
+                        <a:rPr lang="en-IL" sz="1800" b="1" dirty="0">
+                          <a:solidFill>
+                            <a:schemeClr val="bg1"/>
+                          </a:solidFill>
+                        </a:rPr>
+                        <a:t>Totals</a:t>
+                      </a:r>
+                    </a:p>
+                  </a:txBody>
+                  <a:tcPr>
+                    <a:solidFill>
+                      <a:schemeClr val="bg1">
+                        <a:lumMod val="50000"/>
+                      </a:schemeClr>
+                    </a:solidFill>
+                  </a:tcPr>
+                </a:tc>
+                <a:tc>
+                  <a:txBody>
+                    <a:bodyPr/>
+                    <a:lstStyle/>
+                    <a:p>
+                      <a:r>
+                        <a:rPr lang="en-IL" sz="1800" b="1" dirty="0">
+                          <a:solidFill>
+                            <a:schemeClr val="bg1"/>
+                          </a:solidFill>
+                        </a:rPr>
+                        <a:t>€2,230</a:t>
+                      </a:r>
+                    </a:p>
+                  </a:txBody>
+                  <a:tcPr>
+                    <a:solidFill>
+                      <a:schemeClr val="bg1">
+                        <a:lumMod val="50000"/>
+                      </a:schemeClr>
+                    </a:solidFill>
+                  </a:tcPr>
+                </a:tc>
+                <a:tc>
+                  <a:txBody>
+                    <a:bodyPr/>
+                    <a:lstStyle/>
+                    <a:p>
+                      <a:r>
+                        <a:rPr lang="en-IL" sz="1800" b="1" dirty="0">
+                          <a:solidFill>
+                            <a:schemeClr val="bg1"/>
+                          </a:solidFill>
+                        </a:rPr>
+                        <a:t>-</a:t>
+                      </a:r>
+                    </a:p>
+                  </a:txBody>
+                  <a:tcPr>
+                    <a:solidFill>
+                      <a:schemeClr val="bg1">
+                        <a:lumMod val="50000"/>
+                      </a:schemeClr>
+                    </a:solidFill>
+                  </a:tcPr>
+                </a:tc>
+                <a:tc>
+                  <a:txBody>
+                    <a:bodyPr/>
+                    <a:lstStyle/>
+                    <a:p>
+                      <a:pPr marL="0" marR="0" lvl="0" indent="0" algn="l" defTabSz="914400" rtl="0" eaLnBrk="1" fontAlgn="auto" latinLnBrk="0" hangingPunct="1">
+                        <a:lnSpc>
+                          <a:spcPct val="100000"/>
+                        </a:lnSpc>
+                        <a:spcBef>
+                          <a:spcPts val="0"/>
+                        </a:spcBef>
+                        <a:spcAft>
+                          <a:spcPts val="0"/>
+                        </a:spcAft>
+                        <a:buClrTx/>
+                        <a:buSzTx/>
+                        <a:buFontTx/>
+                        <a:buNone/>
+                        <a:tabLst/>
+                        <a:defRPr/>
+                      </a:pPr>
+                      <a:r>
+                        <a:rPr lang="en-IL" sz="1800" b="1" dirty="0">
+                          <a:solidFill>
+                            <a:schemeClr val="bg1"/>
+                          </a:solidFill>
+                        </a:rPr>
+                        <a:t>€2,350</a:t>
+                      </a:r>
+                    </a:p>
+                  </a:txBody>
+                  <a:tcPr>
+                    <a:solidFill>
+                      <a:schemeClr val="bg1">
+                        <a:lumMod val="50000"/>
+                      </a:schemeClr>
+                    </a:solidFill>
+                  </a:tcPr>
+                </a:tc>
+                <a:tc>
+                  <a:txBody>
+                    <a:bodyPr/>
+                    <a:lstStyle/>
+                    <a:p>
+                      <a:r>
+                        <a:rPr lang="en-IL" sz="1800" b="1" dirty="0">
+                          <a:solidFill>
+                            <a:schemeClr val="bg1"/>
+                          </a:solidFill>
+                        </a:rPr>
+                        <a:t>+ €120</a:t>
+                      </a:r>
+                    </a:p>
+                    <a:p>
+                      <a:r>
+                        <a:rPr lang="en-IL" sz="1800" b="1" dirty="0">
+                          <a:solidFill>
+                            <a:schemeClr val="accent6">
+                              <a:lumMod val="60000"/>
+                              <a:lumOff val="40000"/>
+                            </a:schemeClr>
+                          </a:solidFill>
+                        </a:rPr>
+                        <a:t>(+ 5.3%)</a:t>
+                      </a:r>
+                    </a:p>
+                  </a:txBody>
+                  <a:tcPr>
+                    <a:solidFill>
+                      <a:schemeClr val="bg1">
+                        <a:lumMod val="50000"/>
+                      </a:schemeClr>
+                    </a:solidFill>
+                  </a:tcPr>
+                </a:tc>
+                <a:extLst>
+                  <a:ext uri="{0D108BD9-81ED-4DB2-BD59-A6C34878D82A}">
+                    <a16:rowId xmlns:a16="http://schemas.microsoft.com/office/drawing/2014/main" val="187322475"/>
+                  </a:ext>
+                </a:extLst>
+              </a:tr>
+            </a:tbl>
+          </a:graphicData>
+        </a:graphic>
+      </p:graphicFrame>
+      <p:sp>
+        <p:nvSpPr>
+          <p:cNvPr id="38" name="TextBox 37">
+            <a:extLst>
+              <a:ext uri="{FF2B5EF4-FFF2-40B4-BE49-F238E27FC236}">
+                <a16:creationId xmlns:a16="http://schemas.microsoft.com/office/drawing/2014/main" id="{B9CB4AAF-E787-074B-8D18-4FA2434EC32F}"/>
+              </a:ext>
+            </a:extLst>
+          </p:cNvPr>
+          <p:cNvSpPr txBox="1"/>
+          <p:nvPr/>
+        </p:nvSpPr>
+        <p:spPr>
+          <a:xfrm>
+            <a:off x="3585121" y="1173805"/>
+            <a:ext cx="8595103" cy="523220"/>
+          </a:xfrm>
+          <a:prstGeom prst="rect">
+            <a:avLst/>
+          </a:prstGeom>
+          <a:solidFill>
+            <a:srgbClr val="00B0F0"/>
+          </a:solidFill>
+          <a:ln>
+            <a:solidFill>
+              <a:schemeClr val="tx1"/>
+            </a:solidFill>
+          </a:ln>
+        </p:spPr>
+        <p:txBody>
+          <a:bodyPr wrap="square" rtlCol="0">
+            <a:spAutoFit/>
+          </a:bodyPr>
+          <a:lstStyle/>
+          <a:p>
+            <a:pPr marL="0" defTabSz="914400" rtl="0" eaLnBrk="1" latinLnBrk="0" hangingPunct="1"/>
+            <a:r>
+              <a:rPr lang="en-IL" sz="2800" b="1" dirty="0">
+                <a:solidFill>
+                  <a:srgbClr val="C00000"/>
+                </a:solidFill>
+              </a:rPr>
+              <a:t>Trans Computers</a:t>
+            </a:r>
+            <a:r>
+              <a:rPr lang="en-IL" sz="2800" b="1" dirty="0"/>
+              <a:t> offers to </a:t>
+            </a:r>
+            <a:r>
+              <a:rPr lang="en-IL" sz="2800" b="1" dirty="0">
+                <a:solidFill>
+                  <a:srgbClr val="C00000"/>
+                </a:solidFill>
+              </a:rPr>
+              <a:t>Customer A  </a:t>
+            </a:r>
+          </a:p>
+        </p:txBody>
+      </p:sp>
+      <p:sp>
+        <p:nvSpPr>
+          <p:cNvPr id="39" name="Rectangle 38">
+            <a:extLst>
+              <a:ext uri="{FF2B5EF4-FFF2-40B4-BE49-F238E27FC236}">
+                <a16:creationId xmlns:a16="http://schemas.microsoft.com/office/drawing/2014/main" id="{5473BD93-8A3E-364C-A460-A61AEBB37FD8}"/>
+              </a:ext>
+            </a:extLst>
+          </p:cNvPr>
+          <p:cNvSpPr/>
+          <p:nvPr/>
+        </p:nvSpPr>
+        <p:spPr>
+          <a:xfrm>
+            <a:off x="1952979" y="1173805"/>
+            <a:ext cx="1643940" cy="505355"/>
+          </a:xfrm>
+          <a:prstGeom prst="rect">
+            <a:avLst/>
+          </a:prstGeom>
+          <a:solidFill>
+            <a:schemeClr val="accent5">
+              <a:lumMod val="40000"/>
+              <a:lumOff val="60000"/>
+            </a:schemeClr>
+          </a:solidFill>
+        </p:spPr>
+        <p:style>
+          <a:lnRef idx="2">
+            <a:schemeClr val="accent1">
+              <a:shade val="50000"/>
+            </a:schemeClr>
+          </a:lnRef>
+          <a:fillRef idx="1">
+            <a:schemeClr val="accent1"/>
+          </a:fillRef>
+          <a:effectRef idx="0">
+            <a:schemeClr val="accent1"/>
+          </a:effectRef>
+          <a:fontRef idx="minor">
+            <a:schemeClr val="lt1"/>
+          </a:fontRef>
+        </p:style>
+        <p:txBody>
+          <a:bodyPr rtlCol="0" anchor="ctr"/>
+          <a:lstStyle/>
+          <a:p>
+            <a:pPr algn="ctr"/>
+            <a:r>
+              <a:rPr lang="en-US" dirty="0">
+                <a:solidFill>
+                  <a:schemeClr val="tx1"/>
+                </a:solidFill>
+              </a:rPr>
+              <a:t>Round 1</a:t>
+            </a:r>
+            <a:endParaRPr lang="en-IL" dirty="0">
+              <a:solidFill>
+                <a:schemeClr val="tx1"/>
+              </a:solidFill>
+            </a:endParaRPr>
+          </a:p>
+        </p:txBody>
+      </p:sp>
+      <p:sp>
+        <p:nvSpPr>
+          <p:cNvPr id="40" name="Rectangle 39">
+            <a:extLst>
+              <a:ext uri="{FF2B5EF4-FFF2-40B4-BE49-F238E27FC236}">
+                <a16:creationId xmlns:a16="http://schemas.microsoft.com/office/drawing/2014/main" id="{41DCCF56-DA7D-3241-B55C-576C3B35C469}"/>
+              </a:ext>
+            </a:extLst>
+          </p:cNvPr>
+          <p:cNvSpPr/>
+          <p:nvPr/>
+        </p:nvSpPr>
+        <p:spPr>
+          <a:xfrm>
+            <a:off x="1955166" y="2198279"/>
+            <a:ext cx="1643940" cy="521027"/>
+          </a:xfrm>
+          <a:prstGeom prst="rect">
+            <a:avLst/>
+          </a:prstGeom>
+          <a:solidFill>
+            <a:schemeClr val="accent6">
+              <a:lumMod val="60000"/>
+              <a:lumOff val="40000"/>
+            </a:schemeClr>
+          </a:solidFill>
+        </p:spPr>
+        <p:style>
+          <a:lnRef idx="2">
+            <a:schemeClr val="accent1">
+              <a:shade val="50000"/>
+            </a:schemeClr>
+          </a:lnRef>
+          <a:fillRef idx="1">
+            <a:schemeClr val="accent1"/>
+          </a:fillRef>
+          <a:effectRef idx="0">
+            <a:schemeClr val="accent1"/>
+          </a:effectRef>
+          <a:fontRef idx="minor">
+            <a:schemeClr val="lt1"/>
+          </a:fontRef>
+        </p:style>
+        <p:txBody>
+          <a:bodyPr rtlCol="0" anchor="ctr"/>
+          <a:lstStyle/>
+          <a:p>
+            <a:pPr algn="ctr"/>
+            <a:r>
+              <a:rPr lang="en-IL" dirty="0">
+                <a:solidFill>
+                  <a:schemeClr val="tx1"/>
+                </a:solidFill>
+              </a:rPr>
+              <a:t>Round 3</a:t>
+            </a:r>
+          </a:p>
+        </p:txBody>
+      </p:sp>
+      <p:sp>
+        <p:nvSpPr>
+          <p:cNvPr id="41" name="Rectangle 40">
+            <a:extLst>
+              <a:ext uri="{FF2B5EF4-FFF2-40B4-BE49-F238E27FC236}">
+                <a16:creationId xmlns:a16="http://schemas.microsoft.com/office/drawing/2014/main" id="{72D451BE-9C76-DA4E-8A65-8722F6485384}"/>
+              </a:ext>
+            </a:extLst>
+          </p:cNvPr>
+          <p:cNvSpPr/>
+          <p:nvPr/>
+        </p:nvSpPr>
+        <p:spPr>
+          <a:xfrm>
+            <a:off x="1955166" y="1685088"/>
+            <a:ext cx="1643940" cy="505355"/>
+          </a:xfrm>
+          <a:prstGeom prst="rect">
+            <a:avLst/>
+          </a:prstGeom>
+          <a:solidFill>
+            <a:schemeClr val="accent5">
+              <a:lumMod val="40000"/>
+              <a:lumOff val="60000"/>
+            </a:schemeClr>
+          </a:solidFill>
+        </p:spPr>
+        <p:style>
+          <a:lnRef idx="2">
+            <a:schemeClr val="accent1">
+              <a:shade val="50000"/>
+            </a:schemeClr>
+          </a:lnRef>
+          <a:fillRef idx="1">
+            <a:schemeClr val="accent1"/>
+          </a:fillRef>
+          <a:effectRef idx="0">
+            <a:schemeClr val="accent1"/>
+          </a:effectRef>
+          <a:fontRef idx="minor">
+            <a:schemeClr val="lt1"/>
+          </a:fontRef>
+        </p:style>
+        <p:txBody>
+          <a:bodyPr rtlCol="0" anchor="ctr"/>
+          <a:lstStyle/>
+          <a:p>
+            <a:pPr algn="ctr"/>
+            <a:r>
+              <a:rPr lang="en-US" dirty="0">
+                <a:solidFill>
+                  <a:schemeClr val="tx1"/>
+                </a:solidFill>
+              </a:rPr>
+              <a:t>Round2</a:t>
+            </a:r>
+            <a:endParaRPr lang="en-IL" dirty="0">
+              <a:solidFill>
+                <a:schemeClr val="tx1"/>
+              </a:solidFill>
+            </a:endParaRPr>
+          </a:p>
+        </p:txBody>
+      </p:sp>
+      <p:sp>
+        <p:nvSpPr>
+          <p:cNvPr id="42" name="Rounded Rectangle 41">
+            <a:extLst>
+              <a:ext uri="{FF2B5EF4-FFF2-40B4-BE49-F238E27FC236}">
+                <a16:creationId xmlns:a16="http://schemas.microsoft.com/office/drawing/2014/main" id="{8DBF8849-56A1-7D49-9BD5-AB92532B957D}"/>
+              </a:ext>
+            </a:extLst>
+          </p:cNvPr>
+          <p:cNvSpPr/>
+          <p:nvPr/>
+        </p:nvSpPr>
+        <p:spPr>
+          <a:xfrm>
+            <a:off x="10239021" y="1227540"/>
+            <a:ext cx="1580011" cy="415749"/>
+          </a:xfrm>
+          <a:prstGeom prst="roundRect">
+            <a:avLst/>
+          </a:prstGeom>
+          <a:solidFill>
+            <a:schemeClr val="bg1">
+              <a:lumMod val="85000"/>
+            </a:schemeClr>
+          </a:solidFill>
+        </p:spPr>
+        <p:style>
+          <a:lnRef idx="2">
+            <a:schemeClr val="accent1">
+              <a:shade val="50000"/>
+            </a:schemeClr>
+          </a:lnRef>
+          <a:fillRef idx="1">
+            <a:schemeClr val="accent1"/>
+          </a:fillRef>
+          <a:effectRef idx="0">
+            <a:schemeClr val="accent1"/>
+          </a:effectRef>
+          <a:fontRef idx="minor">
+            <a:schemeClr val="lt1"/>
+          </a:fontRef>
+        </p:style>
+        <p:txBody>
+          <a:bodyPr rtlCol="0" anchor="ctr"/>
+          <a:lstStyle/>
+          <a:p>
+            <a:pPr algn="ctr"/>
+            <a:r>
+              <a:rPr lang="en-IL" sz="1200" dirty="0">
+                <a:solidFill>
+                  <a:schemeClr val="tx1"/>
+                </a:solidFill>
+              </a:rPr>
+              <a:t>In Preparation</a:t>
+            </a:r>
+          </a:p>
+        </p:txBody>
+      </p:sp>
+      <p:sp>
+        <p:nvSpPr>
+          <p:cNvPr id="43" name="TextBox 42">
+            <a:extLst>
+              <a:ext uri="{FF2B5EF4-FFF2-40B4-BE49-F238E27FC236}">
+                <a16:creationId xmlns:a16="http://schemas.microsoft.com/office/drawing/2014/main" id="{30C93500-07B0-F64A-A477-1B494EDF1393}"/>
+              </a:ext>
+            </a:extLst>
+          </p:cNvPr>
+          <p:cNvSpPr txBox="1"/>
+          <p:nvPr/>
+        </p:nvSpPr>
+        <p:spPr>
+          <a:xfrm>
+            <a:off x="3606467" y="6334780"/>
+            <a:ext cx="8590329" cy="523220"/>
+          </a:xfrm>
+          <a:prstGeom prst="rect">
+            <a:avLst/>
+          </a:prstGeom>
+          <a:solidFill>
+            <a:schemeClr val="bg2"/>
+          </a:solidFill>
+          <a:ln>
+            <a:solidFill>
+              <a:schemeClr val="tx1"/>
+            </a:solidFill>
+          </a:ln>
+        </p:spPr>
+        <p:txBody>
+          <a:bodyPr wrap="square" rtlCol="0">
+            <a:spAutoFit/>
+          </a:bodyPr>
+          <a:lstStyle/>
+          <a:p>
+            <a:pPr marL="0" algn="l" defTabSz="914400" rtl="0" eaLnBrk="1" latinLnBrk="0" hangingPunct="1"/>
+            <a:endParaRPr lang="en-IL" sz="2800" b="1" dirty="0"/>
+          </a:p>
+        </p:txBody>
+      </p:sp>
+      <p:sp>
+        <p:nvSpPr>
+          <p:cNvPr id="45" name="Rounded Rectangle 44">
+            <a:extLst>
+              <a:ext uri="{FF2B5EF4-FFF2-40B4-BE49-F238E27FC236}">
+                <a16:creationId xmlns:a16="http://schemas.microsoft.com/office/drawing/2014/main" id="{21CB5E32-0CA4-5F47-ABA2-4987C33E052C}"/>
+              </a:ext>
+            </a:extLst>
+          </p:cNvPr>
+          <p:cNvSpPr/>
+          <p:nvPr/>
+        </p:nvSpPr>
+        <p:spPr>
+          <a:xfrm>
+            <a:off x="3758280" y="6388515"/>
+            <a:ext cx="1515750" cy="415749"/>
+          </a:xfrm>
+          <a:prstGeom prst="roundRect">
+            <a:avLst/>
+          </a:prstGeom>
+          <a:solidFill>
+            <a:srgbClr val="FF0000"/>
+          </a:solidFill>
+        </p:spPr>
+        <p:style>
+          <a:lnRef idx="2">
+            <a:schemeClr val="accent1">
+              <a:shade val="50000"/>
+            </a:schemeClr>
+          </a:lnRef>
+          <a:fillRef idx="1">
+            <a:schemeClr val="accent1"/>
+          </a:fillRef>
+          <a:effectRef idx="0">
+            <a:schemeClr val="accent1"/>
+          </a:effectRef>
+          <a:fontRef idx="minor">
+            <a:schemeClr val="lt1"/>
+          </a:fontRef>
+        </p:style>
+        <p:txBody>
+          <a:bodyPr rtlCol="0" anchor="ctr"/>
+          <a:lstStyle/>
+          <a:p>
+            <a:pPr algn="ctr"/>
+            <a:r>
+              <a:rPr lang="en-IL" dirty="0">
+                <a:solidFill>
+                  <a:schemeClr val="bg1"/>
+                </a:solidFill>
+              </a:rPr>
+              <a:t>Cancel Offer</a:t>
+            </a:r>
+          </a:p>
+        </p:txBody>
+      </p:sp>
+      <p:sp>
+        <p:nvSpPr>
+          <p:cNvPr id="47" name="Rounded Rectangle 46">
+            <a:extLst>
+              <a:ext uri="{FF2B5EF4-FFF2-40B4-BE49-F238E27FC236}">
+                <a16:creationId xmlns:a16="http://schemas.microsoft.com/office/drawing/2014/main" id="{B4C5C1E1-B1FE-0F4A-B175-CF5A319AE4AE}"/>
+              </a:ext>
+            </a:extLst>
+          </p:cNvPr>
+          <p:cNvSpPr/>
+          <p:nvPr/>
+        </p:nvSpPr>
+        <p:spPr>
+          <a:xfrm>
+            <a:off x="10460033" y="6380679"/>
+            <a:ext cx="1515750" cy="415749"/>
+          </a:xfrm>
+          <a:prstGeom prst="roundRect">
+            <a:avLst/>
+          </a:prstGeom>
+          <a:solidFill>
+            <a:schemeClr val="accent6"/>
+          </a:solidFill>
+        </p:spPr>
+        <p:style>
+          <a:lnRef idx="2">
+            <a:schemeClr val="accent1">
+              <a:shade val="50000"/>
+            </a:schemeClr>
+          </a:lnRef>
+          <a:fillRef idx="1">
+            <a:schemeClr val="accent1"/>
+          </a:fillRef>
+          <a:effectRef idx="0">
+            <a:schemeClr val="accent1"/>
+          </a:effectRef>
+          <a:fontRef idx="minor">
+            <a:schemeClr val="lt1"/>
+          </a:fontRef>
+        </p:style>
+        <p:txBody>
+          <a:bodyPr rtlCol="0" anchor="ctr"/>
+          <a:lstStyle/>
+          <a:p>
+            <a:pPr algn="ctr"/>
+            <a:r>
+              <a:rPr lang="en-IL" dirty="0">
+                <a:solidFill>
+                  <a:schemeClr val="tx1"/>
+                </a:solidFill>
+              </a:rPr>
+              <a:t>Send Offer</a:t>
+            </a:r>
+          </a:p>
+        </p:txBody>
+      </p:sp>
+    </p:spTree>
+    <p:extLst>
+      <p:ext uri="{BB962C8B-B14F-4D97-AF65-F5344CB8AC3E}">
+        <p14:creationId xmlns:p14="http://schemas.microsoft.com/office/powerpoint/2010/main" val="1779412654"/>
+      </p:ext>
+    </p:extLst>
+  </p:cSld>
+  <p:clrMapOvr>
+    <a:masterClrMapping/>
+  </p:clrMapOvr>
+</p:sld>
+</file>
+
+<file path=ppt/slides/slide6.xml><?xml version="1.0" encoding="utf-8"?>
+<p:sld xmlns:a="http://schemas.openxmlformats.org/drawingml/2006/main" xmlns:r="http://schemas.openxmlformats.org/officeDocument/2006/relationships" xmlns:p="http://schemas.openxmlformats.org/presentationml/2006/main">
+  <p:cSld>
+    <p:spTree>
+      <p:nvGrpSpPr>
+        <p:cNvPr id="1" name=""/>
+        <p:cNvGrpSpPr/>
+        <p:nvPr/>
+      </p:nvGrpSpPr>
+      <p:grpSpPr>
+        <a:xfrm>
+          <a:off x="0" y="0"/>
+          <a:ext cx="0" cy="0"/>
+          <a:chOff x="0" y="0"/>
+          <a:chExt cx="0" cy="0"/>
+        </a:xfrm>
+      </p:grpSpPr>
+      <p:sp>
+        <p:nvSpPr>
+          <p:cNvPr id="4" name="Rectangle 3">
+            <a:extLst>
+              <a:ext uri="{FF2B5EF4-FFF2-40B4-BE49-F238E27FC236}">
+                <a16:creationId xmlns:a16="http://schemas.microsoft.com/office/drawing/2014/main" id="{E77A601D-84C1-4F4A-9BC8-3A8FB714DE5C}"/>
+              </a:ext>
+            </a:extLst>
+          </p:cNvPr>
+          <p:cNvSpPr/>
+          <p:nvPr/>
+        </p:nvSpPr>
+        <p:spPr>
+          <a:xfrm>
+            <a:off x="1" y="656948"/>
+            <a:ext cx="1952978" cy="6201052"/>
+          </a:xfrm>
+          <a:prstGeom prst="rect">
+            <a:avLst/>
+          </a:prstGeom>
+        </p:spPr>
+        <p:style>
+          <a:lnRef idx="2">
+            <a:schemeClr val="accent1">
+              <a:shade val="50000"/>
+            </a:schemeClr>
+          </a:lnRef>
+          <a:fillRef idx="1">
+            <a:schemeClr val="accent1"/>
+          </a:fillRef>
+          <a:effectRef idx="0">
+            <a:schemeClr val="accent1"/>
+          </a:effectRef>
+          <a:fontRef idx="minor">
+            <a:schemeClr val="lt1"/>
+          </a:fontRef>
+        </p:style>
+        <p:txBody>
+          <a:bodyPr rtlCol="0" anchor="ctr"/>
+          <a:lstStyle/>
+          <a:p>
+            <a:pPr algn="ctr"/>
+            <a:endParaRPr lang="en-IL"/>
+          </a:p>
+        </p:txBody>
+      </p:sp>
+      <p:sp>
+        <p:nvSpPr>
+          <p:cNvPr id="5" name="Rectangle 4">
+            <a:extLst>
+              <a:ext uri="{FF2B5EF4-FFF2-40B4-BE49-F238E27FC236}">
+                <a16:creationId xmlns:a16="http://schemas.microsoft.com/office/drawing/2014/main" id="{8054A794-9B1D-8647-AE49-F2DAA14F4AEF}"/>
+              </a:ext>
+            </a:extLst>
+          </p:cNvPr>
+          <p:cNvSpPr/>
+          <p:nvPr/>
+        </p:nvSpPr>
+        <p:spPr>
+          <a:xfrm>
+            <a:off x="21" y="1170139"/>
+            <a:ext cx="1952978" cy="513191"/>
+          </a:xfrm>
+          <a:prstGeom prst="rect">
+            <a:avLst/>
+          </a:prstGeom>
+        </p:spPr>
+        <p:style>
+          <a:lnRef idx="2">
+            <a:schemeClr val="accent1">
+              <a:shade val="50000"/>
+            </a:schemeClr>
+          </a:lnRef>
+          <a:fillRef idx="1">
+            <a:schemeClr val="accent1"/>
+          </a:fillRef>
+          <a:effectRef idx="0">
+            <a:schemeClr val="accent1"/>
+          </a:effectRef>
+          <a:fontRef idx="minor">
+            <a:schemeClr val="lt1"/>
+          </a:fontRef>
+        </p:style>
+        <p:txBody>
+          <a:bodyPr rtlCol="0" anchor="ctr"/>
+          <a:lstStyle/>
+          <a:p>
+            <a:pPr algn="ctr"/>
+            <a:r>
+              <a:rPr lang="en-IL" dirty="0"/>
+              <a:t>Deals</a:t>
+            </a:r>
+          </a:p>
+        </p:txBody>
+      </p:sp>
+      <p:sp>
+        <p:nvSpPr>
+          <p:cNvPr id="10" name="Rectangle 9">
+            <a:extLst>
+              <a:ext uri="{FF2B5EF4-FFF2-40B4-BE49-F238E27FC236}">
+                <a16:creationId xmlns:a16="http://schemas.microsoft.com/office/drawing/2014/main" id="{DD93A59F-D0F5-3444-88E2-CA8D0571F73D}"/>
+              </a:ext>
+            </a:extLst>
+          </p:cNvPr>
+          <p:cNvSpPr/>
+          <p:nvPr/>
+        </p:nvSpPr>
+        <p:spPr>
+          <a:xfrm>
+            <a:off x="44069" y="10344"/>
+            <a:ext cx="12192022" cy="656948"/>
+          </a:xfrm>
+          <a:prstGeom prst="rect">
+            <a:avLst/>
+          </a:prstGeom>
+        </p:spPr>
+        <p:style>
+          <a:lnRef idx="2">
+            <a:schemeClr val="accent1">
+              <a:shade val="50000"/>
+            </a:schemeClr>
+          </a:lnRef>
+          <a:fillRef idx="1">
+            <a:schemeClr val="accent1"/>
+          </a:fillRef>
+          <a:effectRef idx="0">
+            <a:schemeClr val="accent1"/>
+          </a:effectRef>
+          <a:fontRef idx="minor">
+            <a:schemeClr val="lt1"/>
+          </a:fontRef>
+        </p:style>
+        <p:txBody>
+          <a:bodyPr rtlCol="0" anchor="ctr"/>
+          <a:lstStyle/>
+          <a:p>
+            <a:r>
+              <a:rPr lang="en-IL" b="1" dirty="0"/>
+              <a:t>   Supplying Admin</a:t>
+            </a:r>
+          </a:p>
+        </p:txBody>
+      </p:sp>
+      <p:sp>
+        <p:nvSpPr>
+          <p:cNvPr id="11" name="Rectangle 10">
+            <a:extLst>
+              <a:ext uri="{FF2B5EF4-FFF2-40B4-BE49-F238E27FC236}">
+                <a16:creationId xmlns:a16="http://schemas.microsoft.com/office/drawing/2014/main" id="{AF89738C-F37C-8B4A-98D5-A9A8C7685265}"/>
+              </a:ext>
+            </a:extLst>
+          </p:cNvPr>
+          <p:cNvSpPr/>
+          <p:nvPr/>
+        </p:nvSpPr>
+        <p:spPr>
+          <a:xfrm>
+            <a:off x="1" y="656948"/>
+            <a:ext cx="1952978" cy="513191"/>
+          </a:xfrm>
+          <a:prstGeom prst="rect">
+            <a:avLst/>
+          </a:prstGeom>
+        </p:spPr>
+        <p:style>
+          <a:lnRef idx="2">
+            <a:schemeClr val="accent1">
+              <a:shade val="50000"/>
+            </a:schemeClr>
+          </a:lnRef>
+          <a:fillRef idx="1">
+            <a:schemeClr val="accent1"/>
+          </a:fillRef>
+          <a:effectRef idx="0">
+            <a:schemeClr val="accent1"/>
+          </a:effectRef>
+          <a:fontRef idx="minor">
+            <a:schemeClr val="lt1"/>
+          </a:fontRef>
+        </p:style>
+        <p:txBody>
+          <a:bodyPr rtlCol="0" anchor="ctr"/>
+          <a:lstStyle/>
+          <a:p>
+            <a:pPr algn="ctr"/>
+            <a:r>
+              <a:rPr lang="en-IL" dirty="0"/>
+              <a:t>Overview</a:t>
+            </a:r>
+          </a:p>
+        </p:txBody>
+      </p:sp>
+      <p:sp>
+        <p:nvSpPr>
+          <p:cNvPr id="2" name="TextBox 1">
+            <a:extLst>
+              <a:ext uri="{FF2B5EF4-FFF2-40B4-BE49-F238E27FC236}">
+                <a16:creationId xmlns:a16="http://schemas.microsoft.com/office/drawing/2014/main" id="{96FFA38A-B801-3E41-86F1-A6321EC535BB}"/>
+              </a:ext>
+            </a:extLst>
+          </p:cNvPr>
+          <p:cNvSpPr txBox="1"/>
+          <p:nvPr/>
+        </p:nvSpPr>
+        <p:spPr>
+          <a:xfrm>
+            <a:off x="1952936" y="649112"/>
+            <a:ext cx="10239043" cy="523220"/>
+          </a:xfrm>
+          <a:prstGeom prst="rect">
+            <a:avLst/>
+          </a:prstGeom>
+          <a:solidFill>
+            <a:schemeClr val="bg2"/>
+          </a:solidFill>
+          <a:ln>
+            <a:solidFill>
+              <a:schemeClr val="tx1"/>
+            </a:solidFill>
+          </a:ln>
+        </p:spPr>
+        <p:txBody>
+          <a:bodyPr wrap="square" rtlCol="0">
+            <a:spAutoFit/>
+          </a:bodyPr>
+          <a:lstStyle/>
+          <a:p>
+            <a:pPr marL="0" defTabSz="914400" rtl="1" eaLnBrk="1" latinLnBrk="0" hangingPunct="1"/>
+            <a:r>
+              <a:rPr lang="en-IL" sz="2800" b="1" dirty="0"/>
+              <a:t>Deal 2021-06-20: Supplier A &lt;&gt; Trans Computers</a:t>
+            </a:r>
+          </a:p>
+        </p:txBody>
+      </p:sp>
+      <p:sp>
+        <p:nvSpPr>
+          <p:cNvPr id="15" name="Rounded Rectangle 14">
+            <a:extLst>
+              <a:ext uri="{FF2B5EF4-FFF2-40B4-BE49-F238E27FC236}">
+                <a16:creationId xmlns:a16="http://schemas.microsoft.com/office/drawing/2014/main" id="{70C26768-1D3F-B341-9D97-0484802567C1}"/>
+              </a:ext>
+            </a:extLst>
+          </p:cNvPr>
+          <p:cNvSpPr/>
+          <p:nvPr/>
+        </p:nvSpPr>
+        <p:spPr>
+          <a:xfrm>
+            <a:off x="10498668" y="702847"/>
+            <a:ext cx="1061156" cy="415749"/>
+          </a:xfrm>
+          <a:prstGeom prst="roundRect">
+            <a:avLst/>
+          </a:prstGeom>
+          <a:solidFill>
+            <a:schemeClr val="accent4">
+              <a:lumMod val="60000"/>
+              <a:lumOff val="40000"/>
+            </a:schemeClr>
+          </a:solidFill>
+        </p:spPr>
+        <p:style>
+          <a:lnRef idx="2">
+            <a:schemeClr val="accent1">
+              <a:shade val="50000"/>
+            </a:schemeClr>
+          </a:lnRef>
+          <a:fillRef idx="1">
+            <a:schemeClr val="accent1"/>
+          </a:fillRef>
+          <a:effectRef idx="0">
+            <a:schemeClr val="accent1"/>
+          </a:effectRef>
+          <a:fontRef idx="minor">
+            <a:schemeClr val="lt1"/>
+          </a:fontRef>
+        </p:style>
+        <p:txBody>
+          <a:bodyPr rtlCol="0" anchor="ctr"/>
+          <a:lstStyle/>
+          <a:p>
+            <a:pPr algn="ctr"/>
+            <a:r>
+              <a:rPr lang="en-IL" dirty="0">
+                <a:solidFill>
+                  <a:schemeClr val="tx1"/>
+                </a:solidFill>
+              </a:rPr>
+              <a:t>Active</a:t>
+            </a:r>
+          </a:p>
+        </p:txBody>
+      </p:sp>
+      <p:sp>
+        <p:nvSpPr>
+          <p:cNvPr id="18" name="Rectangle 17">
+            <a:extLst>
+              <a:ext uri="{FF2B5EF4-FFF2-40B4-BE49-F238E27FC236}">
+                <a16:creationId xmlns:a16="http://schemas.microsoft.com/office/drawing/2014/main" id="{ACA76756-2CD2-424C-89C0-B0F5C7D16495}"/>
+              </a:ext>
+            </a:extLst>
+          </p:cNvPr>
+          <p:cNvSpPr/>
+          <p:nvPr/>
+        </p:nvSpPr>
+        <p:spPr>
+          <a:xfrm>
+            <a:off x="1952979" y="1177975"/>
+            <a:ext cx="1643940" cy="5680025"/>
+          </a:xfrm>
+          <a:prstGeom prst="rect">
+            <a:avLst/>
+          </a:prstGeom>
+          <a:solidFill>
+            <a:schemeClr val="accent5">
+              <a:lumMod val="40000"/>
+              <a:lumOff val="60000"/>
+            </a:schemeClr>
+          </a:solidFill>
+        </p:spPr>
+        <p:style>
+          <a:lnRef idx="2">
+            <a:schemeClr val="accent1">
+              <a:shade val="50000"/>
+            </a:schemeClr>
+          </a:lnRef>
+          <a:fillRef idx="1">
+            <a:schemeClr val="accent1"/>
+          </a:fillRef>
+          <a:effectRef idx="0">
+            <a:schemeClr val="accent1"/>
+          </a:effectRef>
+          <a:fontRef idx="minor">
+            <a:schemeClr val="lt1"/>
+          </a:fontRef>
+        </p:style>
+        <p:txBody>
+          <a:bodyPr rtlCol="0" anchor="ctr"/>
+          <a:lstStyle/>
+          <a:p>
+            <a:pPr marL="0" algn="ctr" defTabSz="914400" rtl="0" eaLnBrk="1" latinLnBrk="0" hangingPunct="1"/>
+            <a:endParaRPr lang="en-IL">
+              <a:solidFill>
+                <a:schemeClr val="tx1"/>
+              </a:solidFill>
+            </a:endParaRPr>
+          </a:p>
+        </p:txBody>
+      </p:sp>
+      <p:sp>
+        <p:nvSpPr>
+          <p:cNvPr id="30" name="Rectangle 29">
+            <a:extLst>
+              <a:ext uri="{FF2B5EF4-FFF2-40B4-BE49-F238E27FC236}">
+                <a16:creationId xmlns:a16="http://schemas.microsoft.com/office/drawing/2014/main" id="{691351D8-F18B-C24E-893D-8AB19146A14E}"/>
+              </a:ext>
+            </a:extLst>
+          </p:cNvPr>
+          <p:cNvSpPr/>
+          <p:nvPr/>
+        </p:nvSpPr>
+        <p:spPr>
+          <a:xfrm>
+            <a:off x="-41" y="3209548"/>
+            <a:ext cx="1952978" cy="513191"/>
+          </a:xfrm>
+          <a:prstGeom prst="rect">
+            <a:avLst/>
+          </a:prstGeom>
+        </p:spPr>
+        <p:style>
+          <a:lnRef idx="2">
+            <a:schemeClr val="accent1">
+              <a:shade val="50000"/>
+            </a:schemeClr>
+          </a:lnRef>
+          <a:fillRef idx="1">
+            <a:schemeClr val="accent1"/>
+          </a:fillRef>
+          <a:effectRef idx="0">
+            <a:schemeClr val="accent1"/>
+          </a:effectRef>
+          <a:fontRef idx="minor">
+            <a:schemeClr val="lt1"/>
+          </a:fontRef>
+        </p:style>
+        <p:txBody>
+          <a:bodyPr rtlCol="0" anchor="ctr"/>
+          <a:lstStyle/>
+          <a:p>
+            <a:pPr algn="ctr"/>
+            <a:r>
+              <a:rPr lang="en-IL" dirty="0"/>
+              <a:t>Harmonized Codes</a:t>
+            </a:r>
+          </a:p>
+        </p:txBody>
+      </p:sp>
+      <p:sp>
+        <p:nvSpPr>
+          <p:cNvPr id="31" name="Rectangle 30">
+            <a:extLst>
+              <a:ext uri="{FF2B5EF4-FFF2-40B4-BE49-F238E27FC236}">
+                <a16:creationId xmlns:a16="http://schemas.microsoft.com/office/drawing/2014/main" id="{057B8E91-46BB-604F-8F4D-03BA4D07D9AA}"/>
+              </a:ext>
+            </a:extLst>
+          </p:cNvPr>
+          <p:cNvSpPr/>
+          <p:nvPr/>
+        </p:nvSpPr>
+        <p:spPr>
+          <a:xfrm>
+            <a:off x="-19" y="3722739"/>
+            <a:ext cx="1952978" cy="513191"/>
+          </a:xfrm>
+          <a:prstGeom prst="rect">
+            <a:avLst/>
+          </a:prstGeom>
+        </p:spPr>
+        <p:style>
+          <a:lnRef idx="2">
+            <a:schemeClr val="accent1">
+              <a:shade val="50000"/>
+            </a:schemeClr>
+          </a:lnRef>
+          <a:fillRef idx="1">
+            <a:schemeClr val="accent1"/>
+          </a:fillRef>
+          <a:effectRef idx="0">
+            <a:schemeClr val="accent1"/>
+          </a:effectRef>
+          <a:fontRef idx="minor">
+            <a:schemeClr val="lt1"/>
+          </a:fontRef>
+        </p:style>
+        <p:txBody>
+          <a:bodyPr rtlCol="0" anchor="ctr"/>
+          <a:lstStyle/>
+          <a:p>
+            <a:pPr algn="ctr"/>
+            <a:r>
+              <a:rPr lang="en-IL" dirty="0"/>
+              <a:t>Products</a:t>
+            </a:r>
+          </a:p>
+        </p:txBody>
+      </p:sp>
+      <p:sp>
+        <p:nvSpPr>
+          <p:cNvPr id="32" name="Rectangle 31">
+            <a:extLst>
+              <a:ext uri="{FF2B5EF4-FFF2-40B4-BE49-F238E27FC236}">
+                <a16:creationId xmlns:a16="http://schemas.microsoft.com/office/drawing/2014/main" id="{2D1BC735-5DC8-4B47-AD00-EE82A54B0EDE}"/>
+              </a:ext>
+            </a:extLst>
+          </p:cNvPr>
+          <p:cNvSpPr/>
+          <p:nvPr/>
+        </p:nvSpPr>
+        <p:spPr>
+          <a:xfrm>
+            <a:off x="-30" y="2696357"/>
+            <a:ext cx="1952978" cy="513191"/>
+          </a:xfrm>
+          <a:prstGeom prst="rect">
+            <a:avLst/>
+          </a:prstGeom>
+        </p:spPr>
+        <p:style>
+          <a:lnRef idx="2">
+            <a:schemeClr val="accent1">
+              <a:shade val="50000"/>
+            </a:schemeClr>
+          </a:lnRef>
+          <a:fillRef idx="1">
+            <a:schemeClr val="accent1"/>
+          </a:fillRef>
+          <a:effectRef idx="0">
+            <a:schemeClr val="accent1"/>
+          </a:effectRef>
+          <a:fontRef idx="minor">
+            <a:schemeClr val="lt1"/>
+          </a:fontRef>
+        </p:style>
+        <p:txBody>
+          <a:bodyPr rtlCol="0" anchor="ctr"/>
+          <a:lstStyle/>
+          <a:p>
+            <a:pPr algn="ctr"/>
+            <a:r>
+              <a:rPr lang="en-IL" dirty="0"/>
+              <a:t>Businesses</a:t>
+            </a:r>
+          </a:p>
+        </p:txBody>
+      </p:sp>
+      <p:sp>
+        <p:nvSpPr>
+          <p:cNvPr id="33" name="Rectangle 32">
+            <a:extLst>
+              <a:ext uri="{FF2B5EF4-FFF2-40B4-BE49-F238E27FC236}">
+                <a16:creationId xmlns:a16="http://schemas.microsoft.com/office/drawing/2014/main" id="{39D7C9BE-E8D0-C646-AF6D-B38C565E9FD7}"/>
+              </a:ext>
+            </a:extLst>
+          </p:cNvPr>
+          <p:cNvSpPr/>
+          <p:nvPr/>
+        </p:nvSpPr>
+        <p:spPr>
+          <a:xfrm>
+            <a:off x="-4773" y="1672168"/>
+            <a:ext cx="1952978" cy="513191"/>
+          </a:xfrm>
+          <a:prstGeom prst="rect">
+            <a:avLst/>
+          </a:prstGeom>
+          <a:solidFill>
+            <a:schemeClr val="accent6"/>
+          </a:solidFill>
+        </p:spPr>
+        <p:style>
+          <a:lnRef idx="2">
+            <a:schemeClr val="accent1">
+              <a:shade val="50000"/>
+            </a:schemeClr>
+          </a:lnRef>
+          <a:fillRef idx="1">
+            <a:schemeClr val="accent1"/>
+          </a:fillRef>
+          <a:effectRef idx="0">
+            <a:schemeClr val="accent1"/>
+          </a:effectRef>
+          <a:fontRef idx="minor">
+            <a:schemeClr val="lt1"/>
+          </a:fontRef>
+        </p:style>
+        <p:txBody>
+          <a:bodyPr rtlCol="0" anchor="ctr"/>
+          <a:lstStyle/>
+          <a:p>
+            <a:pPr algn="ctr"/>
+            <a:r>
+              <a:rPr lang="en-IL" dirty="0"/>
+              <a:t>Offers</a:t>
+            </a:r>
+          </a:p>
+        </p:txBody>
+      </p:sp>
+      <p:sp>
+        <p:nvSpPr>
+          <p:cNvPr id="34" name="Rectangle 33">
+            <a:extLst>
+              <a:ext uri="{FF2B5EF4-FFF2-40B4-BE49-F238E27FC236}">
+                <a16:creationId xmlns:a16="http://schemas.microsoft.com/office/drawing/2014/main" id="{1178CA40-F81F-394F-A845-F965536F9763}"/>
+              </a:ext>
+            </a:extLst>
+          </p:cNvPr>
+          <p:cNvSpPr/>
+          <p:nvPr/>
+        </p:nvSpPr>
+        <p:spPr>
+          <a:xfrm>
+            <a:off x="-9547" y="2183166"/>
+            <a:ext cx="1952978" cy="513191"/>
+          </a:xfrm>
+          <a:prstGeom prst="rect">
+            <a:avLst/>
+          </a:prstGeom>
+        </p:spPr>
+        <p:style>
+          <a:lnRef idx="2">
+            <a:schemeClr val="accent1">
+              <a:shade val="50000"/>
+            </a:schemeClr>
+          </a:lnRef>
+          <a:fillRef idx="1">
+            <a:schemeClr val="accent1"/>
+          </a:fillRef>
+          <a:effectRef idx="0">
+            <a:schemeClr val="accent1"/>
+          </a:effectRef>
+          <a:fontRef idx="minor">
+            <a:schemeClr val="lt1"/>
+          </a:fontRef>
+        </p:style>
+        <p:txBody>
+          <a:bodyPr rtlCol="0" anchor="ctr"/>
+          <a:lstStyle/>
+          <a:p>
+            <a:pPr algn="ctr"/>
+            <a:r>
+              <a:rPr lang="en-IL" dirty="0"/>
+              <a:t>Orders</a:t>
+            </a:r>
+          </a:p>
+        </p:txBody>
+      </p:sp>
+      <p:graphicFrame>
+        <p:nvGraphicFramePr>
+          <p:cNvPr id="25" name="Table 20">
+            <a:extLst>
+              <a:ext uri="{FF2B5EF4-FFF2-40B4-BE49-F238E27FC236}">
+                <a16:creationId xmlns:a16="http://schemas.microsoft.com/office/drawing/2014/main" id="{AC9C3DF8-B8CE-2C48-A93F-6A38175D4761}"/>
+              </a:ext>
+            </a:extLst>
+          </p:cNvPr>
+          <p:cNvGraphicFramePr>
+            <a:graphicFrameLocks noGrp="1"/>
+          </p:cNvGraphicFramePr>
+          <p:nvPr/>
+        </p:nvGraphicFramePr>
+        <p:xfrm>
+          <a:off x="3704543" y="1790643"/>
+          <a:ext cx="8271242" cy="4418244"/>
+        </p:xfrm>
+        <a:graphic>
+          <a:graphicData uri="http://schemas.openxmlformats.org/drawingml/2006/table">
+            <a:tbl>
+              <a:tblPr firstRow="1" bandRow="1">
+                <a:tableStyleId>{5C22544A-7EE6-4342-B048-85BDC9FD1C3A}</a:tableStyleId>
+              </a:tblPr>
+              <a:tblGrid>
+                <a:gridCol w="1591567">
+                  <a:extLst>
+                    <a:ext uri="{9D8B030D-6E8A-4147-A177-3AD203B41FA5}">
+                      <a16:colId xmlns:a16="http://schemas.microsoft.com/office/drawing/2014/main" val="610671510"/>
+                    </a:ext>
+                  </a:extLst>
+                </a:gridCol>
+                <a:gridCol w="1591567">
+                  <a:extLst>
+                    <a:ext uri="{9D8B030D-6E8A-4147-A177-3AD203B41FA5}">
+                      <a16:colId xmlns:a16="http://schemas.microsoft.com/office/drawing/2014/main" val="3601053305"/>
+                    </a:ext>
+                  </a:extLst>
+                </a:gridCol>
+                <a:gridCol w="1591567">
+                  <a:extLst>
+                    <a:ext uri="{9D8B030D-6E8A-4147-A177-3AD203B41FA5}">
+                      <a16:colId xmlns:a16="http://schemas.microsoft.com/office/drawing/2014/main" val="1515636618"/>
+                    </a:ext>
+                  </a:extLst>
+                </a:gridCol>
+                <a:gridCol w="1904974">
+                  <a:extLst>
+                    <a:ext uri="{9D8B030D-6E8A-4147-A177-3AD203B41FA5}">
+                      <a16:colId xmlns:a16="http://schemas.microsoft.com/office/drawing/2014/main" val="1527863627"/>
+                    </a:ext>
+                  </a:extLst>
+                </a:gridCol>
+                <a:gridCol w="1591567">
+                  <a:extLst>
+                    <a:ext uri="{9D8B030D-6E8A-4147-A177-3AD203B41FA5}">
+                      <a16:colId xmlns:a16="http://schemas.microsoft.com/office/drawing/2014/main" val="2582457957"/>
+                    </a:ext>
+                  </a:extLst>
+                </a:gridCol>
+              </a:tblGrid>
+              <a:tr h="1080220">
+                <a:tc>
+                  <a:txBody>
+                    <a:bodyPr/>
+                    <a:lstStyle/>
+                    <a:p>
+                      <a:r>
+                        <a:rPr lang="en-IL" sz="1600" dirty="0"/>
+                        <a:t>Products</a:t>
+                      </a:r>
+                    </a:p>
+                  </a:txBody>
+                  <a:tcPr>
+                    <a:solidFill>
+                      <a:schemeClr val="accent6"/>
+                    </a:solidFill>
+                  </a:tcPr>
+                </a:tc>
+                <a:tc>
+                  <a:txBody>
+                    <a:bodyPr/>
+                    <a:lstStyle/>
+                    <a:p>
+                      <a:r>
+                        <a:rPr lang="en-IL" sz="1600" dirty="0"/>
+                        <a:t>Buying Price (€)</a:t>
+                      </a:r>
+                    </a:p>
+                    <a:p>
+                      <a:r>
+                        <a:rPr lang="en-IL" sz="1600" dirty="0"/>
+                        <a:t>(Locked)</a:t>
+                      </a:r>
+                    </a:p>
+                  </a:txBody>
+                  <a:tcPr/>
+                </a:tc>
+                <a:tc>
+                  <a:txBody>
+                    <a:bodyPr/>
+                    <a:lstStyle/>
+                    <a:p>
+                      <a:pPr marL="0" marR="0" lvl="0" indent="0" algn="l" defTabSz="914400" rtl="0" eaLnBrk="1" fontAlgn="auto" latinLnBrk="0" hangingPunct="1">
+                        <a:lnSpc>
+                          <a:spcPct val="100000"/>
+                        </a:lnSpc>
+                        <a:spcBef>
+                          <a:spcPts val="0"/>
+                        </a:spcBef>
+                        <a:spcAft>
+                          <a:spcPts val="0"/>
+                        </a:spcAft>
+                        <a:buClrTx/>
+                        <a:buSzTx/>
+                        <a:buFontTx/>
+                        <a:buNone/>
+                        <a:tabLst/>
+                        <a:defRPr/>
+                      </a:pPr>
+                      <a:r>
+                        <a:rPr lang="en-IL" sz="1600" dirty="0"/>
+                        <a:t>Offered Quantity</a:t>
+                      </a:r>
+                    </a:p>
+                  </a:txBody>
+                  <a:tcPr/>
+                </a:tc>
+                <a:tc>
+                  <a:txBody>
+                    <a:bodyPr/>
+                    <a:lstStyle/>
+                    <a:p>
+                      <a:r>
+                        <a:rPr lang="en-IL" sz="1600" dirty="0"/>
+                        <a:t>Offered Price (€)</a:t>
+                      </a:r>
+                    </a:p>
+                  </a:txBody>
+                  <a:tcPr/>
+                </a:tc>
+                <a:tc>
+                  <a:txBody>
+                    <a:bodyPr/>
+                    <a:lstStyle/>
+                    <a:p>
+                      <a:r>
+                        <a:rPr lang="en-IL" sz="1600" dirty="0"/>
+                        <a:t>Revenue by Offer</a:t>
+                      </a:r>
+                    </a:p>
+                  </a:txBody>
+                  <a:tcPr/>
+                </a:tc>
+                <a:extLst>
+                  <a:ext uri="{0D108BD9-81ED-4DB2-BD59-A6C34878D82A}">
+                    <a16:rowId xmlns:a16="http://schemas.microsoft.com/office/drawing/2014/main" val="2897982443"/>
+                  </a:ext>
+                </a:extLst>
+              </a:tr>
+              <a:tr h="834506">
+                <a:tc>
+                  <a:txBody>
+                    <a:bodyPr/>
+                    <a:lstStyle/>
+                    <a:p>
+                      <a:r>
+                        <a:rPr lang="en-IL" sz="1200" dirty="0"/>
+                        <a:t>Item 1</a:t>
+                      </a:r>
+                    </a:p>
+                  </a:txBody>
+                  <a:tcPr>
+                    <a:solidFill>
+                      <a:schemeClr val="accent6"/>
+                    </a:solidFill>
+                  </a:tcPr>
+                </a:tc>
+                <a:tc>
+                  <a:txBody>
+                    <a:bodyPr/>
+                    <a:lstStyle/>
+                    <a:p>
+                      <a:r>
+                        <a:rPr lang="en-IL" sz="1200" dirty="0"/>
+                        <a:t>€12 / Unit</a:t>
+                      </a:r>
+                    </a:p>
+                    <a:p>
+                      <a:r>
+                        <a:rPr lang="en-IL" sz="1200" dirty="0"/>
+                        <a:t>€1200 / Total</a:t>
+                      </a:r>
+                    </a:p>
+                  </a:txBody>
+                  <a:tcPr>
+                    <a:solidFill>
+                      <a:schemeClr val="accent5">
+                        <a:lumMod val="40000"/>
+                        <a:lumOff val="60000"/>
+                      </a:schemeClr>
+                    </a:solidFill>
+                  </a:tcPr>
+                </a:tc>
+                <a:tc>
+                  <a:txBody>
+                    <a:bodyPr/>
+                    <a:lstStyle/>
+                    <a:p>
+                      <a:r>
+                        <a:rPr lang="en-IL" sz="1200" dirty="0"/>
+                        <a:t>100</a:t>
+                      </a:r>
+                    </a:p>
+                  </a:txBody>
+                  <a:tcPr>
+                    <a:solidFill>
+                      <a:schemeClr val="accent5">
+                        <a:lumMod val="40000"/>
+                        <a:lumOff val="60000"/>
+                      </a:schemeClr>
+                    </a:solidFill>
+                  </a:tcPr>
+                </a:tc>
+                <a:tc>
+                  <a:txBody>
+                    <a:bodyPr/>
+                    <a:lstStyle/>
+                    <a:p>
+                      <a:r>
+                        <a:rPr lang="en-IL" sz="1200" dirty="0"/>
+                        <a:t>€15 / Unit</a:t>
+                      </a:r>
+                    </a:p>
+                    <a:p>
+                      <a:r>
+                        <a:rPr lang="en-IL" sz="1200" dirty="0"/>
+                        <a:t>€1500 / Total</a:t>
+                      </a:r>
+                    </a:p>
+                  </a:txBody>
+                  <a:tcPr>
+                    <a:solidFill>
+                      <a:schemeClr val="accent5">
+                        <a:lumMod val="40000"/>
+                        <a:lumOff val="60000"/>
+                      </a:schemeClr>
+                    </a:solidFill>
+                  </a:tcPr>
+                </a:tc>
+                <a:tc>
+                  <a:txBody>
+                    <a:bodyPr/>
+                    <a:lstStyle/>
+                    <a:p>
+                      <a:r>
+                        <a:rPr lang="en-IL" sz="1200" dirty="0"/>
+                        <a:t>+ €3,000</a:t>
+                      </a:r>
+                    </a:p>
+                    <a:p>
+                      <a:r>
+                        <a:rPr lang="en-IL" sz="1200" b="1" dirty="0">
+                          <a:solidFill>
+                            <a:schemeClr val="accent6">
+                              <a:lumMod val="75000"/>
+                            </a:schemeClr>
+                          </a:solidFill>
+                        </a:rPr>
+                        <a:t>(+ 25%)</a:t>
+                      </a:r>
+                    </a:p>
+                  </a:txBody>
+                  <a:tcPr>
+                    <a:solidFill>
+                      <a:schemeClr val="accent5">
+                        <a:lumMod val="40000"/>
+                        <a:lumOff val="60000"/>
+                      </a:schemeClr>
+                    </a:solidFill>
+                  </a:tcPr>
+                </a:tc>
+                <a:extLst>
+                  <a:ext uri="{0D108BD9-81ED-4DB2-BD59-A6C34878D82A}">
+                    <a16:rowId xmlns:a16="http://schemas.microsoft.com/office/drawing/2014/main" val="3928175476"/>
+                  </a:ext>
+                </a:extLst>
+              </a:tr>
+              <a:tr h="834506">
+                <a:tc>
+                  <a:txBody>
+                    <a:bodyPr/>
+                    <a:lstStyle/>
+                    <a:p>
+                      <a:r>
+                        <a:rPr lang="en-IL" sz="1200" dirty="0"/>
+                        <a:t>Item 2</a:t>
+                      </a:r>
+                    </a:p>
+                  </a:txBody>
+                  <a:tcPr>
+                    <a:solidFill>
+                      <a:schemeClr val="accent6"/>
+                    </a:solidFill>
+                  </a:tcPr>
+                </a:tc>
+                <a:tc>
+                  <a:txBody>
+                    <a:bodyPr/>
+                    <a:lstStyle/>
+                    <a:p>
+                      <a:r>
+                        <a:rPr lang="en-IL" sz="1200" dirty="0"/>
+                        <a:t>€3 / Unit</a:t>
+                      </a:r>
+                    </a:p>
+                    <a:p>
+                      <a:r>
+                        <a:rPr lang="en-IL" sz="1200" dirty="0"/>
+                        <a:t>€30 / Total</a:t>
+                      </a:r>
+                    </a:p>
+                  </a:txBody>
+                  <a:tcPr>
+                    <a:solidFill>
+                      <a:schemeClr val="accent5">
+                        <a:lumMod val="40000"/>
+                        <a:lumOff val="60000"/>
+                      </a:schemeClr>
+                    </a:solidFill>
+                  </a:tcPr>
+                </a:tc>
+                <a:tc>
+                  <a:txBody>
+                    <a:bodyPr/>
+                    <a:lstStyle/>
+                    <a:p>
+                      <a:r>
+                        <a:rPr lang="en-IL" sz="1200" dirty="0"/>
+                        <a:t>10</a:t>
+                      </a:r>
+                    </a:p>
+                  </a:txBody>
+                  <a:tcPr>
+                    <a:solidFill>
+                      <a:schemeClr val="accent5">
+                        <a:lumMod val="40000"/>
+                        <a:lumOff val="60000"/>
+                      </a:schemeClr>
+                    </a:solidFill>
+                  </a:tcPr>
+                </a:tc>
+                <a:tc>
+                  <a:txBody>
+                    <a:bodyPr/>
+                    <a:lstStyle/>
+                    <a:p>
+                      <a:r>
+                        <a:rPr lang="en-IL" sz="1200" dirty="0"/>
+                        <a:t>€5 / Unit</a:t>
+                      </a:r>
+                    </a:p>
+                    <a:p>
+                      <a:r>
+                        <a:rPr lang="en-IL" sz="1200" dirty="0"/>
+                        <a:t>€50 / Total</a:t>
+                      </a:r>
+                    </a:p>
+                  </a:txBody>
+                  <a:tcPr>
+                    <a:solidFill>
+                      <a:schemeClr val="accent5">
+                        <a:lumMod val="40000"/>
+                        <a:lumOff val="60000"/>
+                      </a:schemeClr>
+                    </a:solidFill>
+                  </a:tcPr>
+                </a:tc>
+                <a:tc>
+                  <a:txBody>
+                    <a:bodyPr/>
+                    <a:lstStyle/>
+                    <a:p>
+                      <a:r>
+                        <a:rPr lang="en-IL" sz="1200" dirty="0"/>
+                        <a:t>+ €500</a:t>
+                      </a:r>
+                    </a:p>
+                    <a:p>
+                      <a:r>
+                        <a:rPr lang="en-IL" sz="1200" b="1" dirty="0">
+                          <a:solidFill>
+                            <a:schemeClr val="accent6">
+                              <a:lumMod val="75000"/>
+                            </a:schemeClr>
+                          </a:solidFill>
+                        </a:rPr>
+                        <a:t>(+ 60%)</a:t>
+                      </a:r>
+                    </a:p>
+                  </a:txBody>
+                  <a:tcPr>
+                    <a:solidFill>
+                      <a:schemeClr val="accent5">
+                        <a:lumMod val="40000"/>
+                        <a:lumOff val="60000"/>
+                      </a:schemeClr>
+                    </a:solidFill>
+                  </a:tcPr>
+                </a:tc>
+                <a:extLst>
+                  <a:ext uri="{0D108BD9-81ED-4DB2-BD59-A6C34878D82A}">
+                    <a16:rowId xmlns:a16="http://schemas.microsoft.com/office/drawing/2014/main" val="979513566"/>
+                  </a:ext>
+                </a:extLst>
+              </a:tr>
+              <a:tr h="834506">
+                <a:tc>
+                  <a:txBody>
+                    <a:bodyPr/>
+                    <a:lstStyle/>
+                    <a:p>
+                      <a:r>
+                        <a:rPr lang="en-IL" sz="1200" dirty="0"/>
+                        <a:t>Item 3</a:t>
+                      </a:r>
+                    </a:p>
+                  </a:txBody>
+                  <a:tcPr>
+                    <a:solidFill>
+                      <a:schemeClr val="accent6"/>
+                    </a:solidFill>
+                  </a:tcPr>
+                </a:tc>
+                <a:tc>
+                  <a:txBody>
+                    <a:bodyPr/>
+                    <a:lstStyle/>
+                    <a:p>
+                      <a:r>
+                        <a:rPr lang="en-IL" sz="1200" dirty="0"/>
+                        <a:t>€50 / Unit</a:t>
+                      </a:r>
+                    </a:p>
+                    <a:p>
+                      <a:r>
+                        <a:rPr lang="en-IL" sz="1200" dirty="0"/>
+                        <a:t>€1,000 / Total</a:t>
+                      </a:r>
+                    </a:p>
+                  </a:txBody>
+                  <a:tcPr>
+                    <a:solidFill>
+                      <a:schemeClr val="accent5">
+                        <a:lumMod val="40000"/>
+                        <a:lumOff val="60000"/>
+                      </a:schemeClr>
+                    </a:solidFill>
+                  </a:tcPr>
+                </a:tc>
+                <a:tc>
+                  <a:txBody>
+                    <a:bodyPr/>
+                    <a:lstStyle/>
+                    <a:p>
+                      <a:r>
+                        <a:rPr lang="en-IL" sz="1200" dirty="0"/>
+                        <a:t>20</a:t>
+                      </a:r>
+                    </a:p>
+                  </a:txBody>
+                  <a:tcPr>
+                    <a:solidFill>
+                      <a:schemeClr val="accent5">
+                        <a:lumMod val="40000"/>
+                        <a:lumOff val="60000"/>
+                      </a:schemeClr>
+                    </a:solidFill>
+                  </a:tcPr>
+                </a:tc>
+                <a:tc>
+                  <a:txBody>
+                    <a:bodyPr/>
+                    <a:lstStyle/>
+                    <a:p>
+                      <a:r>
+                        <a:rPr lang="en-IL" sz="1200" dirty="0"/>
+                        <a:t>€40 / Unit</a:t>
+                      </a:r>
+                    </a:p>
+                    <a:p>
+                      <a:r>
+                        <a:rPr lang="en-IL" sz="1200" dirty="0"/>
+                        <a:t>€800 / Total</a:t>
+                      </a:r>
+                    </a:p>
+                  </a:txBody>
+                  <a:tcPr>
+                    <a:solidFill>
+                      <a:schemeClr val="accent5">
+                        <a:lumMod val="40000"/>
+                        <a:lumOff val="60000"/>
+                      </a:schemeClr>
+                    </a:solidFill>
+                  </a:tcPr>
+                </a:tc>
+                <a:tc>
+                  <a:txBody>
+                    <a:bodyPr/>
+                    <a:lstStyle/>
+                    <a:p>
+                      <a:r>
+                        <a:rPr lang="en-IL" sz="1200" dirty="0"/>
+                        <a:t>- €200</a:t>
+                      </a:r>
+                    </a:p>
+                    <a:p>
+                      <a:r>
+                        <a:rPr lang="en-IL" sz="1200" b="1" dirty="0">
+                          <a:solidFill>
+                            <a:srgbClr val="C00000"/>
+                          </a:solidFill>
+                        </a:rPr>
+                        <a:t>(- 40%)</a:t>
+                      </a:r>
+                    </a:p>
+                  </a:txBody>
+                  <a:tcPr>
+                    <a:solidFill>
+                      <a:schemeClr val="accent5">
+                        <a:lumMod val="40000"/>
+                        <a:lumOff val="60000"/>
+                      </a:schemeClr>
+                    </a:solidFill>
+                  </a:tcPr>
+                </a:tc>
+                <a:extLst>
+                  <a:ext uri="{0D108BD9-81ED-4DB2-BD59-A6C34878D82A}">
+                    <a16:rowId xmlns:a16="http://schemas.microsoft.com/office/drawing/2014/main" val="1047495032"/>
+                  </a:ext>
+                </a:extLst>
+              </a:tr>
+              <a:tr h="834506">
+                <a:tc>
+                  <a:txBody>
+                    <a:bodyPr/>
+                    <a:lstStyle/>
+                    <a:p>
+                      <a:r>
+                        <a:rPr lang="en-IL" sz="1800" b="1" dirty="0">
+                          <a:solidFill>
+                            <a:schemeClr val="bg1"/>
+                          </a:solidFill>
+                        </a:rPr>
+                        <a:t>Totals</a:t>
+                      </a:r>
+                    </a:p>
+                  </a:txBody>
+                  <a:tcPr>
+                    <a:solidFill>
+                      <a:schemeClr val="bg1">
+                        <a:lumMod val="50000"/>
+                      </a:schemeClr>
+                    </a:solidFill>
+                  </a:tcPr>
+                </a:tc>
+                <a:tc>
+                  <a:txBody>
+                    <a:bodyPr/>
+                    <a:lstStyle/>
+                    <a:p>
+                      <a:r>
+                        <a:rPr lang="en-IL" sz="1800" b="1" dirty="0">
+                          <a:solidFill>
+                            <a:schemeClr val="bg1"/>
+                          </a:solidFill>
+                        </a:rPr>
+                        <a:t>€2,230</a:t>
+                      </a:r>
+                    </a:p>
+                  </a:txBody>
+                  <a:tcPr>
+                    <a:solidFill>
+                      <a:schemeClr val="bg1">
+                        <a:lumMod val="50000"/>
+                      </a:schemeClr>
+                    </a:solidFill>
+                  </a:tcPr>
+                </a:tc>
+                <a:tc>
+                  <a:txBody>
+                    <a:bodyPr/>
+                    <a:lstStyle/>
+                    <a:p>
+                      <a:r>
+                        <a:rPr lang="en-IL" sz="1800" b="1" dirty="0">
+                          <a:solidFill>
+                            <a:schemeClr val="bg1"/>
+                          </a:solidFill>
+                        </a:rPr>
+                        <a:t>-</a:t>
+                      </a:r>
+                    </a:p>
+                  </a:txBody>
+                  <a:tcPr>
+                    <a:solidFill>
+                      <a:schemeClr val="bg1">
+                        <a:lumMod val="50000"/>
+                      </a:schemeClr>
+                    </a:solidFill>
+                  </a:tcPr>
+                </a:tc>
+                <a:tc>
+                  <a:txBody>
+                    <a:bodyPr/>
+                    <a:lstStyle/>
+                    <a:p>
+                      <a:pPr marL="0" marR="0" lvl="0" indent="0" algn="l" defTabSz="914400" rtl="0" eaLnBrk="1" fontAlgn="auto" latinLnBrk="0" hangingPunct="1">
+                        <a:lnSpc>
+                          <a:spcPct val="100000"/>
+                        </a:lnSpc>
+                        <a:spcBef>
+                          <a:spcPts val="0"/>
+                        </a:spcBef>
+                        <a:spcAft>
+                          <a:spcPts val="0"/>
+                        </a:spcAft>
+                        <a:buClrTx/>
+                        <a:buSzTx/>
+                        <a:buFontTx/>
+                        <a:buNone/>
+                        <a:tabLst/>
+                        <a:defRPr/>
+                      </a:pPr>
+                      <a:r>
+                        <a:rPr lang="en-IL" sz="1800" b="1" dirty="0">
+                          <a:solidFill>
+                            <a:schemeClr val="bg1"/>
+                          </a:solidFill>
+                        </a:rPr>
+                        <a:t>€2,350</a:t>
+                      </a:r>
+                    </a:p>
+                  </a:txBody>
+                  <a:tcPr>
+                    <a:solidFill>
+                      <a:schemeClr val="bg1">
+                        <a:lumMod val="50000"/>
+                      </a:schemeClr>
+                    </a:solidFill>
+                  </a:tcPr>
+                </a:tc>
+                <a:tc>
+                  <a:txBody>
+                    <a:bodyPr/>
+                    <a:lstStyle/>
+                    <a:p>
+                      <a:r>
+                        <a:rPr lang="en-IL" sz="1800" b="1" dirty="0">
+                          <a:solidFill>
+                            <a:schemeClr val="bg1"/>
+                          </a:solidFill>
+                        </a:rPr>
+                        <a:t>+ €120</a:t>
+                      </a:r>
+                    </a:p>
+                    <a:p>
+                      <a:r>
+                        <a:rPr lang="en-IL" sz="1800" b="1" dirty="0">
+                          <a:solidFill>
+                            <a:schemeClr val="accent6">
+                              <a:lumMod val="60000"/>
+                              <a:lumOff val="40000"/>
+                            </a:schemeClr>
+                          </a:solidFill>
+                        </a:rPr>
+                        <a:t>(+ 5.3%)</a:t>
+                      </a:r>
+                    </a:p>
+                  </a:txBody>
+                  <a:tcPr>
+                    <a:solidFill>
+                      <a:schemeClr val="bg1">
+                        <a:lumMod val="50000"/>
+                      </a:schemeClr>
+                    </a:solidFill>
+                  </a:tcPr>
+                </a:tc>
+                <a:extLst>
+                  <a:ext uri="{0D108BD9-81ED-4DB2-BD59-A6C34878D82A}">
+                    <a16:rowId xmlns:a16="http://schemas.microsoft.com/office/drawing/2014/main" val="187322475"/>
+                  </a:ext>
+                </a:extLst>
+              </a:tr>
+            </a:tbl>
+          </a:graphicData>
+        </a:graphic>
+      </p:graphicFrame>
+      <p:sp>
+        <p:nvSpPr>
+          <p:cNvPr id="38" name="TextBox 37">
+            <a:extLst>
+              <a:ext uri="{FF2B5EF4-FFF2-40B4-BE49-F238E27FC236}">
+                <a16:creationId xmlns:a16="http://schemas.microsoft.com/office/drawing/2014/main" id="{B9CB4AAF-E787-074B-8D18-4FA2434EC32F}"/>
+              </a:ext>
+            </a:extLst>
+          </p:cNvPr>
+          <p:cNvSpPr txBox="1"/>
+          <p:nvPr/>
+        </p:nvSpPr>
+        <p:spPr>
+          <a:xfrm>
+            <a:off x="3585121" y="1173805"/>
+            <a:ext cx="8595103" cy="523220"/>
+          </a:xfrm>
+          <a:prstGeom prst="rect">
+            <a:avLst/>
+          </a:prstGeom>
+          <a:solidFill>
+            <a:srgbClr val="00B0F0"/>
+          </a:solidFill>
+          <a:ln>
+            <a:solidFill>
+              <a:schemeClr val="tx1"/>
+            </a:solidFill>
+          </a:ln>
+        </p:spPr>
+        <p:txBody>
+          <a:bodyPr wrap="square" rtlCol="0">
+            <a:spAutoFit/>
+          </a:bodyPr>
+          <a:lstStyle/>
+          <a:p>
+            <a:pPr marL="0" defTabSz="914400" rtl="0" eaLnBrk="1" latinLnBrk="0" hangingPunct="1"/>
+            <a:r>
+              <a:rPr lang="en-IL" sz="2800" b="1" dirty="0">
+                <a:solidFill>
+                  <a:srgbClr val="C00000"/>
+                </a:solidFill>
+              </a:rPr>
+              <a:t>Trans Computers</a:t>
+            </a:r>
+            <a:r>
+              <a:rPr lang="en-IL" sz="2800" b="1" dirty="0"/>
+              <a:t> offers to </a:t>
+            </a:r>
+            <a:r>
+              <a:rPr lang="en-IL" sz="2800" b="1" dirty="0">
+                <a:solidFill>
+                  <a:srgbClr val="C00000"/>
+                </a:solidFill>
+              </a:rPr>
+              <a:t>Customer A  </a:t>
+            </a:r>
+          </a:p>
+        </p:txBody>
+      </p:sp>
+      <p:sp>
+        <p:nvSpPr>
+          <p:cNvPr id="39" name="Rectangle 38">
+            <a:extLst>
+              <a:ext uri="{FF2B5EF4-FFF2-40B4-BE49-F238E27FC236}">
+                <a16:creationId xmlns:a16="http://schemas.microsoft.com/office/drawing/2014/main" id="{5473BD93-8A3E-364C-A460-A61AEBB37FD8}"/>
+              </a:ext>
+            </a:extLst>
+          </p:cNvPr>
+          <p:cNvSpPr/>
+          <p:nvPr/>
+        </p:nvSpPr>
+        <p:spPr>
+          <a:xfrm>
+            <a:off x="1952979" y="1173805"/>
+            <a:ext cx="1643940" cy="505355"/>
+          </a:xfrm>
+          <a:prstGeom prst="rect">
+            <a:avLst/>
+          </a:prstGeom>
+          <a:solidFill>
+            <a:schemeClr val="accent5">
+              <a:lumMod val="40000"/>
+              <a:lumOff val="60000"/>
+            </a:schemeClr>
+          </a:solidFill>
+        </p:spPr>
+        <p:style>
+          <a:lnRef idx="2">
+            <a:schemeClr val="accent1">
+              <a:shade val="50000"/>
+            </a:schemeClr>
+          </a:lnRef>
+          <a:fillRef idx="1">
+            <a:schemeClr val="accent1"/>
+          </a:fillRef>
+          <a:effectRef idx="0">
+            <a:schemeClr val="accent1"/>
+          </a:effectRef>
+          <a:fontRef idx="minor">
+            <a:schemeClr val="lt1"/>
+          </a:fontRef>
+        </p:style>
+        <p:txBody>
+          <a:bodyPr rtlCol="0" anchor="ctr"/>
+          <a:lstStyle/>
+          <a:p>
+            <a:pPr algn="ctr"/>
+            <a:r>
+              <a:rPr lang="en-US" dirty="0">
+                <a:solidFill>
+                  <a:schemeClr val="tx1"/>
+                </a:solidFill>
+              </a:rPr>
+              <a:t>Round 1</a:t>
+            </a:r>
+            <a:endParaRPr lang="en-IL" dirty="0">
+              <a:solidFill>
+                <a:schemeClr val="tx1"/>
+              </a:solidFill>
+            </a:endParaRPr>
+          </a:p>
+        </p:txBody>
+      </p:sp>
+      <p:sp>
+        <p:nvSpPr>
+          <p:cNvPr id="40" name="Rectangle 39">
+            <a:extLst>
+              <a:ext uri="{FF2B5EF4-FFF2-40B4-BE49-F238E27FC236}">
+                <a16:creationId xmlns:a16="http://schemas.microsoft.com/office/drawing/2014/main" id="{41DCCF56-DA7D-3241-B55C-576C3B35C469}"/>
+              </a:ext>
+            </a:extLst>
+          </p:cNvPr>
+          <p:cNvSpPr/>
+          <p:nvPr/>
+        </p:nvSpPr>
+        <p:spPr>
+          <a:xfrm>
+            <a:off x="1955166" y="2198279"/>
+            <a:ext cx="1643940" cy="521027"/>
+          </a:xfrm>
+          <a:prstGeom prst="rect">
+            <a:avLst/>
+          </a:prstGeom>
+          <a:solidFill>
+            <a:schemeClr val="accent6">
+              <a:lumMod val="60000"/>
+              <a:lumOff val="40000"/>
+            </a:schemeClr>
+          </a:solidFill>
+        </p:spPr>
+        <p:style>
+          <a:lnRef idx="2">
+            <a:schemeClr val="accent1">
+              <a:shade val="50000"/>
+            </a:schemeClr>
+          </a:lnRef>
+          <a:fillRef idx="1">
+            <a:schemeClr val="accent1"/>
+          </a:fillRef>
+          <a:effectRef idx="0">
+            <a:schemeClr val="accent1"/>
+          </a:effectRef>
+          <a:fontRef idx="minor">
+            <a:schemeClr val="lt1"/>
+          </a:fontRef>
+        </p:style>
+        <p:txBody>
+          <a:bodyPr rtlCol="0" anchor="ctr"/>
+          <a:lstStyle/>
+          <a:p>
+            <a:pPr algn="ctr"/>
+            <a:r>
+              <a:rPr lang="en-IL" dirty="0">
+                <a:solidFill>
+                  <a:schemeClr val="tx1"/>
+                </a:solidFill>
+              </a:rPr>
+              <a:t>Round 3</a:t>
+            </a:r>
+          </a:p>
+        </p:txBody>
+      </p:sp>
+      <p:sp>
+        <p:nvSpPr>
+          <p:cNvPr id="41" name="Rectangle 40">
+            <a:extLst>
+              <a:ext uri="{FF2B5EF4-FFF2-40B4-BE49-F238E27FC236}">
+                <a16:creationId xmlns:a16="http://schemas.microsoft.com/office/drawing/2014/main" id="{72D451BE-9C76-DA4E-8A65-8722F6485384}"/>
+              </a:ext>
+            </a:extLst>
+          </p:cNvPr>
+          <p:cNvSpPr/>
+          <p:nvPr/>
+        </p:nvSpPr>
+        <p:spPr>
+          <a:xfrm>
+            <a:off x="1955166" y="1685088"/>
+            <a:ext cx="1643940" cy="505355"/>
+          </a:xfrm>
+          <a:prstGeom prst="rect">
+            <a:avLst/>
+          </a:prstGeom>
+          <a:solidFill>
+            <a:schemeClr val="accent5">
+              <a:lumMod val="40000"/>
+              <a:lumOff val="60000"/>
+            </a:schemeClr>
+          </a:solidFill>
+        </p:spPr>
+        <p:style>
+          <a:lnRef idx="2">
+            <a:schemeClr val="accent1">
+              <a:shade val="50000"/>
+            </a:schemeClr>
+          </a:lnRef>
+          <a:fillRef idx="1">
+            <a:schemeClr val="accent1"/>
+          </a:fillRef>
+          <a:effectRef idx="0">
+            <a:schemeClr val="accent1"/>
+          </a:effectRef>
+          <a:fontRef idx="minor">
+            <a:schemeClr val="lt1"/>
+          </a:fontRef>
+        </p:style>
+        <p:txBody>
+          <a:bodyPr rtlCol="0" anchor="ctr"/>
+          <a:lstStyle/>
+          <a:p>
+            <a:pPr algn="ctr"/>
+            <a:r>
+              <a:rPr lang="en-US" dirty="0">
+                <a:solidFill>
+                  <a:schemeClr val="tx1"/>
+                </a:solidFill>
+              </a:rPr>
+              <a:t>Round2</a:t>
+            </a:r>
+            <a:endParaRPr lang="en-IL" dirty="0">
+              <a:solidFill>
+                <a:schemeClr val="tx1"/>
+              </a:solidFill>
+            </a:endParaRPr>
+          </a:p>
+        </p:txBody>
+      </p:sp>
+      <p:sp>
+        <p:nvSpPr>
+          <p:cNvPr id="42" name="Rounded Rectangle 41">
+            <a:extLst>
+              <a:ext uri="{FF2B5EF4-FFF2-40B4-BE49-F238E27FC236}">
+                <a16:creationId xmlns:a16="http://schemas.microsoft.com/office/drawing/2014/main" id="{8DBF8849-56A1-7D49-9BD5-AB92532B957D}"/>
+              </a:ext>
+            </a:extLst>
+          </p:cNvPr>
+          <p:cNvSpPr/>
+          <p:nvPr/>
+        </p:nvSpPr>
+        <p:spPr>
+          <a:xfrm>
+            <a:off x="10239021" y="1227540"/>
+            <a:ext cx="1580011" cy="415749"/>
+          </a:xfrm>
+          <a:prstGeom prst="roundRect">
+            <a:avLst/>
+          </a:prstGeom>
+          <a:solidFill>
+            <a:schemeClr val="bg1">
+              <a:lumMod val="85000"/>
+            </a:schemeClr>
+          </a:solidFill>
+        </p:spPr>
+        <p:style>
+          <a:lnRef idx="2">
+            <a:schemeClr val="accent1">
+              <a:shade val="50000"/>
+            </a:schemeClr>
+          </a:lnRef>
+          <a:fillRef idx="1">
+            <a:schemeClr val="accent1"/>
+          </a:fillRef>
+          <a:effectRef idx="0">
+            <a:schemeClr val="accent1"/>
+          </a:effectRef>
+          <a:fontRef idx="minor">
+            <a:schemeClr val="lt1"/>
+          </a:fontRef>
+        </p:style>
+        <p:txBody>
+          <a:bodyPr rtlCol="0" anchor="ctr"/>
+          <a:lstStyle/>
+          <a:p>
+            <a:pPr algn="ctr"/>
+            <a:r>
+              <a:rPr lang="en-IL" sz="1200" dirty="0">
+                <a:solidFill>
+                  <a:schemeClr val="tx1"/>
+                </a:solidFill>
+              </a:rPr>
+              <a:t>Pending Customer Response</a:t>
+            </a:r>
+          </a:p>
+        </p:txBody>
+      </p:sp>
+      <p:sp>
+        <p:nvSpPr>
+          <p:cNvPr id="43" name="TextBox 42">
+            <a:extLst>
+              <a:ext uri="{FF2B5EF4-FFF2-40B4-BE49-F238E27FC236}">
+                <a16:creationId xmlns:a16="http://schemas.microsoft.com/office/drawing/2014/main" id="{30C93500-07B0-F64A-A477-1B494EDF1393}"/>
+              </a:ext>
+            </a:extLst>
+          </p:cNvPr>
+          <p:cNvSpPr txBox="1"/>
+          <p:nvPr/>
+        </p:nvSpPr>
+        <p:spPr>
+          <a:xfrm>
+            <a:off x="3606467" y="6334780"/>
+            <a:ext cx="8590329" cy="523220"/>
+          </a:xfrm>
+          <a:prstGeom prst="rect">
+            <a:avLst/>
+          </a:prstGeom>
+          <a:solidFill>
+            <a:schemeClr val="bg2"/>
+          </a:solidFill>
+          <a:ln>
+            <a:solidFill>
+              <a:schemeClr val="tx1"/>
+            </a:solidFill>
+          </a:ln>
+        </p:spPr>
+        <p:txBody>
+          <a:bodyPr wrap="square" rtlCol="0">
+            <a:spAutoFit/>
+          </a:bodyPr>
+          <a:lstStyle/>
+          <a:p>
+            <a:pPr marL="0" algn="l" defTabSz="914400" rtl="0" eaLnBrk="1" latinLnBrk="0" hangingPunct="1"/>
+            <a:endParaRPr lang="en-IL" sz="2800" b="1" dirty="0"/>
+          </a:p>
+        </p:txBody>
+      </p:sp>
+      <p:sp>
+        <p:nvSpPr>
+          <p:cNvPr id="45" name="Rounded Rectangle 44">
+            <a:extLst>
+              <a:ext uri="{FF2B5EF4-FFF2-40B4-BE49-F238E27FC236}">
+                <a16:creationId xmlns:a16="http://schemas.microsoft.com/office/drawing/2014/main" id="{21CB5E32-0CA4-5F47-ABA2-4987C33E052C}"/>
+              </a:ext>
+            </a:extLst>
+          </p:cNvPr>
+          <p:cNvSpPr/>
+          <p:nvPr/>
+        </p:nvSpPr>
+        <p:spPr>
+          <a:xfrm>
+            <a:off x="3758280" y="6388515"/>
+            <a:ext cx="1515750" cy="415749"/>
+          </a:xfrm>
+          <a:prstGeom prst="roundRect">
+            <a:avLst/>
+          </a:prstGeom>
+          <a:solidFill>
+            <a:srgbClr val="FF0000"/>
+          </a:solidFill>
+        </p:spPr>
+        <p:style>
+          <a:lnRef idx="2">
+            <a:schemeClr val="accent1">
+              <a:shade val="50000"/>
+            </a:schemeClr>
+          </a:lnRef>
+          <a:fillRef idx="1">
+            <a:schemeClr val="accent1"/>
+          </a:fillRef>
+          <a:effectRef idx="0">
+            <a:schemeClr val="accent1"/>
+          </a:effectRef>
+          <a:fontRef idx="minor">
+            <a:schemeClr val="lt1"/>
+          </a:fontRef>
+        </p:style>
+        <p:txBody>
+          <a:bodyPr rtlCol="0" anchor="ctr"/>
+          <a:lstStyle/>
+          <a:p>
+            <a:pPr algn="ctr"/>
+            <a:r>
+              <a:rPr lang="en-IL" dirty="0">
+                <a:solidFill>
+                  <a:schemeClr val="bg1"/>
+                </a:solidFill>
+              </a:rPr>
+              <a:t>Cancel Offer</a:t>
+            </a:r>
+          </a:p>
+        </p:txBody>
+      </p:sp>
+    </p:spTree>
+    <p:extLst>
+      <p:ext uri="{BB962C8B-B14F-4D97-AF65-F5344CB8AC3E}">
+        <p14:creationId xmlns:p14="http://schemas.microsoft.com/office/powerpoint/2010/main" val="3707650185"/>
+      </p:ext>
+    </p:extLst>
+  </p:cSld>
+  <p:clrMapOvr>
+    <a:masterClrMapping/>
+  </p:clrMapOvr>
+</p:sld>
+</file>
+
+<file path=ppt/slides/slide7.xml><?xml version="1.0" encoding="utf-8"?>
+<p:sld xmlns:a="http://schemas.openxmlformats.org/drawingml/2006/main" xmlns:r="http://schemas.openxmlformats.org/officeDocument/2006/relationships" xmlns:p="http://schemas.openxmlformats.org/presentationml/2006/main">
+  <p:cSld>
+    <p:spTree>
+      <p:nvGrpSpPr>
+        <p:cNvPr id="1" name=""/>
+        <p:cNvGrpSpPr/>
+        <p:nvPr/>
+      </p:nvGrpSpPr>
+      <p:grpSpPr>
+        <a:xfrm>
+          <a:off x="0" y="0"/>
+          <a:ext cx="0" cy="0"/>
+          <a:chOff x="0" y="0"/>
+          <a:chExt cx="0" cy="0"/>
+        </a:xfrm>
+      </p:grpSpPr>
+      <p:sp>
+        <p:nvSpPr>
+          <p:cNvPr id="4" name="Rectangle 3">
+            <a:extLst>
+              <a:ext uri="{FF2B5EF4-FFF2-40B4-BE49-F238E27FC236}">
+                <a16:creationId xmlns:a16="http://schemas.microsoft.com/office/drawing/2014/main" id="{E77A601D-84C1-4F4A-9BC8-3A8FB714DE5C}"/>
+              </a:ext>
+            </a:extLst>
+          </p:cNvPr>
+          <p:cNvSpPr/>
+          <p:nvPr/>
+        </p:nvSpPr>
+        <p:spPr>
+          <a:xfrm>
+            <a:off x="1" y="656948"/>
+            <a:ext cx="1952978" cy="6201052"/>
+          </a:xfrm>
+          <a:prstGeom prst="rect">
+            <a:avLst/>
+          </a:prstGeom>
+        </p:spPr>
+        <p:style>
+          <a:lnRef idx="2">
+            <a:schemeClr val="accent1">
+              <a:shade val="50000"/>
+            </a:schemeClr>
+          </a:lnRef>
+          <a:fillRef idx="1">
+            <a:schemeClr val="accent1"/>
+          </a:fillRef>
+          <a:effectRef idx="0">
+            <a:schemeClr val="accent1"/>
+          </a:effectRef>
+          <a:fontRef idx="minor">
+            <a:schemeClr val="lt1"/>
+          </a:fontRef>
+        </p:style>
+        <p:txBody>
+          <a:bodyPr rtlCol="0" anchor="ctr"/>
+          <a:lstStyle/>
+          <a:p>
+            <a:pPr algn="ctr"/>
+            <a:endParaRPr lang="en-IL"/>
+          </a:p>
+        </p:txBody>
+      </p:sp>
+      <p:sp>
+        <p:nvSpPr>
+          <p:cNvPr id="5" name="Rectangle 4">
+            <a:extLst>
+              <a:ext uri="{FF2B5EF4-FFF2-40B4-BE49-F238E27FC236}">
+                <a16:creationId xmlns:a16="http://schemas.microsoft.com/office/drawing/2014/main" id="{8054A794-9B1D-8647-AE49-F2DAA14F4AEF}"/>
+              </a:ext>
+            </a:extLst>
+          </p:cNvPr>
+          <p:cNvSpPr/>
+          <p:nvPr/>
+        </p:nvSpPr>
+        <p:spPr>
+          <a:xfrm>
+            <a:off x="21" y="1170139"/>
+            <a:ext cx="1952978" cy="513191"/>
+          </a:xfrm>
+          <a:prstGeom prst="rect">
+            <a:avLst/>
+          </a:prstGeom>
+        </p:spPr>
+        <p:style>
+          <a:lnRef idx="2">
+            <a:schemeClr val="accent1">
+              <a:shade val="50000"/>
+            </a:schemeClr>
+          </a:lnRef>
+          <a:fillRef idx="1">
+            <a:schemeClr val="accent1"/>
+          </a:fillRef>
+          <a:effectRef idx="0">
+            <a:schemeClr val="accent1"/>
+          </a:effectRef>
+          <a:fontRef idx="minor">
+            <a:schemeClr val="lt1"/>
+          </a:fontRef>
+        </p:style>
+        <p:txBody>
+          <a:bodyPr rtlCol="0" anchor="ctr"/>
+          <a:lstStyle/>
+          <a:p>
+            <a:pPr algn="ctr"/>
+            <a:r>
+              <a:rPr lang="en-IL" dirty="0"/>
+              <a:t>Deals</a:t>
+            </a:r>
+          </a:p>
+        </p:txBody>
+      </p:sp>
+      <p:sp>
+        <p:nvSpPr>
+          <p:cNvPr id="10" name="Rectangle 9">
+            <a:extLst>
+              <a:ext uri="{FF2B5EF4-FFF2-40B4-BE49-F238E27FC236}">
+                <a16:creationId xmlns:a16="http://schemas.microsoft.com/office/drawing/2014/main" id="{DD93A59F-D0F5-3444-88E2-CA8D0571F73D}"/>
+              </a:ext>
+            </a:extLst>
+          </p:cNvPr>
+          <p:cNvSpPr/>
+          <p:nvPr/>
+        </p:nvSpPr>
+        <p:spPr>
+          <a:xfrm>
+            <a:off x="44069" y="10344"/>
+            <a:ext cx="12192022" cy="656948"/>
+          </a:xfrm>
+          <a:prstGeom prst="rect">
+            <a:avLst/>
+          </a:prstGeom>
+        </p:spPr>
+        <p:style>
+          <a:lnRef idx="2">
+            <a:schemeClr val="accent1">
+              <a:shade val="50000"/>
+            </a:schemeClr>
+          </a:lnRef>
+          <a:fillRef idx="1">
+            <a:schemeClr val="accent1"/>
+          </a:fillRef>
+          <a:effectRef idx="0">
+            <a:schemeClr val="accent1"/>
+          </a:effectRef>
+          <a:fontRef idx="minor">
+            <a:schemeClr val="lt1"/>
+          </a:fontRef>
+        </p:style>
+        <p:txBody>
+          <a:bodyPr rtlCol="0" anchor="ctr"/>
+          <a:lstStyle/>
+          <a:p>
+            <a:r>
+              <a:rPr lang="en-IL" b="1" dirty="0"/>
+              <a:t>   Supplying Admin</a:t>
+            </a:r>
+          </a:p>
+        </p:txBody>
+      </p:sp>
+      <p:sp>
+        <p:nvSpPr>
+          <p:cNvPr id="11" name="Rectangle 10">
+            <a:extLst>
+              <a:ext uri="{FF2B5EF4-FFF2-40B4-BE49-F238E27FC236}">
+                <a16:creationId xmlns:a16="http://schemas.microsoft.com/office/drawing/2014/main" id="{AF89738C-F37C-8B4A-98D5-A9A8C7685265}"/>
+              </a:ext>
+            </a:extLst>
+          </p:cNvPr>
+          <p:cNvSpPr/>
+          <p:nvPr/>
+        </p:nvSpPr>
+        <p:spPr>
+          <a:xfrm>
+            <a:off x="1" y="656948"/>
+            <a:ext cx="1952978" cy="513191"/>
+          </a:xfrm>
+          <a:prstGeom prst="rect">
+            <a:avLst/>
+          </a:prstGeom>
+        </p:spPr>
+        <p:style>
+          <a:lnRef idx="2">
+            <a:schemeClr val="accent1">
+              <a:shade val="50000"/>
+            </a:schemeClr>
+          </a:lnRef>
+          <a:fillRef idx="1">
+            <a:schemeClr val="accent1"/>
+          </a:fillRef>
+          <a:effectRef idx="0">
+            <a:schemeClr val="accent1"/>
+          </a:effectRef>
+          <a:fontRef idx="minor">
+            <a:schemeClr val="lt1"/>
+          </a:fontRef>
+        </p:style>
+        <p:txBody>
+          <a:bodyPr rtlCol="0" anchor="ctr"/>
+          <a:lstStyle/>
+          <a:p>
+            <a:pPr algn="ctr"/>
+            <a:r>
+              <a:rPr lang="en-IL" dirty="0"/>
+              <a:t>Overview</a:t>
+            </a:r>
+          </a:p>
+        </p:txBody>
+      </p:sp>
+      <p:sp>
+        <p:nvSpPr>
+          <p:cNvPr id="2" name="TextBox 1">
+            <a:extLst>
+              <a:ext uri="{FF2B5EF4-FFF2-40B4-BE49-F238E27FC236}">
+                <a16:creationId xmlns:a16="http://schemas.microsoft.com/office/drawing/2014/main" id="{96FFA38A-B801-3E41-86F1-A6321EC535BB}"/>
+              </a:ext>
+            </a:extLst>
+          </p:cNvPr>
+          <p:cNvSpPr txBox="1"/>
+          <p:nvPr/>
+        </p:nvSpPr>
+        <p:spPr>
+          <a:xfrm>
+            <a:off x="1952936" y="649112"/>
+            <a:ext cx="10239043" cy="523220"/>
+          </a:xfrm>
+          <a:prstGeom prst="rect">
+            <a:avLst/>
+          </a:prstGeom>
+          <a:solidFill>
+            <a:schemeClr val="bg2"/>
+          </a:solidFill>
+          <a:ln>
+            <a:solidFill>
+              <a:schemeClr val="tx1"/>
+            </a:solidFill>
+          </a:ln>
+        </p:spPr>
+        <p:txBody>
+          <a:bodyPr wrap="square" rtlCol="0">
+            <a:spAutoFit/>
+          </a:bodyPr>
+          <a:lstStyle/>
+          <a:p>
+            <a:pPr marL="0" defTabSz="914400" rtl="1" eaLnBrk="1" latinLnBrk="0" hangingPunct="1"/>
+            <a:r>
+              <a:rPr lang="en-IL" sz="2800" b="1" dirty="0"/>
+              <a:t>Deal 2021-06-20: Supplier A &lt;&gt; Trans Computers</a:t>
+            </a:r>
+          </a:p>
+        </p:txBody>
+      </p:sp>
+      <p:sp>
+        <p:nvSpPr>
+          <p:cNvPr id="15" name="Rounded Rectangle 14">
+            <a:extLst>
+              <a:ext uri="{FF2B5EF4-FFF2-40B4-BE49-F238E27FC236}">
+                <a16:creationId xmlns:a16="http://schemas.microsoft.com/office/drawing/2014/main" id="{70C26768-1D3F-B341-9D97-0484802567C1}"/>
+              </a:ext>
+            </a:extLst>
+          </p:cNvPr>
+          <p:cNvSpPr/>
+          <p:nvPr/>
+        </p:nvSpPr>
+        <p:spPr>
+          <a:xfrm>
+            <a:off x="10498668" y="702847"/>
+            <a:ext cx="1061156" cy="415749"/>
+          </a:xfrm>
+          <a:prstGeom prst="roundRect">
+            <a:avLst/>
+          </a:prstGeom>
+          <a:solidFill>
+            <a:schemeClr val="accent4">
+              <a:lumMod val="60000"/>
+              <a:lumOff val="40000"/>
+            </a:schemeClr>
+          </a:solidFill>
+        </p:spPr>
+        <p:style>
+          <a:lnRef idx="2">
+            <a:schemeClr val="accent1">
+              <a:shade val="50000"/>
+            </a:schemeClr>
+          </a:lnRef>
+          <a:fillRef idx="1">
+            <a:schemeClr val="accent1"/>
+          </a:fillRef>
+          <a:effectRef idx="0">
+            <a:schemeClr val="accent1"/>
+          </a:effectRef>
+          <a:fontRef idx="minor">
+            <a:schemeClr val="lt1"/>
+          </a:fontRef>
+        </p:style>
+        <p:txBody>
+          <a:bodyPr rtlCol="0" anchor="ctr"/>
+          <a:lstStyle/>
+          <a:p>
+            <a:pPr algn="ctr"/>
+            <a:r>
+              <a:rPr lang="en-IL" dirty="0">
+                <a:solidFill>
+                  <a:schemeClr val="tx1"/>
+                </a:solidFill>
+              </a:rPr>
+              <a:t>Active</a:t>
+            </a:r>
+          </a:p>
+        </p:txBody>
+      </p:sp>
+      <p:sp>
+        <p:nvSpPr>
+          <p:cNvPr id="18" name="Rectangle 17">
+            <a:extLst>
+              <a:ext uri="{FF2B5EF4-FFF2-40B4-BE49-F238E27FC236}">
+                <a16:creationId xmlns:a16="http://schemas.microsoft.com/office/drawing/2014/main" id="{ACA76756-2CD2-424C-89C0-B0F5C7D16495}"/>
+              </a:ext>
+            </a:extLst>
+          </p:cNvPr>
+          <p:cNvSpPr/>
+          <p:nvPr/>
+        </p:nvSpPr>
+        <p:spPr>
+          <a:xfrm>
+            <a:off x="1952979" y="1177975"/>
+            <a:ext cx="1643940" cy="5680025"/>
+          </a:xfrm>
+          <a:prstGeom prst="rect">
+            <a:avLst/>
+          </a:prstGeom>
+          <a:solidFill>
+            <a:schemeClr val="accent5">
+              <a:lumMod val="40000"/>
+              <a:lumOff val="60000"/>
+            </a:schemeClr>
+          </a:solidFill>
+        </p:spPr>
+        <p:style>
+          <a:lnRef idx="2">
+            <a:schemeClr val="accent1">
+              <a:shade val="50000"/>
+            </a:schemeClr>
+          </a:lnRef>
+          <a:fillRef idx="1">
+            <a:schemeClr val="accent1"/>
+          </a:fillRef>
+          <a:effectRef idx="0">
+            <a:schemeClr val="accent1"/>
+          </a:effectRef>
+          <a:fontRef idx="minor">
+            <a:schemeClr val="lt1"/>
+          </a:fontRef>
+        </p:style>
+        <p:txBody>
+          <a:bodyPr rtlCol="0" anchor="ctr"/>
+          <a:lstStyle/>
+          <a:p>
+            <a:pPr marL="0" algn="ctr" defTabSz="914400" rtl="0" eaLnBrk="1" latinLnBrk="0" hangingPunct="1"/>
+            <a:endParaRPr lang="en-IL">
+              <a:solidFill>
+                <a:schemeClr val="tx1"/>
+              </a:solidFill>
+            </a:endParaRPr>
+          </a:p>
+        </p:txBody>
+      </p:sp>
+      <p:sp>
+        <p:nvSpPr>
+          <p:cNvPr id="30" name="Rectangle 29">
+            <a:extLst>
+              <a:ext uri="{FF2B5EF4-FFF2-40B4-BE49-F238E27FC236}">
+                <a16:creationId xmlns:a16="http://schemas.microsoft.com/office/drawing/2014/main" id="{691351D8-F18B-C24E-893D-8AB19146A14E}"/>
+              </a:ext>
+            </a:extLst>
+          </p:cNvPr>
+          <p:cNvSpPr/>
+          <p:nvPr/>
+        </p:nvSpPr>
+        <p:spPr>
+          <a:xfrm>
+            <a:off x="-41" y="3209548"/>
+            <a:ext cx="1952978" cy="513191"/>
+          </a:xfrm>
+          <a:prstGeom prst="rect">
+            <a:avLst/>
+          </a:prstGeom>
+        </p:spPr>
+        <p:style>
+          <a:lnRef idx="2">
+            <a:schemeClr val="accent1">
+              <a:shade val="50000"/>
+            </a:schemeClr>
+          </a:lnRef>
+          <a:fillRef idx="1">
+            <a:schemeClr val="accent1"/>
+          </a:fillRef>
+          <a:effectRef idx="0">
+            <a:schemeClr val="accent1"/>
+          </a:effectRef>
+          <a:fontRef idx="minor">
+            <a:schemeClr val="lt1"/>
+          </a:fontRef>
+        </p:style>
+        <p:txBody>
+          <a:bodyPr rtlCol="0" anchor="ctr"/>
+          <a:lstStyle/>
+          <a:p>
+            <a:pPr algn="ctr"/>
+            <a:r>
+              <a:rPr lang="en-IL" dirty="0"/>
+              <a:t>Harmonized Codes</a:t>
+            </a:r>
+          </a:p>
+        </p:txBody>
+      </p:sp>
+      <p:sp>
+        <p:nvSpPr>
+          <p:cNvPr id="31" name="Rectangle 30">
+            <a:extLst>
+              <a:ext uri="{FF2B5EF4-FFF2-40B4-BE49-F238E27FC236}">
+                <a16:creationId xmlns:a16="http://schemas.microsoft.com/office/drawing/2014/main" id="{057B8E91-46BB-604F-8F4D-03BA4D07D9AA}"/>
+              </a:ext>
+            </a:extLst>
+          </p:cNvPr>
+          <p:cNvSpPr/>
+          <p:nvPr/>
+        </p:nvSpPr>
+        <p:spPr>
+          <a:xfrm>
+            <a:off x="-19" y="3722739"/>
+            <a:ext cx="1952978" cy="513191"/>
+          </a:xfrm>
+          <a:prstGeom prst="rect">
+            <a:avLst/>
+          </a:prstGeom>
+        </p:spPr>
+        <p:style>
+          <a:lnRef idx="2">
+            <a:schemeClr val="accent1">
+              <a:shade val="50000"/>
+            </a:schemeClr>
+          </a:lnRef>
+          <a:fillRef idx="1">
+            <a:schemeClr val="accent1"/>
+          </a:fillRef>
+          <a:effectRef idx="0">
+            <a:schemeClr val="accent1"/>
+          </a:effectRef>
+          <a:fontRef idx="minor">
+            <a:schemeClr val="lt1"/>
+          </a:fontRef>
+        </p:style>
+        <p:txBody>
+          <a:bodyPr rtlCol="0" anchor="ctr"/>
+          <a:lstStyle/>
+          <a:p>
+            <a:pPr algn="ctr"/>
+            <a:r>
+              <a:rPr lang="en-IL" dirty="0"/>
+              <a:t>Products</a:t>
+            </a:r>
+          </a:p>
+        </p:txBody>
+      </p:sp>
+      <p:sp>
+        <p:nvSpPr>
+          <p:cNvPr id="32" name="Rectangle 31">
+            <a:extLst>
+              <a:ext uri="{FF2B5EF4-FFF2-40B4-BE49-F238E27FC236}">
+                <a16:creationId xmlns:a16="http://schemas.microsoft.com/office/drawing/2014/main" id="{2D1BC735-5DC8-4B47-AD00-EE82A54B0EDE}"/>
+              </a:ext>
+            </a:extLst>
+          </p:cNvPr>
+          <p:cNvSpPr/>
+          <p:nvPr/>
+        </p:nvSpPr>
+        <p:spPr>
+          <a:xfrm>
+            <a:off x="-30" y="2696357"/>
+            <a:ext cx="1952978" cy="513191"/>
+          </a:xfrm>
+          <a:prstGeom prst="rect">
+            <a:avLst/>
+          </a:prstGeom>
+        </p:spPr>
+        <p:style>
+          <a:lnRef idx="2">
+            <a:schemeClr val="accent1">
+              <a:shade val="50000"/>
+            </a:schemeClr>
+          </a:lnRef>
+          <a:fillRef idx="1">
+            <a:schemeClr val="accent1"/>
+          </a:fillRef>
+          <a:effectRef idx="0">
+            <a:schemeClr val="accent1"/>
+          </a:effectRef>
+          <a:fontRef idx="minor">
+            <a:schemeClr val="lt1"/>
+          </a:fontRef>
+        </p:style>
+        <p:txBody>
+          <a:bodyPr rtlCol="0" anchor="ctr"/>
+          <a:lstStyle/>
+          <a:p>
+            <a:pPr algn="ctr"/>
+            <a:r>
+              <a:rPr lang="en-IL" dirty="0"/>
+              <a:t>Businesses</a:t>
+            </a:r>
+          </a:p>
+        </p:txBody>
+      </p:sp>
+      <p:sp>
+        <p:nvSpPr>
+          <p:cNvPr id="33" name="Rectangle 32">
+            <a:extLst>
+              <a:ext uri="{FF2B5EF4-FFF2-40B4-BE49-F238E27FC236}">
+                <a16:creationId xmlns:a16="http://schemas.microsoft.com/office/drawing/2014/main" id="{39D7C9BE-E8D0-C646-AF6D-B38C565E9FD7}"/>
+              </a:ext>
+            </a:extLst>
+          </p:cNvPr>
+          <p:cNvSpPr/>
+          <p:nvPr/>
+        </p:nvSpPr>
+        <p:spPr>
+          <a:xfrm>
+            <a:off x="-4773" y="1672168"/>
+            <a:ext cx="1952978" cy="513191"/>
+          </a:xfrm>
+          <a:prstGeom prst="rect">
+            <a:avLst/>
+          </a:prstGeom>
+          <a:solidFill>
+            <a:schemeClr val="accent6"/>
+          </a:solidFill>
+        </p:spPr>
+        <p:style>
+          <a:lnRef idx="2">
+            <a:schemeClr val="accent1">
+              <a:shade val="50000"/>
+            </a:schemeClr>
+          </a:lnRef>
+          <a:fillRef idx="1">
+            <a:schemeClr val="accent1"/>
+          </a:fillRef>
+          <a:effectRef idx="0">
+            <a:schemeClr val="accent1"/>
+          </a:effectRef>
+          <a:fontRef idx="minor">
+            <a:schemeClr val="lt1"/>
+          </a:fontRef>
+        </p:style>
+        <p:txBody>
+          <a:bodyPr rtlCol="0" anchor="ctr"/>
+          <a:lstStyle/>
+          <a:p>
+            <a:pPr algn="ctr"/>
+            <a:r>
+              <a:rPr lang="en-IL" dirty="0"/>
+              <a:t>Offers</a:t>
+            </a:r>
+          </a:p>
+        </p:txBody>
+      </p:sp>
+      <p:sp>
+        <p:nvSpPr>
+          <p:cNvPr id="34" name="Rectangle 33">
+            <a:extLst>
+              <a:ext uri="{FF2B5EF4-FFF2-40B4-BE49-F238E27FC236}">
+                <a16:creationId xmlns:a16="http://schemas.microsoft.com/office/drawing/2014/main" id="{1178CA40-F81F-394F-A845-F965536F9763}"/>
+              </a:ext>
+            </a:extLst>
+          </p:cNvPr>
+          <p:cNvSpPr/>
+          <p:nvPr/>
+        </p:nvSpPr>
+        <p:spPr>
+          <a:xfrm>
+            <a:off x="-9547" y="2183166"/>
+            <a:ext cx="1952978" cy="513191"/>
+          </a:xfrm>
+          <a:prstGeom prst="rect">
+            <a:avLst/>
+          </a:prstGeom>
+        </p:spPr>
+        <p:style>
+          <a:lnRef idx="2">
+            <a:schemeClr val="accent1">
+              <a:shade val="50000"/>
+            </a:schemeClr>
+          </a:lnRef>
+          <a:fillRef idx="1">
+            <a:schemeClr val="accent1"/>
+          </a:fillRef>
+          <a:effectRef idx="0">
+            <a:schemeClr val="accent1"/>
+          </a:effectRef>
+          <a:fontRef idx="minor">
+            <a:schemeClr val="lt1"/>
+          </a:fontRef>
+        </p:style>
+        <p:txBody>
+          <a:bodyPr rtlCol="0" anchor="ctr"/>
+          <a:lstStyle/>
+          <a:p>
+            <a:pPr algn="ctr"/>
+            <a:r>
+              <a:rPr lang="en-IL" dirty="0"/>
+              <a:t>Orders</a:t>
+            </a:r>
+          </a:p>
+        </p:txBody>
+      </p:sp>
+      <p:graphicFrame>
+        <p:nvGraphicFramePr>
+          <p:cNvPr id="25" name="Table 20">
+            <a:extLst>
+              <a:ext uri="{FF2B5EF4-FFF2-40B4-BE49-F238E27FC236}">
+                <a16:creationId xmlns:a16="http://schemas.microsoft.com/office/drawing/2014/main" id="{AC9C3DF8-B8CE-2C48-A93F-6A38175D4761}"/>
+              </a:ext>
+            </a:extLst>
+          </p:cNvPr>
+          <p:cNvGraphicFramePr>
+            <a:graphicFrameLocks noGrp="1"/>
+          </p:cNvGraphicFramePr>
+          <p:nvPr>
+            <p:extLst>
+              <p:ext uri="{D42A27DB-BD31-4B8C-83A1-F6EECF244321}">
+                <p14:modId xmlns:p14="http://schemas.microsoft.com/office/powerpoint/2010/main" val="3722110645"/>
+              </p:ext>
+            </p:extLst>
+          </p:nvPr>
+        </p:nvGraphicFramePr>
+        <p:xfrm>
+          <a:off x="3704543" y="1790643"/>
+          <a:ext cx="8271239" cy="4418244"/>
+        </p:xfrm>
+        <a:graphic>
+          <a:graphicData uri="http://schemas.openxmlformats.org/drawingml/2006/table">
+            <a:tbl>
+              <a:tblPr firstRow="1" bandRow="1">
+                <a:tableStyleId>{5C22544A-7EE6-4342-B048-85BDC9FD1C3A}</a:tableStyleId>
+              </a:tblPr>
+              <a:tblGrid>
+                <a:gridCol w="1009067">
+                  <a:extLst>
+                    <a:ext uri="{9D8B030D-6E8A-4147-A177-3AD203B41FA5}">
+                      <a16:colId xmlns:a16="http://schemas.microsoft.com/office/drawing/2014/main" val="610671510"/>
+                    </a:ext>
+                  </a:extLst>
+                </a:gridCol>
+                <a:gridCol w="1009067">
+                  <a:extLst>
+                    <a:ext uri="{9D8B030D-6E8A-4147-A177-3AD203B41FA5}">
+                      <a16:colId xmlns:a16="http://schemas.microsoft.com/office/drawing/2014/main" val="3601053305"/>
+                    </a:ext>
+                  </a:extLst>
+                </a:gridCol>
+                <a:gridCol w="1009067">
+                  <a:extLst>
+                    <a:ext uri="{9D8B030D-6E8A-4147-A177-3AD203B41FA5}">
+                      <a16:colId xmlns:a16="http://schemas.microsoft.com/office/drawing/2014/main" val="1515636618"/>
+                    </a:ext>
+                  </a:extLst>
+                </a:gridCol>
+                <a:gridCol w="1207770">
+                  <a:extLst>
+                    <a:ext uri="{9D8B030D-6E8A-4147-A177-3AD203B41FA5}">
+                      <a16:colId xmlns:a16="http://schemas.microsoft.com/office/drawing/2014/main" val="1527863627"/>
+                    </a:ext>
+                  </a:extLst>
+                </a:gridCol>
+                <a:gridCol w="1009067">
+                  <a:extLst>
+                    <a:ext uri="{9D8B030D-6E8A-4147-A177-3AD203B41FA5}">
+                      <a16:colId xmlns:a16="http://schemas.microsoft.com/office/drawing/2014/main" val="2582457957"/>
+                    </a:ext>
+                  </a:extLst>
+                </a:gridCol>
+                <a:gridCol w="1009067">
+                  <a:extLst>
+                    <a:ext uri="{9D8B030D-6E8A-4147-A177-3AD203B41FA5}">
+                      <a16:colId xmlns:a16="http://schemas.microsoft.com/office/drawing/2014/main" val="629018711"/>
+                    </a:ext>
+                  </a:extLst>
+                </a:gridCol>
+                <a:gridCol w="1009067">
+                  <a:extLst>
+                    <a:ext uri="{9D8B030D-6E8A-4147-A177-3AD203B41FA5}">
+                      <a16:colId xmlns:a16="http://schemas.microsoft.com/office/drawing/2014/main" val="3239110881"/>
+                    </a:ext>
+                  </a:extLst>
+                </a:gridCol>
+                <a:gridCol w="1009067">
+                  <a:extLst>
+                    <a:ext uri="{9D8B030D-6E8A-4147-A177-3AD203B41FA5}">
+                      <a16:colId xmlns:a16="http://schemas.microsoft.com/office/drawing/2014/main" val="3424849720"/>
+                    </a:ext>
+                  </a:extLst>
+                </a:gridCol>
+              </a:tblGrid>
+              <a:tr h="1080220">
+                <a:tc>
+                  <a:txBody>
+                    <a:bodyPr/>
+                    <a:lstStyle/>
+                    <a:p>
+                      <a:r>
+                        <a:rPr lang="en-IL" sz="1600" dirty="0"/>
+                        <a:t>Products</a:t>
+                      </a:r>
+                    </a:p>
+                  </a:txBody>
+                  <a:tcPr>
+                    <a:solidFill>
+                      <a:schemeClr val="accent6"/>
+                    </a:solidFill>
+                  </a:tcPr>
+                </a:tc>
+                <a:tc>
+                  <a:txBody>
+                    <a:bodyPr/>
+                    <a:lstStyle/>
+                    <a:p>
+                      <a:r>
+                        <a:rPr lang="en-IL" sz="1600" dirty="0"/>
+                        <a:t>Buying Price (€)</a:t>
+                      </a:r>
+                    </a:p>
+                    <a:p>
+                      <a:r>
+                        <a:rPr lang="en-IL" sz="1600" dirty="0"/>
+                        <a:t>(Locked)</a:t>
+                      </a:r>
+                    </a:p>
+                  </a:txBody>
+                  <a:tcPr/>
+                </a:tc>
+                <a:tc>
+                  <a:txBody>
+                    <a:bodyPr/>
+                    <a:lstStyle/>
+                    <a:p>
+                      <a:pPr marL="0" marR="0" lvl="0" indent="0" algn="l" defTabSz="914400" rtl="0" eaLnBrk="1" fontAlgn="auto" latinLnBrk="0" hangingPunct="1">
+                        <a:lnSpc>
+                          <a:spcPct val="100000"/>
+                        </a:lnSpc>
+                        <a:spcBef>
+                          <a:spcPts val="0"/>
+                        </a:spcBef>
+                        <a:spcAft>
+                          <a:spcPts val="0"/>
+                        </a:spcAft>
+                        <a:buClrTx/>
+                        <a:buSzTx/>
+                        <a:buFontTx/>
+                        <a:buNone/>
+                        <a:tabLst/>
+                        <a:defRPr/>
+                      </a:pPr>
+                      <a:r>
+                        <a:rPr lang="en-IL" sz="1600" dirty="0"/>
+                        <a:t>Offered Quantity</a:t>
+                      </a:r>
+                    </a:p>
+                  </a:txBody>
+                  <a:tcPr/>
+                </a:tc>
+                <a:tc>
+                  <a:txBody>
+                    <a:bodyPr/>
+                    <a:lstStyle/>
+                    <a:p>
+                      <a:r>
+                        <a:rPr lang="en-IL" sz="1600" dirty="0"/>
+                        <a:t>Offered Price (€)</a:t>
+                      </a:r>
+                    </a:p>
+                  </a:txBody>
+                  <a:tcPr/>
+                </a:tc>
+                <a:tc>
+                  <a:txBody>
+                    <a:bodyPr/>
+                    <a:lstStyle/>
+                    <a:p>
+                      <a:r>
+                        <a:rPr lang="en-IL" sz="1600" dirty="0"/>
+                        <a:t>Revenue by Offer</a:t>
+                      </a:r>
+                    </a:p>
+                  </a:txBody>
+                  <a:tcPr/>
+                </a:tc>
+                <a:tc>
+                  <a:txBody>
+                    <a:bodyPr/>
+                    <a:lstStyle/>
+                    <a:p>
+                      <a:r>
+                        <a:rPr lang="en-IL" sz="1600" dirty="0"/>
+                        <a:t>Response Quantity</a:t>
+                      </a:r>
+                    </a:p>
+                  </a:txBody>
+                  <a:tcPr>
+                    <a:solidFill>
+                      <a:srgbClr val="002060"/>
+                    </a:solidFill>
+                  </a:tcPr>
+                </a:tc>
+                <a:tc>
+                  <a:txBody>
+                    <a:bodyPr/>
+                    <a:lstStyle/>
+                    <a:p>
+                      <a:r>
+                        <a:rPr lang="en-IL" sz="1600" dirty="0"/>
+                        <a:t>Response Price</a:t>
+                      </a:r>
+                    </a:p>
+                  </a:txBody>
+                  <a:tcPr>
+                    <a:solidFill>
+                      <a:srgbClr val="002060"/>
+                    </a:solidFill>
+                  </a:tcPr>
+                </a:tc>
+                <a:tc>
+                  <a:txBody>
+                    <a:bodyPr/>
+                    <a:lstStyle/>
+                    <a:p>
+                      <a:r>
+                        <a:rPr lang="en-IL" sz="1600" dirty="0"/>
+                        <a:t>Revenue by Response</a:t>
+                      </a:r>
+                    </a:p>
+                  </a:txBody>
+                  <a:tcPr>
+                    <a:solidFill>
+                      <a:srgbClr val="002060"/>
+                    </a:solidFill>
+                  </a:tcPr>
+                </a:tc>
+                <a:extLst>
+                  <a:ext uri="{0D108BD9-81ED-4DB2-BD59-A6C34878D82A}">
+                    <a16:rowId xmlns:a16="http://schemas.microsoft.com/office/drawing/2014/main" val="2897982443"/>
+                  </a:ext>
+                </a:extLst>
+              </a:tr>
+              <a:tr h="834506">
+                <a:tc>
+                  <a:txBody>
+                    <a:bodyPr/>
+                    <a:lstStyle/>
+                    <a:p>
+                      <a:r>
+                        <a:rPr lang="en-IL" sz="1200" dirty="0"/>
+                        <a:t>Item 1</a:t>
+                      </a:r>
+                    </a:p>
+                  </a:txBody>
+                  <a:tcPr>
+                    <a:solidFill>
+                      <a:schemeClr val="accent6"/>
+                    </a:solidFill>
+                  </a:tcPr>
+                </a:tc>
+                <a:tc>
+                  <a:txBody>
+                    <a:bodyPr/>
+                    <a:lstStyle/>
+                    <a:p>
+                      <a:r>
+                        <a:rPr lang="en-IL" sz="1200" dirty="0"/>
+                        <a:t>€12 / Unit</a:t>
+                      </a:r>
+                    </a:p>
+                    <a:p>
+                      <a:r>
+                        <a:rPr lang="en-IL" sz="1200" dirty="0"/>
+                        <a:t>€1200 / Total</a:t>
+                      </a:r>
+                    </a:p>
+                  </a:txBody>
+                  <a:tcPr>
+                    <a:solidFill>
+                      <a:schemeClr val="accent5">
+                        <a:lumMod val="40000"/>
+                        <a:lumOff val="60000"/>
+                      </a:schemeClr>
+                    </a:solidFill>
+                  </a:tcPr>
+                </a:tc>
+                <a:tc>
+                  <a:txBody>
+                    <a:bodyPr/>
+                    <a:lstStyle/>
+                    <a:p>
+                      <a:r>
+                        <a:rPr lang="en-IL" sz="1200" dirty="0"/>
+                        <a:t>100</a:t>
+                      </a:r>
+                    </a:p>
+                  </a:txBody>
+                  <a:tcPr>
+                    <a:solidFill>
+                      <a:schemeClr val="accent5">
+                        <a:lumMod val="40000"/>
+                        <a:lumOff val="60000"/>
+                      </a:schemeClr>
+                    </a:solidFill>
+                  </a:tcPr>
+                </a:tc>
+                <a:tc>
+                  <a:txBody>
+                    <a:bodyPr/>
+                    <a:lstStyle/>
+                    <a:p>
+                      <a:r>
+                        <a:rPr lang="en-IL" sz="1200" dirty="0"/>
+                        <a:t>€15 / Unit</a:t>
+                      </a:r>
+                    </a:p>
+                    <a:p>
+                      <a:r>
+                        <a:rPr lang="en-IL" sz="1200" dirty="0"/>
+                        <a:t>€1500 / Total</a:t>
+                      </a:r>
+                    </a:p>
+                  </a:txBody>
+                  <a:tcPr>
+                    <a:solidFill>
+                      <a:schemeClr val="accent5">
+                        <a:lumMod val="40000"/>
+                        <a:lumOff val="60000"/>
+                      </a:schemeClr>
+                    </a:solidFill>
+                  </a:tcPr>
+                </a:tc>
+                <a:tc>
+                  <a:txBody>
+                    <a:bodyPr/>
+                    <a:lstStyle/>
+                    <a:p>
+                      <a:r>
+                        <a:rPr lang="en-IL" sz="1200" dirty="0"/>
+                        <a:t>+ €3,000</a:t>
+                      </a:r>
+                    </a:p>
+                    <a:p>
+                      <a:r>
+                        <a:rPr lang="en-IL" sz="1200" b="1" dirty="0">
+                          <a:solidFill>
+                            <a:schemeClr val="accent6">
+                              <a:lumMod val="75000"/>
+                            </a:schemeClr>
+                          </a:solidFill>
+                        </a:rPr>
+                        <a:t>(+ 25%)</a:t>
+                      </a:r>
+                    </a:p>
+                  </a:txBody>
+                  <a:tcPr>
+                    <a:solidFill>
+                      <a:schemeClr val="accent5">
+                        <a:lumMod val="40000"/>
+                        <a:lumOff val="60000"/>
+                      </a:schemeClr>
+                    </a:solidFill>
+                  </a:tcPr>
+                </a:tc>
+                <a:tc>
+                  <a:txBody>
+                    <a:bodyPr/>
+                    <a:lstStyle/>
+                    <a:p>
+                      <a:pPr marL="0" marR="0" lvl="0" indent="0" algn="l" defTabSz="914400" rtl="0" eaLnBrk="1" fontAlgn="auto" latinLnBrk="0" hangingPunct="1">
+                        <a:lnSpc>
+                          <a:spcPct val="100000"/>
+                        </a:lnSpc>
+                        <a:spcBef>
+                          <a:spcPts val="0"/>
+                        </a:spcBef>
+                        <a:spcAft>
+                          <a:spcPts val="0"/>
+                        </a:spcAft>
+                        <a:buClrTx/>
+                        <a:buSzTx/>
+                        <a:buFontTx/>
+                        <a:buNone/>
+                        <a:tabLst/>
+                        <a:defRPr/>
+                      </a:pPr>
+                      <a:r>
+                        <a:rPr lang="en-IL" sz="1200" dirty="0"/>
+                        <a:t>100</a:t>
+                      </a:r>
+                    </a:p>
+                  </a:txBody>
+                  <a:tcPr>
+                    <a:solidFill>
+                      <a:schemeClr val="accent5">
+                        <a:lumMod val="20000"/>
+                        <a:lumOff val="80000"/>
+                      </a:schemeClr>
+                    </a:solidFill>
+                  </a:tcPr>
+                </a:tc>
+                <a:tc>
+                  <a:txBody>
+                    <a:bodyPr/>
+                    <a:lstStyle/>
+                    <a:p>
+                      <a:r>
+                        <a:rPr lang="en-IL" sz="1200" dirty="0"/>
+                        <a:t>€14 / Unit</a:t>
+                      </a:r>
+                    </a:p>
+                    <a:p>
+                      <a:r>
+                        <a:rPr lang="en-IL" sz="1200" dirty="0"/>
+                        <a:t>€1400 / Total</a:t>
+                      </a:r>
+                    </a:p>
+                  </a:txBody>
+                  <a:tcPr>
+                    <a:solidFill>
+                      <a:schemeClr val="accent5">
+                        <a:lumMod val="20000"/>
+                        <a:lumOff val="80000"/>
+                      </a:schemeClr>
+                    </a:solidFill>
+                  </a:tcPr>
+                </a:tc>
+                <a:tc>
+                  <a:txBody>
+                    <a:bodyPr/>
+                    <a:lstStyle/>
+                    <a:p>
+                      <a:r>
+                        <a:rPr lang="en-IL" sz="1200" dirty="0"/>
+                        <a:t>+ €200</a:t>
+                      </a:r>
+                    </a:p>
+                    <a:p>
+                      <a:r>
+                        <a:rPr lang="en-IL" sz="1200" b="1" dirty="0">
+                          <a:solidFill>
+                            <a:schemeClr val="accent6">
+                              <a:lumMod val="75000"/>
+                            </a:schemeClr>
+                          </a:solidFill>
+                        </a:rPr>
+                        <a:t>(+ 16.6%)</a:t>
+                      </a:r>
+                    </a:p>
+                  </a:txBody>
+                  <a:tcPr>
+                    <a:solidFill>
+                      <a:schemeClr val="accent5">
+                        <a:lumMod val="20000"/>
+                        <a:lumOff val="80000"/>
+                      </a:schemeClr>
+                    </a:solidFill>
+                  </a:tcPr>
+                </a:tc>
+                <a:extLst>
+                  <a:ext uri="{0D108BD9-81ED-4DB2-BD59-A6C34878D82A}">
+                    <a16:rowId xmlns:a16="http://schemas.microsoft.com/office/drawing/2014/main" val="3928175476"/>
+                  </a:ext>
+                </a:extLst>
+              </a:tr>
+              <a:tr h="834506">
+                <a:tc>
+                  <a:txBody>
+                    <a:bodyPr/>
+                    <a:lstStyle/>
+                    <a:p>
+                      <a:r>
+                        <a:rPr lang="en-IL" sz="1200" dirty="0"/>
+                        <a:t>Item 2</a:t>
+                      </a:r>
+                    </a:p>
+                  </a:txBody>
+                  <a:tcPr>
+                    <a:solidFill>
+                      <a:schemeClr val="accent6"/>
+                    </a:solidFill>
+                  </a:tcPr>
+                </a:tc>
+                <a:tc>
+                  <a:txBody>
+                    <a:bodyPr/>
+                    <a:lstStyle/>
+                    <a:p>
+                      <a:r>
+                        <a:rPr lang="en-IL" sz="1200" dirty="0"/>
+                        <a:t>€3 / Unit</a:t>
+                      </a:r>
+                    </a:p>
+                    <a:p>
+                      <a:r>
+                        <a:rPr lang="en-IL" sz="1200" dirty="0"/>
+                        <a:t>€30 / Total</a:t>
+                      </a:r>
+                    </a:p>
+                  </a:txBody>
+                  <a:tcPr>
+                    <a:solidFill>
+                      <a:schemeClr val="accent5">
+                        <a:lumMod val="40000"/>
+                        <a:lumOff val="60000"/>
+                      </a:schemeClr>
+                    </a:solidFill>
+                  </a:tcPr>
+                </a:tc>
+                <a:tc>
+                  <a:txBody>
+                    <a:bodyPr/>
+                    <a:lstStyle/>
+                    <a:p>
+                      <a:r>
+                        <a:rPr lang="en-IL" sz="1200" dirty="0"/>
+                        <a:t>10</a:t>
+                      </a:r>
+                    </a:p>
+                  </a:txBody>
+                  <a:tcPr>
+                    <a:solidFill>
+                      <a:schemeClr val="accent5">
+                        <a:lumMod val="40000"/>
+                        <a:lumOff val="60000"/>
+                      </a:schemeClr>
+                    </a:solidFill>
+                  </a:tcPr>
+                </a:tc>
+                <a:tc>
+                  <a:txBody>
+                    <a:bodyPr/>
+                    <a:lstStyle/>
+                    <a:p>
+                      <a:r>
+                        <a:rPr lang="en-IL" sz="1200" dirty="0"/>
+                        <a:t>€5 / Unit</a:t>
+                      </a:r>
+                    </a:p>
+                    <a:p>
+                      <a:r>
+                        <a:rPr lang="en-IL" sz="1200" dirty="0"/>
+                        <a:t>€50 / Total</a:t>
+                      </a:r>
+                    </a:p>
+                  </a:txBody>
+                  <a:tcPr>
+                    <a:solidFill>
+                      <a:schemeClr val="accent5">
+                        <a:lumMod val="40000"/>
+                        <a:lumOff val="60000"/>
+                      </a:schemeClr>
+                    </a:solidFill>
+                  </a:tcPr>
+                </a:tc>
+                <a:tc>
+                  <a:txBody>
+                    <a:bodyPr/>
+                    <a:lstStyle/>
+                    <a:p>
+                      <a:r>
+                        <a:rPr lang="en-IL" sz="1200" dirty="0"/>
+                        <a:t>+ €500</a:t>
+                      </a:r>
+                    </a:p>
+                    <a:p>
+                      <a:r>
+                        <a:rPr lang="en-IL" sz="1200" b="1" dirty="0">
+                          <a:solidFill>
+                            <a:schemeClr val="accent6">
+                              <a:lumMod val="75000"/>
+                            </a:schemeClr>
+                          </a:solidFill>
+                        </a:rPr>
+                        <a:t>(+ 60%)</a:t>
+                      </a:r>
+                    </a:p>
+                  </a:txBody>
+                  <a:tcPr>
+                    <a:solidFill>
+                      <a:schemeClr val="accent5">
+                        <a:lumMod val="40000"/>
+                        <a:lumOff val="60000"/>
+                      </a:schemeClr>
+                    </a:solidFill>
+                  </a:tcPr>
+                </a:tc>
+                <a:tc>
+                  <a:txBody>
+                    <a:bodyPr/>
+                    <a:lstStyle/>
+                    <a:p>
+                      <a:pPr marL="0" marR="0" lvl="0" indent="0" algn="l" defTabSz="914400" rtl="0" eaLnBrk="1" fontAlgn="auto" latinLnBrk="0" hangingPunct="1">
+                        <a:lnSpc>
+                          <a:spcPct val="100000"/>
+                        </a:lnSpc>
+                        <a:spcBef>
+                          <a:spcPts val="0"/>
+                        </a:spcBef>
+                        <a:spcAft>
+                          <a:spcPts val="0"/>
+                        </a:spcAft>
+                        <a:buClrTx/>
+                        <a:buSzTx/>
+                        <a:buFontTx/>
+                        <a:buNone/>
+                        <a:tabLst/>
+                        <a:defRPr/>
+                      </a:pPr>
+                      <a:r>
+                        <a:rPr lang="en-IL" sz="1200" dirty="0"/>
+                        <a:t>5</a:t>
+                      </a:r>
+                    </a:p>
+                  </a:txBody>
+                  <a:tcPr>
+                    <a:solidFill>
+                      <a:schemeClr val="accent5">
+                        <a:lumMod val="20000"/>
+                        <a:lumOff val="80000"/>
+                      </a:schemeClr>
+                    </a:solidFill>
+                  </a:tcPr>
+                </a:tc>
+                <a:tc>
+                  <a:txBody>
+                    <a:bodyPr/>
+                    <a:lstStyle/>
+                    <a:p>
+                      <a:r>
+                        <a:rPr lang="en-IL" sz="1200" dirty="0"/>
+                        <a:t>€5 / Unit</a:t>
+                      </a:r>
+                    </a:p>
+                    <a:p>
+                      <a:r>
+                        <a:rPr lang="en-IL" sz="1200" dirty="0"/>
+                        <a:t>€25 / Total</a:t>
+                      </a:r>
+                    </a:p>
+                  </a:txBody>
+                  <a:tcPr>
+                    <a:solidFill>
+                      <a:schemeClr val="accent5">
+                        <a:lumMod val="20000"/>
+                        <a:lumOff val="80000"/>
+                      </a:schemeClr>
+                    </a:solidFill>
+                  </a:tcPr>
+                </a:tc>
+                <a:tc>
+                  <a:txBody>
+                    <a:bodyPr/>
+                    <a:lstStyle/>
+                    <a:p>
+                      <a:pPr marL="0" marR="0" lvl="0" indent="0" algn="l" defTabSz="914400" rtl="0" eaLnBrk="1" fontAlgn="auto" latinLnBrk="0" hangingPunct="1">
+                        <a:lnSpc>
+                          <a:spcPct val="100000"/>
+                        </a:lnSpc>
+                        <a:spcBef>
+                          <a:spcPts val="0"/>
+                        </a:spcBef>
+                        <a:spcAft>
+                          <a:spcPts val="0"/>
+                        </a:spcAft>
+                        <a:buClrTx/>
+                        <a:buSzTx/>
+                        <a:buFontTx/>
+                        <a:buNone/>
+                        <a:tabLst/>
+                        <a:defRPr/>
+                      </a:pPr>
+                      <a:r>
+                        <a:rPr lang="en-IL" sz="1200" dirty="0"/>
+                        <a:t>€0</a:t>
+                      </a:r>
+                    </a:p>
+                    <a:p>
+                      <a:pPr marL="0" marR="0" lvl="0" indent="0" algn="l" defTabSz="914400" rtl="0" eaLnBrk="1" fontAlgn="auto" latinLnBrk="0" hangingPunct="1">
+                        <a:lnSpc>
+                          <a:spcPct val="100000"/>
+                        </a:lnSpc>
+                        <a:spcBef>
+                          <a:spcPts val="0"/>
+                        </a:spcBef>
+                        <a:spcAft>
+                          <a:spcPts val="0"/>
+                        </a:spcAft>
+                        <a:buClrTx/>
+                        <a:buSzTx/>
+                        <a:buFontTx/>
+                        <a:buNone/>
+                        <a:tabLst/>
+                        <a:defRPr/>
+                      </a:pPr>
+                      <a:r>
+                        <a:rPr lang="en-IL" sz="1200" dirty="0">
+                          <a:solidFill>
+                            <a:schemeClr val="accent4"/>
+                          </a:solidFill>
+                        </a:rPr>
+                        <a:t>(0%)</a:t>
+                      </a:r>
+                    </a:p>
+                  </a:txBody>
+                  <a:tcPr>
+                    <a:solidFill>
+                      <a:schemeClr val="accent5">
+                        <a:lumMod val="20000"/>
+                        <a:lumOff val="80000"/>
+                      </a:schemeClr>
+                    </a:solidFill>
+                  </a:tcPr>
+                </a:tc>
+                <a:extLst>
+                  <a:ext uri="{0D108BD9-81ED-4DB2-BD59-A6C34878D82A}">
+                    <a16:rowId xmlns:a16="http://schemas.microsoft.com/office/drawing/2014/main" val="979513566"/>
+                  </a:ext>
+                </a:extLst>
+              </a:tr>
+              <a:tr h="834506">
+                <a:tc>
+                  <a:txBody>
+                    <a:bodyPr/>
+                    <a:lstStyle/>
+                    <a:p>
+                      <a:r>
+                        <a:rPr lang="en-IL" sz="1200" dirty="0"/>
+                        <a:t>Item 3</a:t>
+                      </a:r>
+                    </a:p>
+                  </a:txBody>
+                  <a:tcPr>
+                    <a:solidFill>
+                      <a:schemeClr val="accent6"/>
+                    </a:solidFill>
+                  </a:tcPr>
+                </a:tc>
+                <a:tc>
+                  <a:txBody>
+                    <a:bodyPr/>
+                    <a:lstStyle/>
+                    <a:p>
+                      <a:r>
+                        <a:rPr lang="en-IL" sz="1200" dirty="0"/>
+                        <a:t>€50 / Unit</a:t>
+                      </a:r>
+                    </a:p>
+                    <a:p>
+                      <a:r>
+                        <a:rPr lang="en-IL" sz="1200" dirty="0"/>
+                        <a:t>€1,000 / Total</a:t>
+                      </a:r>
+                    </a:p>
+                  </a:txBody>
+                  <a:tcPr>
+                    <a:solidFill>
+                      <a:schemeClr val="accent5">
+                        <a:lumMod val="40000"/>
+                        <a:lumOff val="60000"/>
+                      </a:schemeClr>
+                    </a:solidFill>
+                  </a:tcPr>
+                </a:tc>
+                <a:tc>
+                  <a:txBody>
+                    <a:bodyPr/>
+                    <a:lstStyle/>
+                    <a:p>
+                      <a:r>
+                        <a:rPr lang="en-IL" sz="1200" dirty="0"/>
+                        <a:t>20</a:t>
+                      </a:r>
+                    </a:p>
+                  </a:txBody>
+                  <a:tcPr>
+                    <a:solidFill>
+                      <a:schemeClr val="accent5">
+                        <a:lumMod val="40000"/>
+                        <a:lumOff val="60000"/>
+                      </a:schemeClr>
+                    </a:solidFill>
+                  </a:tcPr>
+                </a:tc>
+                <a:tc>
+                  <a:txBody>
+                    <a:bodyPr/>
+                    <a:lstStyle/>
+                    <a:p>
+                      <a:r>
+                        <a:rPr lang="en-IL" sz="1200" dirty="0"/>
+                        <a:t>€40 / Unit</a:t>
+                      </a:r>
+                    </a:p>
+                    <a:p>
+                      <a:r>
+                        <a:rPr lang="en-IL" sz="1200" dirty="0"/>
+                        <a:t>€800 / Total</a:t>
+                      </a:r>
+                    </a:p>
+                  </a:txBody>
+                  <a:tcPr>
+                    <a:solidFill>
+                      <a:schemeClr val="accent5">
+                        <a:lumMod val="40000"/>
+                        <a:lumOff val="60000"/>
+                      </a:schemeClr>
+                    </a:solidFill>
+                  </a:tcPr>
+                </a:tc>
+                <a:tc>
+                  <a:txBody>
+                    <a:bodyPr/>
+                    <a:lstStyle/>
+                    <a:p>
+                      <a:r>
+                        <a:rPr lang="en-IL" sz="1200" dirty="0"/>
+                        <a:t>- €200</a:t>
+                      </a:r>
+                    </a:p>
+                    <a:p>
+                      <a:r>
+                        <a:rPr lang="en-IL" sz="1200" b="1" dirty="0">
+                          <a:solidFill>
+                            <a:srgbClr val="C00000"/>
+                          </a:solidFill>
+                        </a:rPr>
+                        <a:t>(- 40%)</a:t>
+                      </a:r>
+                    </a:p>
+                  </a:txBody>
+                  <a:tcPr>
+                    <a:solidFill>
+                      <a:schemeClr val="accent5">
+                        <a:lumMod val="40000"/>
+                        <a:lumOff val="60000"/>
+                      </a:schemeClr>
+                    </a:solidFill>
+                  </a:tcPr>
+                </a:tc>
+                <a:tc>
+                  <a:txBody>
+                    <a:bodyPr/>
+                    <a:lstStyle/>
+                    <a:p>
+                      <a:r>
+                        <a:rPr lang="en-IL" sz="1200" dirty="0"/>
+                        <a:t>20</a:t>
+                      </a:r>
+                    </a:p>
+                  </a:txBody>
+                  <a:tcPr>
+                    <a:solidFill>
+                      <a:schemeClr val="accent5">
+                        <a:lumMod val="20000"/>
+                        <a:lumOff val="80000"/>
+                      </a:schemeClr>
+                    </a:solidFill>
+                  </a:tcPr>
+                </a:tc>
+                <a:tc>
+                  <a:txBody>
+                    <a:bodyPr/>
+                    <a:lstStyle/>
+                    <a:p>
+                      <a:r>
+                        <a:rPr lang="en-IL" sz="1200" dirty="0"/>
+                        <a:t>€30 / Unit</a:t>
+                      </a:r>
+                    </a:p>
+                    <a:p>
+                      <a:r>
+                        <a:rPr lang="en-IL" sz="1200" dirty="0"/>
+                        <a:t>€600 / Total</a:t>
+                      </a:r>
+                    </a:p>
+                  </a:txBody>
+                  <a:tcPr>
+                    <a:solidFill>
+                      <a:schemeClr val="accent5">
+                        <a:lumMod val="20000"/>
+                        <a:lumOff val="80000"/>
+                      </a:schemeClr>
+                    </a:solidFill>
+                  </a:tcPr>
+                </a:tc>
+                <a:tc>
+                  <a:txBody>
+                    <a:bodyPr/>
+                    <a:lstStyle/>
+                    <a:p>
+                      <a:r>
+                        <a:rPr lang="en-IL" sz="1200" dirty="0"/>
+                        <a:t>- €400</a:t>
+                      </a:r>
+                    </a:p>
+                    <a:p>
+                      <a:r>
+                        <a:rPr lang="en-IL" sz="1200" b="1" dirty="0">
+                          <a:solidFill>
+                            <a:srgbClr val="C00000"/>
+                          </a:solidFill>
+                        </a:rPr>
+                        <a:t>(- 40%)</a:t>
+                      </a:r>
+                    </a:p>
+                  </a:txBody>
+                  <a:tcPr>
+                    <a:solidFill>
+                      <a:schemeClr val="accent5">
+                        <a:lumMod val="20000"/>
+                        <a:lumOff val="80000"/>
+                      </a:schemeClr>
+                    </a:solidFill>
+                  </a:tcPr>
+                </a:tc>
+                <a:extLst>
+                  <a:ext uri="{0D108BD9-81ED-4DB2-BD59-A6C34878D82A}">
+                    <a16:rowId xmlns:a16="http://schemas.microsoft.com/office/drawing/2014/main" val="1047495032"/>
+                  </a:ext>
+                </a:extLst>
+              </a:tr>
+              <a:tr h="834506">
+                <a:tc>
+                  <a:txBody>
+                    <a:bodyPr/>
+                    <a:lstStyle/>
+                    <a:p>
+                      <a:r>
+                        <a:rPr lang="en-IL" sz="1800" b="1" dirty="0">
+                          <a:solidFill>
+                            <a:schemeClr val="bg1"/>
+                          </a:solidFill>
+                        </a:rPr>
+                        <a:t>Totals</a:t>
+                      </a:r>
+                    </a:p>
+                  </a:txBody>
+                  <a:tcPr>
+                    <a:solidFill>
+                      <a:schemeClr val="bg1">
+                        <a:lumMod val="50000"/>
+                      </a:schemeClr>
+                    </a:solidFill>
+                  </a:tcPr>
+                </a:tc>
+                <a:tc>
+                  <a:txBody>
+                    <a:bodyPr/>
+                    <a:lstStyle/>
+                    <a:p>
+                      <a:r>
+                        <a:rPr lang="en-IL" sz="1800" b="1" dirty="0">
+                          <a:solidFill>
+                            <a:schemeClr val="bg1"/>
+                          </a:solidFill>
+                        </a:rPr>
+                        <a:t>€2,230</a:t>
+                      </a:r>
+                    </a:p>
+                  </a:txBody>
+                  <a:tcPr>
+                    <a:solidFill>
+                      <a:schemeClr val="bg1">
+                        <a:lumMod val="50000"/>
+                      </a:schemeClr>
+                    </a:solidFill>
+                  </a:tcPr>
+                </a:tc>
+                <a:tc>
+                  <a:txBody>
+                    <a:bodyPr/>
+                    <a:lstStyle/>
+                    <a:p>
+                      <a:r>
+                        <a:rPr lang="en-IL" sz="1800" b="1" dirty="0">
+                          <a:solidFill>
+                            <a:schemeClr val="bg1"/>
+                          </a:solidFill>
+                        </a:rPr>
+                        <a:t>-</a:t>
+                      </a:r>
+                    </a:p>
+                  </a:txBody>
+                  <a:tcPr>
+                    <a:solidFill>
+                      <a:schemeClr val="bg1">
+                        <a:lumMod val="50000"/>
+                      </a:schemeClr>
+                    </a:solidFill>
+                  </a:tcPr>
+                </a:tc>
+                <a:tc>
+                  <a:txBody>
+                    <a:bodyPr/>
+                    <a:lstStyle/>
+                    <a:p>
+                      <a:pPr marL="0" marR="0" lvl="0" indent="0" algn="l" defTabSz="914400" rtl="0" eaLnBrk="1" fontAlgn="auto" latinLnBrk="0" hangingPunct="1">
+                        <a:lnSpc>
+                          <a:spcPct val="100000"/>
+                        </a:lnSpc>
+                        <a:spcBef>
+                          <a:spcPts val="0"/>
+                        </a:spcBef>
+                        <a:spcAft>
+                          <a:spcPts val="0"/>
+                        </a:spcAft>
+                        <a:buClrTx/>
+                        <a:buSzTx/>
+                        <a:buFontTx/>
+                        <a:buNone/>
+                        <a:tabLst/>
+                        <a:defRPr/>
+                      </a:pPr>
+                      <a:r>
+                        <a:rPr lang="en-IL" sz="1800" b="1" dirty="0">
+                          <a:solidFill>
+                            <a:schemeClr val="bg1"/>
+                          </a:solidFill>
+                        </a:rPr>
+                        <a:t>€2,350</a:t>
+                      </a:r>
+                    </a:p>
+                  </a:txBody>
+                  <a:tcPr>
+                    <a:solidFill>
+                      <a:schemeClr val="bg1">
+                        <a:lumMod val="50000"/>
+                      </a:schemeClr>
+                    </a:solidFill>
+                  </a:tcPr>
+                </a:tc>
+                <a:tc>
+                  <a:txBody>
+                    <a:bodyPr/>
+                    <a:lstStyle/>
+                    <a:p>
+                      <a:r>
+                        <a:rPr lang="en-IL" sz="1800" b="1" dirty="0">
+                          <a:solidFill>
+                            <a:schemeClr val="bg1"/>
+                          </a:solidFill>
+                        </a:rPr>
+                        <a:t>+ €120</a:t>
+                      </a:r>
+                    </a:p>
+                    <a:p>
+                      <a:r>
+                        <a:rPr lang="en-IL" sz="1800" b="1" dirty="0">
+                          <a:solidFill>
+                            <a:schemeClr val="accent6">
+                              <a:lumMod val="60000"/>
+                              <a:lumOff val="40000"/>
+                            </a:schemeClr>
+                          </a:solidFill>
+                        </a:rPr>
+                        <a:t>(+ 5.3%)</a:t>
+                      </a:r>
+                    </a:p>
+                  </a:txBody>
+                  <a:tcPr>
+                    <a:solidFill>
+                      <a:schemeClr val="bg1">
+                        <a:lumMod val="50000"/>
+                      </a:schemeClr>
+                    </a:solidFill>
+                  </a:tcPr>
+                </a:tc>
+                <a:tc>
+                  <a:txBody>
+                    <a:bodyPr/>
+                    <a:lstStyle/>
+                    <a:p>
+                      <a:r>
+                        <a:rPr lang="en-IL" sz="1800" b="1" dirty="0">
+                          <a:solidFill>
+                            <a:schemeClr val="bg1"/>
+                          </a:solidFill>
+                        </a:rPr>
+                        <a:t>-</a:t>
+                      </a:r>
+                    </a:p>
+                  </a:txBody>
+                  <a:tcPr>
+                    <a:solidFill>
+                      <a:schemeClr val="bg1">
+                        <a:lumMod val="50000"/>
+                      </a:schemeClr>
+                    </a:solidFill>
+                  </a:tcPr>
+                </a:tc>
+                <a:tc>
+                  <a:txBody>
+                    <a:bodyPr/>
+                    <a:lstStyle/>
+                    <a:p>
+                      <a:r>
+                        <a:rPr lang="en-IL" sz="1800" b="1" dirty="0">
+                          <a:solidFill>
+                            <a:schemeClr val="bg1"/>
+                          </a:solidFill>
+                        </a:rPr>
+                        <a:t>€12,200</a:t>
+                      </a:r>
+                    </a:p>
+                  </a:txBody>
+                  <a:tcPr>
+                    <a:solidFill>
+                      <a:schemeClr val="bg1">
+                        <a:lumMod val="50000"/>
+                      </a:schemeClr>
+                    </a:solidFill>
+                  </a:tcPr>
+                </a:tc>
+                <a:tc>
+                  <a:txBody>
+                    <a:bodyPr/>
+                    <a:lstStyle/>
+                    <a:p>
+                      <a:r>
+                        <a:rPr lang="en-IL" sz="1800" b="1" dirty="0">
+                          <a:solidFill>
+                            <a:schemeClr val="bg1"/>
+                          </a:solidFill>
+                        </a:rPr>
+                        <a:t>- €200</a:t>
+                      </a:r>
+                    </a:p>
+                    <a:p>
+                      <a:r>
+                        <a:rPr lang="en-IL" sz="1800" b="1" dirty="0">
+                          <a:solidFill>
+                            <a:srgbClr val="FF0000"/>
+                          </a:solidFill>
+                        </a:rPr>
+                        <a:t>(- 40%)</a:t>
+                      </a:r>
+                    </a:p>
+                  </a:txBody>
+                  <a:tcPr>
+                    <a:solidFill>
+                      <a:schemeClr val="bg1">
+                        <a:lumMod val="50000"/>
+                      </a:schemeClr>
+                    </a:solidFill>
+                  </a:tcPr>
+                </a:tc>
+                <a:extLst>
+                  <a:ext uri="{0D108BD9-81ED-4DB2-BD59-A6C34878D82A}">
+                    <a16:rowId xmlns:a16="http://schemas.microsoft.com/office/drawing/2014/main" val="187322475"/>
+                  </a:ext>
+                </a:extLst>
+              </a:tr>
+            </a:tbl>
+          </a:graphicData>
+        </a:graphic>
+      </p:graphicFrame>
+      <p:sp>
+        <p:nvSpPr>
+          <p:cNvPr id="38" name="TextBox 37">
+            <a:extLst>
+              <a:ext uri="{FF2B5EF4-FFF2-40B4-BE49-F238E27FC236}">
+                <a16:creationId xmlns:a16="http://schemas.microsoft.com/office/drawing/2014/main" id="{B9CB4AAF-E787-074B-8D18-4FA2434EC32F}"/>
+              </a:ext>
+            </a:extLst>
+          </p:cNvPr>
+          <p:cNvSpPr txBox="1"/>
+          <p:nvPr/>
+        </p:nvSpPr>
+        <p:spPr>
+          <a:xfrm>
+            <a:off x="3585121" y="1173805"/>
+            <a:ext cx="8595103" cy="523220"/>
+          </a:xfrm>
+          <a:prstGeom prst="rect">
+            <a:avLst/>
+          </a:prstGeom>
+          <a:solidFill>
+            <a:srgbClr val="00B0F0"/>
+          </a:solidFill>
+          <a:ln>
+            <a:solidFill>
+              <a:schemeClr val="tx1"/>
+            </a:solidFill>
+          </a:ln>
+        </p:spPr>
+        <p:txBody>
+          <a:bodyPr wrap="square" rtlCol="0">
+            <a:spAutoFit/>
+          </a:bodyPr>
+          <a:lstStyle/>
+          <a:p>
+            <a:pPr marL="0" defTabSz="914400" rtl="0" eaLnBrk="1" latinLnBrk="0" hangingPunct="1"/>
+            <a:r>
+              <a:rPr lang="en-IL" sz="2800" b="1" dirty="0">
+                <a:solidFill>
+                  <a:srgbClr val="C00000"/>
+                </a:solidFill>
+              </a:rPr>
+              <a:t>Trans Computers</a:t>
+            </a:r>
+            <a:r>
+              <a:rPr lang="en-IL" sz="2800" b="1" dirty="0"/>
+              <a:t> offers to </a:t>
+            </a:r>
+            <a:r>
+              <a:rPr lang="en-IL" sz="2800" b="1" dirty="0">
+                <a:solidFill>
+                  <a:srgbClr val="C00000"/>
+                </a:solidFill>
+              </a:rPr>
+              <a:t>Customer A  </a:t>
+            </a:r>
+          </a:p>
+        </p:txBody>
+      </p:sp>
+      <p:sp>
+        <p:nvSpPr>
+          <p:cNvPr id="39" name="Rectangle 38">
+            <a:extLst>
+              <a:ext uri="{FF2B5EF4-FFF2-40B4-BE49-F238E27FC236}">
+                <a16:creationId xmlns:a16="http://schemas.microsoft.com/office/drawing/2014/main" id="{5473BD93-8A3E-364C-A460-A61AEBB37FD8}"/>
+              </a:ext>
+            </a:extLst>
+          </p:cNvPr>
+          <p:cNvSpPr/>
+          <p:nvPr/>
+        </p:nvSpPr>
+        <p:spPr>
+          <a:xfrm>
+            <a:off x="1952979" y="1173805"/>
+            <a:ext cx="1643940" cy="505355"/>
+          </a:xfrm>
+          <a:prstGeom prst="rect">
+            <a:avLst/>
+          </a:prstGeom>
+          <a:solidFill>
+            <a:schemeClr val="accent5">
+              <a:lumMod val="40000"/>
+              <a:lumOff val="60000"/>
+            </a:schemeClr>
+          </a:solidFill>
+        </p:spPr>
+        <p:style>
+          <a:lnRef idx="2">
+            <a:schemeClr val="accent1">
+              <a:shade val="50000"/>
+            </a:schemeClr>
+          </a:lnRef>
+          <a:fillRef idx="1">
+            <a:schemeClr val="accent1"/>
+          </a:fillRef>
+          <a:effectRef idx="0">
+            <a:schemeClr val="accent1"/>
+          </a:effectRef>
+          <a:fontRef idx="minor">
+            <a:schemeClr val="lt1"/>
+          </a:fontRef>
+        </p:style>
+        <p:txBody>
+          <a:bodyPr rtlCol="0" anchor="ctr"/>
+          <a:lstStyle/>
+          <a:p>
+            <a:pPr algn="ctr"/>
+            <a:r>
+              <a:rPr lang="en-US" dirty="0">
+                <a:solidFill>
+                  <a:schemeClr val="tx1"/>
+                </a:solidFill>
+              </a:rPr>
+              <a:t>Round 1</a:t>
+            </a:r>
+            <a:endParaRPr lang="en-IL" dirty="0">
+              <a:solidFill>
+                <a:schemeClr val="tx1"/>
+              </a:solidFill>
+            </a:endParaRPr>
+          </a:p>
+        </p:txBody>
+      </p:sp>
+      <p:sp>
+        <p:nvSpPr>
+          <p:cNvPr id="40" name="Rectangle 39">
+            <a:extLst>
+              <a:ext uri="{FF2B5EF4-FFF2-40B4-BE49-F238E27FC236}">
+                <a16:creationId xmlns:a16="http://schemas.microsoft.com/office/drawing/2014/main" id="{41DCCF56-DA7D-3241-B55C-576C3B35C469}"/>
+              </a:ext>
+            </a:extLst>
+          </p:cNvPr>
+          <p:cNvSpPr/>
+          <p:nvPr/>
+        </p:nvSpPr>
+        <p:spPr>
+          <a:xfrm>
+            <a:off x="1955166" y="2198279"/>
+            <a:ext cx="1643940" cy="521027"/>
+          </a:xfrm>
+          <a:prstGeom prst="rect">
+            <a:avLst/>
+          </a:prstGeom>
+          <a:solidFill>
+            <a:schemeClr val="accent6">
+              <a:lumMod val="60000"/>
+              <a:lumOff val="40000"/>
+            </a:schemeClr>
+          </a:solidFill>
+        </p:spPr>
+        <p:style>
+          <a:lnRef idx="2">
+            <a:schemeClr val="accent1">
+              <a:shade val="50000"/>
+            </a:schemeClr>
+          </a:lnRef>
+          <a:fillRef idx="1">
+            <a:schemeClr val="accent1"/>
+          </a:fillRef>
+          <a:effectRef idx="0">
+            <a:schemeClr val="accent1"/>
+          </a:effectRef>
+          <a:fontRef idx="minor">
+            <a:schemeClr val="lt1"/>
+          </a:fontRef>
+        </p:style>
+        <p:txBody>
+          <a:bodyPr rtlCol="0" anchor="ctr"/>
+          <a:lstStyle/>
+          <a:p>
+            <a:pPr algn="ctr"/>
+            <a:r>
+              <a:rPr lang="en-IL" dirty="0">
+                <a:solidFill>
+                  <a:schemeClr val="tx1"/>
+                </a:solidFill>
+              </a:rPr>
+              <a:t>Round 3</a:t>
+            </a:r>
+          </a:p>
+        </p:txBody>
+      </p:sp>
+      <p:sp>
+        <p:nvSpPr>
+          <p:cNvPr id="41" name="Rectangle 40">
+            <a:extLst>
+              <a:ext uri="{FF2B5EF4-FFF2-40B4-BE49-F238E27FC236}">
+                <a16:creationId xmlns:a16="http://schemas.microsoft.com/office/drawing/2014/main" id="{72D451BE-9C76-DA4E-8A65-8722F6485384}"/>
+              </a:ext>
+            </a:extLst>
+          </p:cNvPr>
+          <p:cNvSpPr/>
+          <p:nvPr/>
+        </p:nvSpPr>
+        <p:spPr>
+          <a:xfrm>
+            <a:off x="1955166" y="1685088"/>
+            <a:ext cx="1643940" cy="505355"/>
+          </a:xfrm>
+          <a:prstGeom prst="rect">
+            <a:avLst/>
+          </a:prstGeom>
+          <a:solidFill>
+            <a:schemeClr val="accent5">
+              <a:lumMod val="40000"/>
+              <a:lumOff val="60000"/>
+            </a:schemeClr>
+          </a:solidFill>
+        </p:spPr>
+        <p:style>
+          <a:lnRef idx="2">
+            <a:schemeClr val="accent1">
+              <a:shade val="50000"/>
+            </a:schemeClr>
+          </a:lnRef>
+          <a:fillRef idx="1">
+            <a:schemeClr val="accent1"/>
+          </a:fillRef>
+          <a:effectRef idx="0">
+            <a:schemeClr val="accent1"/>
+          </a:effectRef>
+          <a:fontRef idx="minor">
+            <a:schemeClr val="lt1"/>
+          </a:fontRef>
+        </p:style>
+        <p:txBody>
+          <a:bodyPr rtlCol="0" anchor="ctr"/>
+          <a:lstStyle/>
+          <a:p>
+            <a:pPr algn="ctr"/>
+            <a:r>
+              <a:rPr lang="en-US" dirty="0">
+                <a:solidFill>
+                  <a:schemeClr val="tx1"/>
+                </a:solidFill>
+              </a:rPr>
+              <a:t>Round2</a:t>
+            </a:r>
+            <a:endParaRPr lang="en-IL" dirty="0">
+              <a:solidFill>
+                <a:schemeClr val="tx1"/>
+              </a:solidFill>
+            </a:endParaRPr>
+          </a:p>
+        </p:txBody>
+      </p:sp>
+      <p:sp>
+        <p:nvSpPr>
+          <p:cNvPr id="42" name="Rounded Rectangle 41">
+            <a:extLst>
+              <a:ext uri="{FF2B5EF4-FFF2-40B4-BE49-F238E27FC236}">
+                <a16:creationId xmlns:a16="http://schemas.microsoft.com/office/drawing/2014/main" id="{8DBF8849-56A1-7D49-9BD5-AB92532B957D}"/>
+              </a:ext>
+            </a:extLst>
+          </p:cNvPr>
+          <p:cNvSpPr/>
+          <p:nvPr/>
+        </p:nvSpPr>
+        <p:spPr>
+          <a:xfrm>
+            <a:off x="10239021" y="1227540"/>
+            <a:ext cx="1580011" cy="415749"/>
+          </a:xfrm>
+          <a:prstGeom prst="roundRect">
+            <a:avLst/>
+          </a:prstGeom>
+          <a:solidFill>
+            <a:schemeClr val="bg1">
+              <a:lumMod val="85000"/>
+            </a:schemeClr>
+          </a:solidFill>
+        </p:spPr>
+        <p:style>
+          <a:lnRef idx="2">
+            <a:schemeClr val="accent1">
+              <a:shade val="50000"/>
+            </a:schemeClr>
+          </a:lnRef>
+          <a:fillRef idx="1">
+            <a:schemeClr val="accent1"/>
+          </a:fillRef>
+          <a:effectRef idx="0">
+            <a:schemeClr val="accent1"/>
+          </a:effectRef>
+          <a:fontRef idx="minor">
+            <a:schemeClr val="lt1"/>
+          </a:fontRef>
+        </p:style>
+        <p:txBody>
+          <a:bodyPr rtlCol="0" anchor="ctr"/>
+          <a:lstStyle/>
+          <a:p>
+            <a:pPr algn="ctr"/>
+            <a:r>
+              <a:rPr lang="en-IL" sz="1200" dirty="0">
+                <a:solidFill>
+                  <a:schemeClr val="tx1"/>
+                </a:solidFill>
+              </a:rPr>
+              <a:t>Reviewing Customer Response</a:t>
+            </a:r>
+          </a:p>
+        </p:txBody>
+      </p:sp>
+      <p:sp>
+        <p:nvSpPr>
+          <p:cNvPr id="23" name="TextBox 22">
+            <a:extLst>
+              <a:ext uri="{FF2B5EF4-FFF2-40B4-BE49-F238E27FC236}">
+                <a16:creationId xmlns:a16="http://schemas.microsoft.com/office/drawing/2014/main" id="{4E42E584-D3E0-1A4F-AA60-395CEE298ADC}"/>
+              </a:ext>
+            </a:extLst>
+          </p:cNvPr>
+          <p:cNvSpPr txBox="1"/>
+          <p:nvPr/>
+        </p:nvSpPr>
+        <p:spPr>
+          <a:xfrm>
+            <a:off x="3606467" y="6334780"/>
+            <a:ext cx="8590329" cy="523220"/>
+          </a:xfrm>
+          <a:prstGeom prst="rect">
+            <a:avLst/>
+          </a:prstGeom>
+          <a:solidFill>
+            <a:schemeClr val="bg2"/>
+          </a:solidFill>
+          <a:ln>
+            <a:solidFill>
+              <a:schemeClr val="tx1"/>
+            </a:solidFill>
+          </a:ln>
+        </p:spPr>
+        <p:txBody>
+          <a:bodyPr wrap="square" rtlCol="0">
+            <a:spAutoFit/>
+          </a:bodyPr>
+          <a:lstStyle/>
+          <a:p>
+            <a:pPr marL="0" algn="l" defTabSz="914400" rtl="0" eaLnBrk="1" latinLnBrk="0" hangingPunct="1"/>
+            <a:endParaRPr lang="en-IL" sz="2800" b="1" dirty="0"/>
+          </a:p>
+        </p:txBody>
+      </p:sp>
+      <p:sp>
+        <p:nvSpPr>
+          <p:cNvPr id="24" name="Rounded Rectangle 23">
+            <a:extLst>
+              <a:ext uri="{FF2B5EF4-FFF2-40B4-BE49-F238E27FC236}">
+                <a16:creationId xmlns:a16="http://schemas.microsoft.com/office/drawing/2014/main" id="{7BD9EC7D-1A63-3A43-B008-A36A1B8B7486}"/>
+              </a:ext>
+            </a:extLst>
+          </p:cNvPr>
+          <p:cNvSpPr/>
+          <p:nvPr/>
+        </p:nvSpPr>
+        <p:spPr>
+          <a:xfrm>
+            <a:off x="3758280" y="6388515"/>
+            <a:ext cx="1515750" cy="415749"/>
+          </a:xfrm>
+          <a:prstGeom prst="roundRect">
+            <a:avLst/>
+          </a:prstGeom>
+          <a:solidFill>
+            <a:srgbClr val="FF0000"/>
+          </a:solidFill>
+        </p:spPr>
+        <p:style>
+          <a:lnRef idx="2">
+            <a:schemeClr val="accent1">
+              <a:shade val="50000"/>
+            </a:schemeClr>
+          </a:lnRef>
+          <a:fillRef idx="1">
+            <a:schemeClr val="accent1"/>
+          </a:fillRef>
+          <a:effectRef idx="0">
+            <a:schemeClr val="accent1"/>
+          </a:effectRef>
+          <a:fontRef idx="minor">
+            <a:schemeClr val="lt1"/>
+          </a:fontRef>
+        </p:style>
+        <p:txBody>
+          <a:bodyPr rtlCol="0" anchor="ctr"/>
+          <a:lstStyle/>
+          <a:p>
+            <a:pPr algn="ctr"/>
+            <a:r>
+              <a:rPr lang="en-IL" dirty="0">
+                <a:solidFill>
+                  <a:schemeClr val="bg1"/>
+                </a:solidFill>
+              </a:rPr>
+              <a:t>Cancel Offer</a:t>
+            </a:r>
+          </a:p>
+        </p:txBody>
+      </p:sp>
+      <p:sp>
+        <p:nvSpPr>
+          <p:cNvPr id="26" name="Rounded Rectangle 25">
+            <a:extLst>
+              <a:ext uri="{FF2B5EF4-FFF2-40B4-BE49-F238E27FC236}">
+                <a16:creationId xmlns:a16="http://schemas.microsoft.com/office/drawing/2014/main" id="{AF04F1CE-51C4-E042-B679-9F8F36A529F4}"/>
+              </a:ext>
+            </a:extLst>
+          </p:cNvPr>
+          <p:cNvSpPr/>
+          <p:nvPr/>
+        </p:nvSpPr>
+        <p:spPr>
+          <a:xfrm>
+            <a:off x="10460033" y="6380679"/>
+            <a:ext cx="1515750" cy="415749"/>
+          </a:xfrm>
+          <a:prstGeom prst="roundRect">
+            <a:avLst/>
+          </a:prstGeom>
+          <a:solidFill>
+            <a:schemeClr val="accent6"/>
+          </a:solidFill>
+        </p:spPr>
+        <p:style>
+          <a:lnRef idx="2">
+            <a:schemeClr val="accent1">
+              <a:shade val="50000"/>
+            </a:schemeClr>
+          </a:lnRef>
+          <a:fillRef idx="1">
+            <a:schemeClr val="accent1"/>
+          </a:fillRef>
+          <a:effectRef idx="0">
+            <a:schemeClr val="accent1"/>
+          </a:effectRef>
+          <a:fontRef idx="minor">
+            <a:schemeClr val="lt1"/>
+          </a:fontRef>
+        </p:style>
+        <p:txBody>
+          <a:bodyPr rtlCol="0" anchor="ctr"/>
+          <a:lstStyle/>
+          <a:p>
+            <a:pPr algn="ctr"/>
+            <a:r>
+              <a:rPr lang="en-IL" dirty="0">
+                <a:solidFill>
+                  <a:schemeClr val="tx1"/>
+                </a:solidFill>
+              </a:rPr>
+              <a:t>Place Order</a:t>
+            </a:r>
+          </a:p>
+        </p:txBody>
+      </p:sp>
+      <p:sp>
+        <p:nvSpPr>
+          <p:cNvPr id="27" name="Rounded Rectangle 26">
+            <a:extLst>
+              <a:ext uri="{FF2B5EF4-FFF2-40B4-BE49-F238E27FC236}">
+                <a16:creationId xmlns:a16="http://schemas.microsoft.com/office/drawing/2014/main" id="{A1978335-AA93-1E43-B473-94652280B26B}"/>
+              </a:ext>
+            </a:extLst>
+          </p:cNvPr>
+          <p:cNvSpPr/>
+          <p:nvPr/>
+        </p:nvSpPr>
+        <p:spPr>
+          <a:xfrm>
+            <a:off x="8806545" y="6388515"/>
+            <a:ext cx="1515750" cy="415749"/>
+          </a:xfrm>
+          <a:prstGeom prst="roundRect">
+            <a:avLst/>
+          </a:prstGeom>
+          <a:solidFill>
+            <a:schemeClr val="accent4"/>
+          </a:solidFill>
+        </p:spPr>
+        <p:style>
+          <a:lnRef idx="2">
+            <a:schemeClr val="accent1">
+              <a:shade val="50000"/>
+            </a:schemeClr>
+          </a:lnRef>
+          <a:fillRef idx="1">
+            <a:schemeClr val="accent1"/>
+          </a:fillRef>
+          <a:effectRef idx="0">
+            <a:schemeClr val="accent1"/>
+          </a:effectRef>
+          <a:fontRef idx="minor">
+            <a:schemeClr val="lt1"/>
+          </a:fontRef>
+        </p:style>
+        <p:txBody>
+          <a:bodyPr rtlCol="0" anchor="ctr"/>
+          <a:lstStyle/>
+          <a:p>
+            <a:pPr algn="ctr"/>
+            <a:r>
+              <a:rPr lang="en-IL" dirty="0">
+                <a:solidFill>
+                  <a:schemeClr val="tx1"/>
+                </a:solidFill>
+              </a:rPr>
+              <a:t>Next Round</a:t>
+            </a:r>
+          </a:p>
+        </p:txBody>
+      </p:sp>
+    </p:spTree>
+    <p:extLst>
+      <p:ext uri="{BB962C8B-B14F-4D97-AF65-F5344CB8AC3E}">
+        <p14:creationId xmlns:p14="http://schemas.microsoft.com/office/powerpoint/2010/main" val="1045936561"/>
       </p:ext>
     </p:extLst>
   </p:cSld>

--- a/doc/design.pptx
+++ b/doc/design.pptx
@@ -5,16 +5,15 @@
     <p:sldMasterId id="2147483648" r:id="rId1"/>
   </p:sldMasterIdLst>
   <p:notesMasterIdLst>
-    <p:notesMasterId r:id="rId9"/>
+    <p:notesMasterId r:id="rId8"/>
   </p:notesMasterIdLst>
   <p:sldIdLst>
-    <p:sldId id="256" r:id="rId2"/>
-    <p:sldId id="257" r:id="rId3"/>
-    <p:sldId id="258" r:id="rId4"/>
-    <p:sldId id="259" r:id="rId5"/>
-    <p:sldId id="262" r:id="rId6"/>
-    <p:sldId id="263" r:id="rId7"/>
-    <p:sldId id="261" r:id="rId8"/>
+    <p:sldId id="257" r:id="rId2"/>
+    <p:sldId id="258" r:id="rId3"/>
+    <p:sldId id="259" r:id="rId4"/>
+    <p:sldId id="262" r:id="rId5"/>
+    <p:sldId id="263" r:id="rId6"/>
+    <p:sldId id="261" r:id="rId7"/>
   </p:sldIdLst>
   <p:sldSz cx="12192000" cy="6858000"/>
   <p:notesSz cx="6858000" cy="9144000"/>
@@ -113,6 +112,11 @@
       </a:defRPr>
     </a:lvl9pPr>
   </p:defaultTextStyle>
+  <p:extLst>
+    <p:ext uri="{EFAFB233-063F-42B5-8137-9DF3F51BA10A}">
+      <p15:sldGuideLst xmlns:p15="http://schemas.microsoft.com/office/powerpoint/2012/main"/>
+    </p:ext>
+  </p:extLst>
 </p:presentation>
 </file>
 
@@ -198,7 +202,7 @@
           <a:p>
             <a:fld id="{F4DF9BBE-C0FC-BA4E-9A79-8F777C8BBBBA}" type="datetimeFigureOut">
               <a:rPr lang="en-IL" smtClean="0"/>
-              <a:t>17/07/2021</a:t>
+              <a:t>24/07/2021</a:t>
             </a:fld>
             <a:endParaRPr lang="en-IL"/>
           </a:p>
@@ -531,7 +535,7 @@
           <a:p>
             <a:fld id="{A6E3612C-645D-E149-8BA9-B25EE2AEBDCA}" type="slidenum">
               <a:rPr lang="en-IL" smtClean="0"/>
-              <a:t>3</a:t>
+              <a:t>2</a:t>
             </a:fld>
             <a:endParaRPr lang="en-IL"/>
           </a:p>
@@ -615,7 +619,7 @@
           <a:p>
             <a:fld id="{A6E3612C-645D-E149-8BA9-B25EE2AEBDCA}" type="slidenum">
               <a:rPr lang="en-IL" smtClean="0"/>
-              <a:t>7</a:t>
+              <a:t>6</a:t>
             </a:fld>
             <a:endParaRPr lang="en-IL"/>
           </a:p>
@@ -783,7 +787,7 @@
           <a:p>
             <a:fld id="{93EEB2F1-947C-CC46-BA8B-D9A4AC7C5EE1}" type="datetimeFigureOut">
               <a:rPr lang="en-IL" smtClean="0"/>
-              <a:t>17/07/2021</a:t>
+              <a:t>24/07/2021</a:t>
             </a:fld>
             <a:endParaRPr lang="en-IL"/>
           </a:p>
@@ -983,7 +987,7 @@
           <a:p>
             <a:fld id="{93EEB2F1-947C-CC46-BA8B-D9A4AC7C5EE1}" type="datetimeFigureOut">
               <a:rPr lang="en-IL" smtClean="0"/>
-              <a:t>17/07/2021</a:t>
+              <a:t>24/07/2021</a:t>
             </a:fld>
             <a:endParaRPr lang="en-IL"/>
           </a:p>
@@ -1193,7 +1197,7 @@
           <a:p>
             <a:fld id="{93EEB2F1-947C-CC46-BA8B-D9A4AC7C5EE1}" type="datetimeFigureOut">
               <a:rPr lang="en-IL" smtClean="0"/>
-              <a:t>17/07/2021</a:t>
+              <a:t>24/07/2021</a:t>
             </a:fld>
             <a:endParaRPr lang="en-IL"/>
           </a:p>
@@ -1393,7 +1397,7 @@
           <a:p>
             <a:fld id="{93EEB2F1-947C-CC46-BA8B-D9A4AC7C5EE1}" type="datetimeFigureOut">
               <a:rPr lang="en-IL" smtClean="0"/>
-              <a:t>17/07/2021</a:t>
+              <a:t>24/07/2021</a:t>
             </a:fld>
             <a:endParaRPr lang="en-IL"/>
           </a:p>
@@ -1669,7 +1673,7 @@
           <a:p>
             <a:fld id="{93EEB2F1-947C-CC46-BA8B-D9A4AC7C5EE1}" type="datetimeFigureOut">
               <a:rPr lang="en-IL" smtClean="0"/>
-              <a:t>17/07/2021</a:t>
+              <a:t>24/07/2021</a:t>
             </a:fld>
             <a:endParaRPr lang="en-IL"/>
           </a:p>
@@ -1937,7 +1941,7 @@
           <a:p>
             <a:fld id="{93EEB2F1-947C-CC46-BA8B-D9A4AC7C5EE1}" type="datetimeFigureOut">
               <a:rPr lang="en-IL" smtClean="0"/>
-              <a:t>17/07/2021</a:t>
+              <a:t>24/07/2021</a:t>
             </a:fld>
             <a:endParaRPr lang="en-IL"/>
           </a:p>
@@ -2352,7 +2356,7 @@
           <a:p>
             <a:fld id="{93EEB2F1-947C-CC46-BA8B-D9A4AC7C5EE1}" type="datetimeFigureOut">
               <a:rPr lang="en-IL" smtClean="0"/>
-              <a:t>17/07/2021</a:t>
+              <a:t>24/07/2021</a:t>
             </a:fld>
             <a:endParaRPr lang="en-IL"/>
           </a:p>
@@ -2494,7 +2498,7 @@
           <a:p>
             <a:fld id="{93EEB2F1-947C-CC46-BA8B-D9A4AC7C5EE1}" type="datetimeFigureOut">
               <a:rPr lang="en-IL" smtClean="0"/>
-              <a:t>17/07/2021</a:t>
+              <a:t>24/07/2021</a:t>
             </a:fld>
             <a:endParaRPr lang="en-IL"/>
           </a:p>
@@ -2607,7 +2611,7 @@
           <a:p>
             <a:fld id="{93EEB2F1-947C-CC46-BA8B-D9A4AC7C5EE1}" type="datetimeFigureOut">
               <a:rPr lang="en-IL" smtClean="0"/>
-              <a:t>17/07/2021</a:t>
+              <a:t>24/07/2021</a:t>
             </a:fld>
             <a:endParaRPr lang="en-IL"/>
           </a:p>
@@ -2920,7 +2924,7 @@
           <a:p>
             <a:fld id="{93EEB2F1-947C-CC46-BA8B-D9A4AC7C5EE1}" type="datetimeFigureOut">
               <a:rPr lang="en-IL" smtClean="0"/>
-              <a:t>17/07/2021</a:t>
+              <a:t>24/07/2021</a:t>
             </a:fld>
             <a:endParaRPr lang="en-IL"/>
           </a:p>
@@ -3209,7 +3213,7 @@
           <a:p>
             <a:fld id="{93EEB2F1-947C-CC46-BA8B-D9A4AC7C5EE1}" type="datetimeFigureOut">
               <a:rPr lang="en-IL" smtClean="0"/>
-              <a:t>17/07/2021</a:t>
+              <a:t>24/07/2021</a:t>
             </a:fld>
             <a:endParaRPr lang="en-IL"/>
           </a:p>
@@ -3452,7 +3456,7 @@
           <a:p>
             <a:fld id="{93EEB2F1-947C-CC46-BA8B-D9A4AC7C5EE1}" type="datetimeFigureOut">
               <a:rPr lang="en-IL" smtClean="0"/>
-              <a:t>17/07/2021</a:t>
+              <a:t>24/07/2021</a:t>
             </a:fld>
             <a:endParaRPr lang="en-IL"/>
           </a:p>
@@ -3918,379 +3922,6 @@
           </a:p>
         </p:txBody>
       </p:sp>
-      <p:sp>
-        <p:nvSpPr>
-          <p:cNvPr id="16" name="Rectangle 15">
-            <a:extLst>
-              <a:ext uri="{FF2B5EF4-FFF2-40B4-BE49-F238E27FC236}">
-                <a16:creationId xmlns:a16="http://schemas.microsoft.com/office/drawing/2014/main" id="{38FCA94A-98ED-154F-BFB9-B5DE8CF0AC63}"/>
-              </a:ext>
-            </a:extLst>
-          </p:cNvPr>
-          <p:cNvSpPr/>
-          <p:nvPr/>
-        </p:nvSpPr>
-        <p:spPr>
-          <a:xfrm>
-            <a:off x="1" y="656948"/>
-            <a:ext cx="1952978" cy="6201052"/>
-          </a:xfrm>
-          <a:prstGeom prst="rect">
-            <a:avLst/>
-          </a:prstGeom>
-        </p:spPr>
-        <p:style>
-          <a:lnRef idx="2">
-            <a:schemeClr val="accent1">
-              <a:shade val="50000"/>
-            </a:schemeClr>
-          </a:lnRef>
-          <a:fillRef idx="1">
-            <a:schemeClr val="accent1"/>
-          </a:fillRef>
-          <a:effectRef idx="0">
-            <a:schemeClr val="accent1"/>
-          </a:effectRef>
-          <a:fontRef idx="minor">
-            <a:schemeClr val="lt1"/>
-          </a:fontRef>
-        </p:style>
-        <p:txBody>
-          <a:bodyPr rtlCol="0" anchor="ctr"/>
-          <a:lstStyle/>
-          <a:p>
-            <a:pPr algn="ctr"/>
-            <a:endParaRPr lang="en-IL"/>
-          </a:p>
-        </p:txBody>
-      </p:sp>
-      <p:sp>
-        <p:nvSpPr>
-          <p:cNvPr id="17" name="Rectangle 16">
-            <a:extLst>
-              <a:ext uri="{FF2B5EF4-FFF2-40B4-BE49-F238E27FC236}">
-                <a16:creationId xmlns:a16="http://schemas.microsoft.com/office/drawing/2014/main" id="{72F9B08A-6884-8A4A-AFEB-C1B06B22932B}"/>
-              </a:ext>
-            </a:extLst>
-          </p:cNvPr>
-          <p:cNvSpPr/>
-          <p:nvPr/>
-        </p:nvSpPr>
-        <p:spPr>
-          <a:xfrm>
-            <a:off x="-21" y="656948"/>
-            <a:ext cx="1952978" cy="513191"/>
-          </a:xfrm>
-          <a:prstGeom prst="rect">
-            <a:avLst/>
-          </a:prstGeom>
-          <a:solidFill>
-            <a:schemeClr val="accent6"/>
-          </a:solidFill>
-        </p:spPr>
-        <p:style>
-          <a:lnRef idx="2">
-            <a:schemeClr val="accent1">
-              <a:shade val="50000"/>
-            </a:schemeClr>
-          </a:lnRef>
-          <a:fillRef idx="1">
-            <a:schemeClr val="accent1"/>
-          </a:fillRef>
-          <a:effectRef idx="0">
-            <a:schemeClr val="accent1"/>
-          </a:effectRef>
-          <a:fontRef idx="minor">
-            <a:schemeClr val="lt1"/>
-          </a:fontRef>
-        </p:style>
-        <p:txBody>
-          <a:bodyPr rtlCol="0" anchor="ctr"/>
-          <a:lstStyle/>
-          <a:p>
-            <a:pPr algn="ctr"/>
-            <a:r>
-              <a:rPr lang="en-IL" dirty="0"/>
-              <a:t>Overview</a:t>
-            </a:r>
-          </a:p>
-        </p:txBody>
-      </p:sp>
-      <p:sp>
-        <p:nvSpPr>
-          <p:cNvPr id="18" name="Rectangle 17">
-            <a:extLst>
-              <a:ext uri="{FF2B5EF4-FFF2-40B4-BE49-F238E27FC236}">
-                <a16:creationId xmlns:a16="http://schemas.microsoft.com/office/drawing/2014/main" id="{5C01B739-4F38-3F49-BD4D-655F2A1ED83C}"/>
-              </a:ext>
-            </a:extLst>
-          </p:cNvPr>
-          <p:cNvSpPr/>
-          <p:nvPr/>
-        </p:nvSpPr>
-        <p:spPr>
-          <a:xfrm>
-            <a:off x="1" y="2196521"/>
-            <a:ext cx="1952978" cy="513191"/>
-          </a:xfrm>
-          <a:prstGeom prst="rect">
-            <a:avLst/>
-          </a:prstGeom>
-        </p:spPr>
-        <p:style>
-          <a:lnRef idx="2">
-            <a:schemeClr val="accent1">
-              <a:shade val="50000"/>
-            </a:schemeClr>
-          </a:lnRef>
-          <a:fillRef idx="1">
-            <a:schemeClr val="accent1"/>
-          </a:fillRef>
-          <a:effectRef idx="0">
-            <a:schemeClr val="accent1"/>
-          </a:effectRef>
-          <a:fontRef idx="minor">
-            <a:schemeClr val="lt1"/>
-          </a:fontRef>
-        </p:style>
-        <p:txBody>
-          <a:bodyPr rtlCol="0" anchor="ctr"/>
-          <a:lstStyle/>
-          <a:p>
-            <a:pPr algn="ctr"/>
-            <a:r>
-              <a:rPr lang="en-IL" dirty="0"/>
-              <a:t>Harmonized Codes</a:t>
-            </a:r>
-          </a:p>
-        </p:txBody>
-      </p:sp>
-      <p:sp>
-        <p:nvSpPr>
-          <p:cNvPr id="19" name="Rectangle 18">
-            <a:extLst>
-              <a:ext uri="{FF2B5EF4-FFF2-40B4-BE49-F238E27FC236}">
-                <a16:creationId xmlns:a16="http://schemas.microsoft.com/office/drawing/2014/main" id="{CCCDBB88-C757-4141-85E2-32B2936A5E87}"/>
-              </a:ext>
-            </a:extLst>
-          </p:cNvPr>
-          <p:cNvSpPr/>
-          <p:nvPr/>
-        </p:nvSpPr>
-        <p:spPr>
-          <a:xfrm>
-            <a:off x="23" y="2709712"/>
-            <a:ext cx="1952978" cy="513191"/>
-          </a:xfrm>
-          <a:prstGeom prst="rect">
-            <a:avLst/>
-          </a:prstGeom>
-        </p:spPr>
-        <p:style>
-          <a:lnRef idx="2">
-            <a:schemeClr val="accent1">
-              <a:shade val="50000"/>
-            </a:schemeClr>
-          </a:lnRef>
-          <a:fillRef idx="1">
-            <a:schemeClr val="accent1"/>
-          </a:fillRef>
-          <a:effectRef idx="0">
-            <a:schemeClr val="accent1"/>
-          </a:effectRef>
-          <a:fontRef idx="minor">
-            <a:schemeClr val="lt1"/>
-          </a:fontRef>
-        </p:style>
-        <p:txBody>
-          <a:bodyPr rtlCol="0" anchor="ctr"/>
-          <a:lstStyle/>
-          <a:p>
-            <a:pPr algn="ctr"/>
-            <a:r>
-              <a:rPr lang="en-IL" dirty="0"/>
-              <a:t>Products</a:t>
-            </a:r>
-          </a:p>
-        </p:txBody>
-      </p:sp>
-      <p:sp>
-        <p:nvSpPr>
-          <p:cNvPr id="20" name="Rectangle 19">
-            <a:extLst>
-              <a:ext uri="{FF2B5EF4-FFF2-40B4-BE49-F238E27FC236}">
-                <a16:creationId xmlns:a16="http://schemas.microsoft.com/office/drawing/2014/main" id="{A6F5B17E-713B-544C-9F82-99ED86DFF179}"/>
-              </a:ext>
-            </a:extLst>
-          </p:cNvPr>
-          <p:cNvSpPr/>
-          <p:nvPr/>
-        </p:nvSpPr>
-        <p:spPr>
-          <a:xfrm>
-            <a:off x="12" y="1683330"/>
-            <a:ext cx="1952978" cy="513191"/>
-          </a:xfrm>
-          <a:prstGeom prst="rect">
-            <a:avLst/>
-          </a:prstGeom>
-        </p:spPr>
-        <p:style>
-          <a:lnRef idx="2">
-            <a:schemeClr val="accent1">
-              <a:shade val="50000"/>
-            </a:schemeClr>
-          </a:lnRef>
-          <a:fillRef idx="1">
-            <a:schemeClr val="accent1"/>
-          </a:fillRef>
-          <a:effectRef idx="0">
-            <a:schemeClr val="accent1"/>
-          </a:effectRef>
-          <a:fontRef idx="minor">
-            <a:schemeClr val="lt1"/>
-          </a:fontRef>
-        </p:style>
-        <p:txBody>
-          <a:bodyPr rtlCol="0" anchor="ctr"/>
-          <a:lstStyle/>
-          <a:p>
-            <a:pPr algn="ctr"/>
-            <a:r>
-              <a:rPr lang="en-IL" dirty="0"/>
-              <a:t>Businesses</a:t>
-            </a:r>
-          </a:p>
-        </p:txBody>
-      </p:sp>
-      <p:sp>
-        <p:nvSpPr>
-          <p:cNvPr id="21" name="Rectangle 20">
-            <a:extLst>
-              <a:ext uri="{FF2B5EF4-FFF2-40B4-BE49-F238E27FC236}">
-                <a16:creationId xmlns:a16="http://schemas.microsoft.com/office/drawing/2014/main" id="{FB3063B4-C6B8-964D-A4DE-6E45139980EE}"/>
-              </a:ext>
-            </a:extLst>
-          </p:cNvPr>
-          <p:cNvSpPr/>
-          <p:nvPr/>
-        </p:nvSpPr>
-        <p:spPr>
-          <a:xfrm>
-            <a:off x="-21" y="1170139"/>
-            <a:ext cx="1952978" cy="513191"/>
-          </a:xfrm>
-          <a:prstGeom prst="rect">
-            <a:avLst/>
-          </a:prstGeom>
-        </p:spPr>
-        <p:style>
-          <a:lnRef idx="2">
-            <a:schemeClr val="accent1">
-              <a:shade val="50000"/>
-            </a:schemeClr>
-          </a:lnRef>
-          <a:fillRef idx="1">
-            <a:schemeClr val="accent1"/>
-          </a:fillRef>
-          <a:effectRef idx="0">
-            <a:schemeClr val="accent1"/>
-          </a:effectRef>
-          <a:fontRef idx="minor">
-            <a:schemeClr val="lt1"/>
-          </a:fontRef>
-        </p:style>
-        <p:txBody>
-          <a:bodyPr rtlCol="0" anchor="ctr"/>
-          <a:lstStyle/>
-          <a:p>
-            <a:pPr algn="ctr"/>
-            <a:r>
-              <a:rPr lang="en-IL" dirty="0"/>
-              <a:t>Deals</a:t>
-            </a:r>
-          </a:p>
-        </p:txBody>
-      </p:sp>
-    </p:spTree>
-    <p:extLst>
-      <p:ext uri="{BB962C8B-B14F-4D97-AF65-F5344CB8AC3E}">
-        <p14:creationId xmlns:p14="http://schemas.microsoft.com/office/powerpoint/2010/main" val="2503979726"/>
-      </p:ext>
-    </p:extLst>
-  </p:cSld>
-  <p:clrMapOvr>
-    <a:masterClrMapping/>
-  </p:clrMapOvr>
-</p:sld>
-</file>
-
-<file path=ppt/slides/slide2.xml><?xml version="1.0" encoding="utf-8"?>
-<p:sld xmlns:a="http://schemas.openxmlformats.org/drawingml/2006/main" xmlns:r="http://schemas.openxmlformats.org/officeDocument/2006/relationships" xmlns:p="http://schemas.openxmlformats.org/presentationml/2006/main">
-  <p:cSld>
-    <p:spTree>
-      <p:nvGrpSpPr>
-        <p:cNvPr id="1" name=""/>
-        <p:cNvGrpSpPr/>
-        <p:nvPr/>
-      </p:nvGrpSpPr>
-      <p:grpSpPr>
-        <a:xfrm>
-          <a:off x="0" y="0"/>
-          <a:ext cx="0" cy="0"/>
-          <a:chOff x="0" y="0"/>
-          <a:chExt cx="0" cy="0"/>
-        </a:xfrm>
-      </p:grpSpPr>
-      <p:sp>
-        <p:nvSpPr>
-          <p:cNvPr id="10" name="Rectangle 9">
-            <a:extLst>
-              <a:ext uri="{FF2B5EF4-FFF2-40B4-BE49-F238E27FC236}">
-                <a16:creationId xmlns:a16="http://schemas.microsoft.com/office/drawing/2014/main" id="{DD93A59F-D0F5-3444-88E2-CA8D0571F73D}"/>
-              </a:ext>
-            </a:extLst>
-          </p:cNvPr>
-          <p:cNvSpPr/>
-          <p:nvPr/>
-        </p:nvSpPr>
-        <p:spPr>
-          <a:xfrm>
-            <a:off x="0" y="0"/>
-            <a:ext cx="12192022" cy="656948"/>
-          </a:xfrm>
-          <a:prstGeom prst="rect">
-            <a:avLst/>
-          </a:prstGeom>
-        </p:spPr>
-        <p:style>
-          <a:lnRef idx="2">
-            <a:schemeClr val="accent1">
-              <a:shade val="50000"/>
-            </a:schemeClr>
-          </a:lnRef>
-          <a:fillRef idx="1">
-            <a:schemeClr val="accent1"/>
-          </a:fillRef>
-          <a:effectRef idx="0">
-            <a:schemeClr val="accent1"/>
-          </a:effectRef>
-          <a:fontRef idx="minor">
-            <a:schemeClr val="lt1"/>
-          </a:fontRef>
-        </p:style>
-        <p:txBody>
-          <a:bodyPr rtlCol="0" anchor="ctr"/>
-          <a:lstStyle/>
-          <a:p>
-            <a:pPr algn="ctr"/>
-            <a:r>
-              <a:rPr lang="en-IL" b="1" dirty="0"/>
-              <a:t>Supplying Admin  			  								</a:t>
-            </a:r>
-          </a:p>
-        </p:txBody>
-      </p:sp>
       <p:graphicFrame>
         <p:nvGraphicFramePr>
           <p:cNvPr id="3" name="Table 8">
@@ -4306,7 +3937,7 @@
           <p:nvPr>
             <p:extLst>
               <p:ext uri="{D42A27DB-BD31-4B8C-83A1-F6EECF244321}">
-                <p14:modId xmlns:p14="http://schemas.microsoft.com/office/powerpoint/2010/main" val="4278559661"/>
+                <p14:modId xmlns:p14="http://schemas.microsoft.com/office/powerpoint/2010/main" val="1233928386"/>
               </p:ext>
             </p:extLst>
           </p:nvPr>
@@ -4604,7 +4235,7 @@
                       </a:pPr>
                       <a:r>
                         <a:rPr lang="en-IL" dirty="0"/>
-                        <a:t>Supplier B</a:t>
+                        <a:t>Supplier A</a:t>
                       </a:r>
                     </a:p>
                   </a:txBody>
@@ -4736,7 +4367,7 @@
                     <a:p>
                       <a:r>
                         <a:rPr lang="en-IL" dirty="0"/>
-                        <a:t>Supplier A</a:t>
+                        <a:t>Supplier B</a:t>
                       </a:r>
                     </a:p>
                   </a:txBody>
@@ -5691,7 +5322,7 @@
 </p:sld>
 </file>
 
-<file path=ppt/slides/slide3.xml><?xml version="1.0" encoding="utf-8"?>
+<file path=ppt/slides/slide2.xml><?xml version="1.0" encoding="utf-8"?>
 <p:sld xmlns:a="http://schemas.openxmlformats.org/drawingml/2006/main" xmlns:r="http://schemas.openxmlformats.org/officeDocument/2006/relationships" xmlns:p="http://schemas.openxmlformats.org/presentationml/2006/main">
   <p:cSld>
     <p:spTree>
@@ -7932,7 +7563,7 @@
 </p:sld>
 </file>
 
-<file path=ppt/slides/slide4.xml><?xml version="1.0" encoding="utf-8"?>
+<file path=ppt/slides/slide3.xml><?xml version="1.0" encoding="utf-8"?>
 <p:sld xmlns:a="http://schemas.openxmlformats.org/drawingml/2006/main" xmlns:r="http://schemas.openxmlformats.org/officeDocument/2006/relationships" xmlns:p="http://schemas.openxmlformats.org/presentationml/2006/main">
   <p:cSld>
     <p:spTree>
@@ -8375,7 +8006,7 @@
           <p:nvPr>
             <p:extLst>
               <p:ext uri="{D42A27DB-BD31-4B8C-83A1-F6EECF244321}">
-                <p14:modId xmlns:p14="http://schemas.microsoft.com/office/powerpoint/2010/main" val="792807300"/>
+                <p14:modId xmlns:p14="http://schemas.microsoft.com/office/powerpoint/2010/main" val="690260362"/>
               </p:ext>
             </p:extLst>
           </p:nvPr>
@@ -8751,9 +8382,10 @@
                     <a:lstStyle/>
                     <a:p>
                       <a:r>
-                        <a:rPr lang="en-IL" sz="1600" dirty="0"/>
-                        <a:t>1450</a:t>
-                      </a:r>
+                        <a:rPr lang="en-IL" sz="1600"/>
+                        <a:t>€1450</a:t>
+                      </a:r>
+                      <a:endParaRPr lang="en-IL" sz="1600" dirty="0"/>
                     </a:p>
                   </a:txBody>
                   <a:tcPr>
@@ -9812,7 +9444,7 @@
 </p:sld>
 </file>
 
-<file path=ppt/slides/slide5.xml><?xml version="1.0" encoding="utf-8"?>
+<file path=ppt/slides/slide4.xml><?xml version="1.0" encoding="utf-8"?>
 <p:sld xmlns:a="http://schemas.openxmlformats.org/drawingml/2006/main" xmlns:r="http://schemas.openxmlformats.org/officeDocument/2006/relationships" xmlns:p="http://schemas.openxmlformats.org/presentationml/2006/main">
   <p:cSld>
     <p:spTree>
@@ -11600,7 +11232,7 @@
 </p:sld>
 </file>
 
-<file path=ppt/slides/slide6.xml><?xml version="1.0" encoding="utf-8"?>
+<file path=ppt/slides/slide5.xml><?xml version="1.0" encoding="utf-8"?>
 <p:sld xmlns:a="http://schemas.openxmlformats.org/drawingml/2006/main" xmlns:r="http://schemas.openxmlformats.org/officeDocument/2006/relationships" xmlns:p="http://schemas.openxmlformats.org/presentationml/2006/main">
   <p:cSld>
     <p:spTree>
@@ -13326,7 +12958,7 @@
 </p:sld>
 </file>
 
-<file path=ppt/slides/slide7.xml><?xml version="1.0" encoding="utf-8"?>
+<file path=ppt/slides/slide6.xml><?xml version="1.0" encoding="utf-8"?>
 <p:sld xmlns:a="http://schemas.openxmlformats.org/drawingml/2006/main" xmlns:r="http://schemas.openxmlformats.org/officeDocument/2006/relationships" xmlns:p="http://schemas.openxmlformats.org/presentationml/2006/main">
   <p:cSld>
     <p:spTree>
